--- a/IUPUI/ECE662/submission1_optimization.pptx
+++ b/IUPUI/ECE662/submission1_optimization.pptx
@@ -2,23 +2,27 @@
 <file path=ppt/presentation.xml><?xml version="1.0" encoding="utf-8"?>
 <p:presentation xmlns:a="http://schemas.openxmlformats.org/drawingml/2006/main" xmlns:r="http://schemas.openxmlformats.org/officeDocument/2006/relationships" xmlns:p="http://schemas.openxmlformats.org/presentationml/2006/main" removePersonalInfoOnSave="1" saveSubsetFonts="1" autoCompressPictures="0">
   <p:sldMasterIdLst>
-    <p:sldMasterId id="2147483660" r:id="rId4"/>
+    <p:sldMasterId id="2147483709" r:id="rId4"/>
   </p:sldMasterIdLst>
   <p:notesMasterIdLst>
-    <p:notesMasterId r:id="rId13"/>
+    <p:notesMasterId r:id="rId17"/>
   </p:notesMasterIdLst>
   <p:handoutMasterIdLst>
-    <p:handoutMasterId r:id="rId14"/>
+    <p:handoutMasterId r:id="rId18"/>
   </p:handoutMasterIdLst>
   <p:sldIdLst>
     <p:sldId id="256" r:id="rId5"/>
     <p:sldId id="287" r:id="rId6"/>
     <p:sldId id="286" r:id="rId7"/>
     <p:sldId id="288" r:id="rId8"/>
-    <p:sldId id="283" r:id="rId9"/>
-    <p:sldId id="285" r:id="rId10"/>
-    <p:sldId id="284" r:id="rId11"/>
-    <p:sldId id="282" r:id="rId12"/>
+    <p:sldId id="289" r:id="rId9"/>
+    <p:sldId id="295" r:id="rId10"/>
+    <p:sldId id="294" r:id="rId11"/>
+    <p:sldId id="292" r:id="rId12"/>
+    <p:sldId id="283" r:id="rId13"/>
+    <p:sldId id="290" r:id="rId14"/>
+    <p:sldId id="284" r:id="rId15"/>
+    <p:sldId id="282" r:id="rId16"/>
   </p:sldIdLst>
   <p:sldSz cx="12192000" cy="6858000"/>
   <p:notesSz cx="6858000" cy="9144000"/>
@@ -26,7 +30,7 @@
     <a:defPPr>
       <a:defRPr lang="en-US"/>
     </a:defPPr>
-    <a:lvl1pPr marL="0" algn="l" defTabSz="914400" rtl="0" eaLnBrk="1" latinLnBrk="0" hangingPunct="1">
+    <a:lvl1pPr marL="0" algn="l" defTabSz="457200" rtl="0" eaLnBrk="1" latinLnBrk="0" hangingPunct="1">
       <a:defRPr sz="1800" kern="1200">
         <a:solidFill>
           <a:schemeClr val="tx1"/>
@@ -36,7 +40,7 @@
         <a:cs typeface="+mn-cs"/>
       </a:defRPr>
     </a:lvl1pPr>
-    <a:lvl2pPr marL="457200" algn="l" defTabSz="914400" rtl="0" eaLnBrk="1" latinLnBrk="0" hangingPunct="1">
+    <a:lvl2pPr marL="457200" algn="l" defTabSz="457200" rtl="0" eaLnBrk="1" latinLnBrk="0" hangingPunct="1">
       <a:defRPr sz="1800" kern="1200">
         <a:solidFill>
           <a:schemeClr val="tx1"/>
@@ -46,7 +50,7 @@
         <a:cs typeface="+mn-cs"/>
       </a:defRPr>
     </a:lvl2pPr>
-    <a:lvl3pPr marL="914400" algn="l" defTabSz="914400" rtl="0" eaLnBrk="1" latinLnBrk="0" hangingPunct="1">
+    <a:lvl3pPr marL="914400" algn="l" defTabSz="457200" rtl="0" eaLnBrk="1" latinLnBrk="0" hangingPunct="1">
       <a:defRPr sz="1800" kern="1200">
         <a:solidFill>
           <a:schemeClr val="tx1"/>
@@ -56,7 +60,7 @@
         <a:cs typeface="+mn-cs"/>
       </a:defRPr>
     </a:lvl3pPr>
-    <a:lvl4pPr marL="1371600" algn="l" defTabSz="914400" rtl="0" eaLnBrk="1" latinLnBrk="0" hangingPunct="1">
+    <a:lvl4pPr marL="1371600" algn="l" defTabSz="457200" rtl="0" eaLnBrk="1" latinLnBrk="0" hangingPunct="1">
       <a:defRPr sz="1800" kern="1200">
         <a:solidFill>
           <a:schemeClr val="tx1"/>
@@ -66,7 +70,7 @@
         <a:cs typeface="+mn-cs"/>
       </a:defRPr>
     </a:lvl4pPr>
-    <a:lvl5pPr marL="1828800" algn="l" defTabSz="914400" rtl="0" eaLnBrk="1" latinLnBrk="0" hangingPunct="1">
+    <a:lvl5pPr marL="1828800" algn="l" defTabSz="457200" rtl="0" eaLnBrk="1" latinLnBrk="0" hangingPunct="1">
       <a:defRPr sz="1800" kern="1200">
         <a:solidFill>
           <a:schemeClr val="tx1"/>
@@ -76,7 +80,7 @@
         <a:cs typeface="+mn-cs"/>
       </a:defRPr>
     </a:lvl5pPr>
-    <a:lvl6pPr marL="2286000" algn="l" defTabSz="914400" rtl="0" eaLnBrk="1" latinLnBrk="0" hangingPunct="1">
+    <a:lvl6pPr marL="2286000" algn="l" defTabSz="457200" rtl="0" eaLnBrk="1" latinLnBrk="0" hangingPunct="1">
       <a:defRPr sz="1800" kern="1200">
         <a:solidFill>
           <a:schemeClr val="tx1"/>
@@ -86,7 +90,7 @@
         <a:cs typeface="+mn-cs"/>
       </a:defRPr>
     </a:lvl6pPr>
-    <a:lvl7pPr marL="2743200" algn="l" defTabSz="914400" rtl="0" eaLnBrk="1" latinLnBrk="0" hangingPunct="1">
+    <a:lvl7pPr marL="2743200" algn="l" defTabSz="457200" rtl="0" eaLnBrk="1" latinLnBrk="0" hangingPunct="1">
       <a:defRPr sz="1800" kern="1200">
         <a:solidFill>
           <a:schemeClr val="tx1"/>
@@ -96,7 +100,7 @@
         <a:cs typeface="+mn-cs"/>
       </a:defRPr>
     </a:lvl7pPr>
-    <a:lvl8pPr marL="3200400" algn="l" defTabSz="914400" rtl="0" eaLnBrk="1" latinLnBrk="0" hangingPunct="1">
+    <a:lvl8pPr marL="3200400" algn="l" defTabSz="457200" rtl="0" eaLnBrk="1" latinLnBrk="0" hangingPunct="1">
       <a:defRPr sz="1800" kern="1200">
         <a:solidFill>
           <a:schemeClr val="tx1"/>
@@ -106,7 +110,7 @@
         <a:cs typeface="+mn-cs"/>
       </a:defRPr>
     </a:lvl8pPr>
-    <a:lvl9pPr marL="3657600" algn="l" defTabSz="914400" rtl="0" eaLnBrk="1" latinLnBrk="0" hangingPunct="1">
+    <a:lvl9pPr marL="3657600" algn="l" defTabSz="457200" rtl="0" eaLnBrk="1" latinLnBrk="0" hangingPunct="1">
       <a:defRPr sz="1800" kern="1200">
         <a:solidFill>
           <a:schemeClr val="tx1"/>
@@ -126,8 +130,12 @@
             <p14:sldId id="287"/>
             <p14:sldId id="286"/>
             <p14:sldId id="288"/>
+            <p14:sldId id="289"/>
+            <p14:sldId id="295"/>
+            <p14:sldId id="294"/>
+            <p14:sldId id="292"/>
             <p14:sldId id="283"/>
-            <p14:sldId id="285"/>
+            <p14:sldId id="290"/>
             <p14:sldId id="284"/>
           </p14:sldIdLst>
         </p14:section>
@@ -270,7 +278,7 @@
           <a:p>
             <a:fld id="{80680FBE-A8DF-4758-9AC4-3A9E1039168F}" type="datetimeFigureOut">
               <a:rPr lang="en-US" smtClean="0"/>
-              <a:t>2/17/2020</a:t>
+              <a:t>2/17/20</a:t>
             </a:fld>
             <a:endParaRPr lang="en-US" dirty="0"/>
           </a:p>
@@ -435,7 +443,7 @@
           <a:p>
             <a:fld id="{EC13577B-6902-467D-A26C-08A0DD5E4E03}" type="datetimeFigureOut">
               <a:rPr lang="en-US" smtClean="0"/>
-              <a:t>2/17/2020</a:t>
+              <a:t>2/17/20</a:t>
             </a:fld>
             <a:endParaRPr lang="en-US" dirty="0"/>
           </a:p>
@@ -791,6 +799,318 @@
 </p:notes>
 </file>
 
+<file path=ppt/notesSlides/notesSlide10.xml><?xml version="1.0" encoding="utf-8"?>
+<p:notes xmlns:a="http://schemas.openxmlformats.org/drawingml/2006/main" xmlns:r="http://schemas.openxmlformats.org/officeDocument/2006/relationships" xmlns:p="http://schemas.openxmlformats.org/presentationml/2006/main">
+  <p:cSld>
+    <p:spTree>
+      <p:nvGrpSpPr>
+        <p:cNvPr id="1" name=""/>
+        <p:cNvGrpSpPr/>
+        <p:nvPr/>
+      </p:nvGrpSpPr>
+      <p:grpSpPr>
+        <a:xfrm>
+          <a:off x="0" y="0"/>
+          <a:ext cx="0" cy="0"/>
+          <a:chOff x="0" y="0"/>
+          <a:chExt cx="0" cy="0"/>
+        </a:xfrm>
+      </p:grpSpPr>
+      <p:sp>
+        <p:nvSpPr>
+          <p:cNvPr id="2" name="Slide Image Placeholder 1"/>
+          <p:cNvSpPr>
+            <a:spLocks noGrp="1" noRot="1" noChangeAspect="1"/>
+          </p:cNvSpPr>
+          <p:nvPr>
+            <p:ph type="sldImg"/>
+          </p:nvPr>
+        </p:nvSpPr>
+        <p:spPr>
+          <a:xfrm>
+            <a:off x="685800" y="1143000"/>
+            <a:ext cx="5486400" cy="3086100"/>
+          </a:xfrm>
+        </p:spPr>
+      </p:sp>
+      <p:sp>
+        <p:nvSpPr>
+          <p:cNvPr id="3" name="Notes Placeholder 2"/>
+          <p:cNvSpPr>
+            <a:spLocks noGrp="1"/>
+          </p:cNvSpPr>
+          <p:nvPr>
+            <p:ph type="body" idx="1"/>
+          </p:nvPr>
+        </p:nvSpPr>
+        <p:spPr/>
+        <p:txBody>
+          <a:bodyPr/>
+          <a:lstStyle/>
+          <a:p>
+            <a:pPr marL="285750" indent="-285750">
+              <a:buFontTx/>
+              <a:buChar char="-"/>
+            </a:pPr>
+            <a:endParaRPr lang="en-US" altLang="zh-CN" dirty="0"/>
+          </a:p>
+        </p:txBody>
+      </p:sp>
+      <p:sp>
+        <p:nvSpPr>
+          <p:cNvPr id="4" name="Slide Number Placeholder 3"/>
+          <p:cNvSpPr>
+            <a:spLocks noGrp="1"/>
+          </p:cNvSpPr>
+          <p:nvPr>
+            <p:ph type="sldNum" sz="quarter" idx="10"/>
+          </p:nvPr>
+        </p:nvSpPr>
+        <p:spPr/>
+        <p:txBody>
+          <a:bodyPr/>
+          <a:lstStyle/>
+          <a:p>
+            <a:fld id="{DF61EA0F-A667-4B49-8422-0062BC55E249}" type="slidenum">
+              <a:rPr lang="en-US" smtClean="0"/>
+              <a:t>10</a:t>
+            </a:fld>
+            <a:endParaRPr lang="en-US" dirty="0"/>
+          </a:p>
+        </p:txBody>
+      </p:sp>
+    </p:spTree>
+    <p:extLst>
+      <p:ext uri="{BB962C8B-B14F-4D97-AF65-F5344CB8AC3E}">
+        <p14:creationId xmlns:p14="http://schemas.microsoft.com/office/powerpoint/2010/main" val="2540006574"/>
+      </p:ext>
+    </p:extLst>
+  </p:cSld>
+  <p:clrMapOvr>
+    <a:masterClrMapping/>
+  </p:clrMapOvr>
+</p:notes>
+</file>
+
+<file path=ppt/notesSlides/notesSlide11.xml><?xml version="1.0" encoding="utf-8"?>
+<p:notes xmlns:a="http://schemas.openxmlformats.org/drawingml/2006/main" xmlns:r="http://schemas.openxmlformats.org/officeDocument/2006/relationships" xmlns:p="http://schemas.openxmlformats.org/presentationml/2006/main">
+  <p:cSld>
+    <p:spTree>
+      <p:nvGrpSpPr>
+        <p:cNvPr id="1" name=""/>
+        <p:cNvGrpSpPr/>
+        <p:nvPr/>
+      </p:nvGrpSpPr>
+      <p:grpSpPr>
+        <a:xfrm>
+          <a:off x="0" y="0"/>
+          <a:ext cx="0" cy="0"/>
+          <a:chOff x="0" y="0"/>
+          <a:chExt cx="0" cy="0"/>
+        </a:xfrm>
+      </p:grpSpPr>
+      <p:sp>
+        <p:nvSpPr>
+          <p:cNvPr id="2" name="Slide Image Placeholder 1"/>
+          <p:cNvSpPr>
+            <a:spLocks noGrp="1" noRot="1" noChangeAspect="1"/>
+          </p:cNvSpPr>
+          <p:nvPr>
+            <p:ph type="sldImg"/>
+          </p:nvPr>
+        </p:nvSpPr>
+        <p:spPr/>
+      </p:sp>
+      <p:sp>
+        <p:nvSpPr>
+          <p:cNvPr id="3" name="Notes Placeholder 2"/>
+          <p:cNvSpPr>
+            <a:spLocks noGrp="1"/>
+          </p:cNvSpPr>
+          <p:nvPr>
+            <p:ph type="body" idx="1"/>
+          </p:nvPr>
+        </p:nvSpPr>
+        <p:spPr/>
+        <p:txBody>
+          <a:bodyPr/>
+          <a:lstStyle/>
+          <a:p>
+            <a:r>
+              <a:rPr lang="en-US" altLang="zh-CN" dirty="0"/>
+              <a:t>right:</a:t>
+            </a:r>
+            <a:r>
+              <a:rPr lang="zh-CN" altLang="en-US" dirty="0"/>
+              <a:t> </a:t>
+            </a:r>
+            <a:r>
+              <a:rPr lang="en-US" dirty="0"/>
+              <a:t>One of them is having a non-</a:t>
+            </a:r>
+            <a:r>
+              <a:rPr lang="en-US" dirty="0">
+                <a:hlinkClick r:id="rId3" tooltip="Smoothness"/>
+              </a:rPr>
+              <a:t>smooth</a:t>
+            </a:r>
+            <a:r>
+              <a:rPr lang="en-US" dirty="0"/>
+              <a:t> multivariable function. The following picture shows that coordinate descent iteration may get stuck at a non-</a:t>
+            </a:r>
+            <a:r>
+              <a:rPr lang="en-US" dirty="0">
+                <a:hlinkClick r:id="rId4" tooltip="Stationary point"/>
+              </a:rPr>
+              <a:t>stationary point</a:t>
+            </a:r>
+            <a:r>
+              <a:rPr lang="en-US" dirty="0"/>
+              <a:t> if the level curves of a function are not smooth. Suppose that the algorithm is at the point (-2, -2); then there are two axis-aligned directions it can consider for taking a step, indicated by the red arrows. However, every step along these two directions will increase the objective function's value (assuming a minimization problem), so the algorithm will not take any step, even though both steps together would bring the algorithm closer to the optimum. While this example shows that coordinate descent is not necessarily convergent to the optimum, it is possible to show formal convergence under reasonable conditions.</a:t>
+            </a:r>
+            <a:r>
+              <a:rPr lang="en-US" baseline="30000" dirty="0">
+                <a:hlinkClick r:id="rId5"/>
+              </a:rPr>
+              <a:t>[3]</a:t>
+            </a:r>
+            <a:endParaRPr lang="en-CN" dirty="0"/>
+          </a:p>
+        </p:txBody>
+      </p:sp>
+      <p:sp>
+        <p:nvSpPr>
+          <p:cNvPr id="4" name="Slide Number Placeholder 3"/>
+          <p:cNvSpPr>
+            <a:spLocks noGrp="1"/>
+          </p:cNvSpPr>
+          <p:nvPr>
+            <p:ph type="sldNum" sz="quarter" idx="5"/>
+          </p:nvPr>
+        </p:nvSpPr>
+        <p:spPr/>
+        <p:txBody>
+          <a:bodyPr/>
+          <a:lstStyle/>
+          <a:p>
+            <a:fld id="{DF61EA0F-A667-4B49-8422-0062BC55E249}" type="slidenum">
+              <a:rPr lang="en-US" smtClean="0"/>
+              <a:t>11</a:t>
+            </a:fld>
+            <a:endParaRPr lang="en-US" dirty="0"/>
+          </a:p>
+        </p:txBody>
+      </p:sp>
+    </p:spTree>
+    <p:extLst>
+      <p:ext uri="{BB962C8B-B14F-4D97-AF65-F5344CB8AC3E}">
+        <p14:creationId xmlns:p14="http://schemas.microsoft.com/office/powerpoint/2010/main" val="597373796"/>
+      </p:ext>
+    </p:extLst>
+  </p:cSld>
+  <p:clrMapOvr>
+    <a:masterClrMapping/>
+  </p:clrMapOvr>
+</p:notes>
+</file>
+
+<file path=ppt/notesSlides/notesSlide12.xml><?xml version="1.0" encoding="utf-8"?>
+<p:notes xmlns:a="http://schemas.openxmlformats.org/drawingml/2006/main" xmlns:r="http://schemas.openxmlformats.org/officeDocument/2006/relationships" xmlns:p="http://schemas.openxmlformats.org/presentationml/2006/main">
+  <p:cSld>
+    <p:spTree>
+      <p:nvGrpSpPr>
+        <p:cNvPr id="1" name=""/>
+        <p:cNvGrpSpPr/>
+        <p:nvPr/>
+      </p:nvGrpSpPr>
+      <p:grpSpPr>
+        <a:xfrm>
+          <a:off x="0" y="0"/>
+          <a:ext cx="0" cy="0"/>
+          <a:chOff x="0" y="0"/>
+          <a:chExt cx="0" cy="0"/>
+        </a:xfrm>
+      </p:grpSpPr>
+      <p:sp>
+        <p:nvSpPr>
+          <p:cNvPr id="2" name="Slide Image Placeholder 1"/>
+          <p:cNvSpPr>
+            <a:spLocks noGrp="1" noRot="1" noChangeAspect="1"/>
+          </p:cNvSpPr>
+          <p:nvPr>
+            <p:ph type="sldImg"/>
+          </p:nvPr>
+        </p:nvSpPr>
+        <p:spPr>
+          <a:xfrm>
+            <a:off x="685800" y="1143000"/>
+            <a:ext cx="5486400" cy="3086100"/>
+          </a:xfrm>
+        </p:spPr>
+      </p:sp>
+      <p:sp>
+        <p:nvSpPr>
+          <p:cNvPr id="3" name="Notes Placeholder 2"/>
+          <p:cNvSpPr>
+            <a:spLocks noGrp="1"/>
+          </p:cNvSpPr>
+          <p:nvPr>
+            <p:ph type="body" idx="1"/>
+          </p:nvPr>
+        </p:nvSpPr>
+        <p:spPr/>
+        <p:txBody>
+          <a:bodyPr/>
+          <a:lstStyle/>
+          <a:p>
+            <a:r>
+              <a:rPr lang="en-US" dirty="0"/>
+              <a:t>In </a:t>
+            </a:r>
+            <a:r>
+              <a:rPr lang="en-US" baseline="0" dirty="0"/>
+              <a:t>Slide Show mode, select the arrows to visit links.</a:t>
+            </a:r>
+            <a:endParaRPr lang="en-US" dirty="0"/>
+          </a:p>
+        </p:txBody>
+      </p:sp>
+      <p:sp>
+        <p:nvSpPr>
+          <p:cNvPr id="4" name="Slide Number Placeholder 3"/>
+          <p:cNvSpPr>
+            <a:spLocks noGrp="1"/>
+          </p:cNvSpPr>
+          <p:nvPr>
+            <p:ph type="sldNum" sz="quarter" idx="10"/>
+          </p:nvPr>
+        </p:nvSpPr>
+        <p:spPr/>
+        <p:txBody>
+          <a:bodyPr/>
+          <a:lstStyle/>
+          <a:p>
+            <a:fld id="{DF61EA0F-A667-4B49-8422-0062BC55E249}" type="slidenum">
+              <a:rPr lang="en-US" smtClean="0"/>
+              <a:t>12</a:t>
+            </a:fld>
+            <a:endParaRPr lang="en-US" dirty="0"/>
+          </a:p>
+        </p:txBody>
+      </p:sp>
+    </p:spTree>
+    <p:extLst>
+      <p:ext uri="{BB962C8B-B14F-4D97-AF65-F5344CB8AC3E}">
+        <p14:creationId xmlns:p14="http://schemas.microsoft.com/office/powerpoint/2010/main" val="3421780843"/>
+      </p:ext>
+    </p:extLst>
+  </p:cSld>
+  <p:clrMapOvr>
+    <a:masterClrMapping/>
+  </p:clrMapOvr>
+</p:notes>
+</file>
+
 <file path=ppt/notesSlides/notesSlide2.xml><?xml version="1.0" encoding="utf-8"?>
 <p:notes xmlns:a="http://schemas.openxmlformats.org/drawingml/2006/main" xmlns:r="http://schemas.openxmlformats.org/officeDocument/2006/relationships" xmlns:p="http://schemas.openxmlformats.org/presentationml/2006/main">
   <p:cSld>
@@ -1004,12 +1324,32 @@
           <a:lstStyle/>
           <a:p>
             <a:r>
-              <a:rPr lang="en-US" dirty="0"/>
-              <a:t>In </a:t>
-            </a:r>
-            <a:r>
-              <a:rPr lang="en-US" baseline="0" dirty="0"/>
-              <a:t>Slide Show mode, select the arrows to visit links.</a:t>
+              <a:rPr lang="en-US" altLang="zh-CN" dirty="0"/>
+              <a:t>-</a:t>
+            </a:r>
+            <a:r>
+              <a:rPr lang="zh-CN" altLang="en-US" dirty="0"/>
+              <a:t> </a:t>
+            </a:r>
+            <a:r>
+              <a:rPr lang="en-US" altLang="zh-CN" dirty="0"/>
+              <a:t>Conjugate</a:t>
+            </a:r>
+            <a:r>
+              <a:rPr lang="zh-CN" altLang="en-US" dirty="0"/>
+              <a:t> </a:t>
+            </a:r>
+            <a:r>
+              <a:rPr lang="en-US" altLang="zh-CN" dirty="0"/>
+              <a:t>GD:</a:t>
+            </a:r>
+            <a:r>
+              <a:rPr lang="zh-CN" altLang="en-US" dirty="0"/>
+              <a:t> </a:t>
+            </a:r>
+            <a:r>
+              <a:rPr lang="en-US" altLang="zh-CN" dirty="0"/>
+              <a:t>﻿employs a series of line searches in weight or parameter space.</a:t>
             </a:r>
             <a:endParaRPr lang="en-US" dirty="0"/>
           </a:p>
@@ -1182,14 +1522,304 @@
           </a:xfrm>
         </p:spPr>
       </p:sp>
-      <p:sp>
-        <p:nvSpPr>
-          <p:cNvPr id="3" name="Notes Placeholder 2"/>
-          <p:cNvSpPr>
-            <a:spLocks noGrp="1"/>
-          </p:cNvSpPr>
-          <p:nvPr>
-            <p:ph type="body" idx="1"/>
+      <mc:AlternateContent xmlns:mc="http://schemas.openxmlformats.org/markup-compatibility/2006">
+        <mc:Choice xmlns:a14="http://schemas.microsoft.com/office/drawing/2010/main" Requires="a14">
+          <p:sp>
+            <p:nvSpPr>
+              <p:cNvPr id="3" name="Notes Placeholder 2"/>
+              <p:cNvSpPr>
+                <a:spLocks noGrp="1"/>
+              </p:cNvSpPr>
+              <p:nvPr>
+                <p:ph type="body" idx="1"/>
+              </p:nvPr>
+            </p:nvSpPr>
+            <p:spPr/>
+            <p:txBody>
+              <a:bodyPr/>
+              <a:lstStyle/>
+              <a:p>
+                <a:pPr marL="285750" indent="-285750">
+                  <a:buFontTx/>
+                  <a:buChar char="-"/>
+                </a:pPr>
+                <a:r>
+                  <a:rPr lang="en-US" altLang="zh-CN" dirty="0"/>
+                  <a:t>Newton’s</a:t>
+                </a:r>
+                <a:r>
+                  <a:rPr lang="zh-CN" altLang="en-US" dirty="0"/>
+                  <a:t> </a:t>
+                </a:r>
+                <a:r>
+                  <a:rPr lang="en-US" altLang="zh-CN" dirty="0"/>
+                  <a:t>Method:</a:t>
+                </a:r>
+                <a:r>
+                  <a:rPr lang="zh-CN" altLang="en-US" dirty="0"/>
+                  <a:t> </a:t>
+                </a:r>
+                <a14:m>
+                  <m:oMath xmlns:m="http://schemas.openxmlformats.org/officeDocument/2006/math">
+                    <m:sSup>
+                      <m:sSupPr>
+                        <m:ctrlPr>
+                          <a:rPr lang="en-US" altLang="zh-CN" b="1" i="1">
+                            <a:latin typeface="Cambria Math" panose="02040503050406030204" pitchFamily="18" charset="0"/>
+                            <a:ea typeface="Cambria Math" panose="02040503050406030204" pitchFamily="18" charset="0"/>
+                          </a:rPr>
+                        </m:ctrlPr>
+                      </m:sSupPr>
+                      <m:e>
+                        <m:r>
+                          <a:rPr lang="en-US" altLang="zh-CN" b="1" i="1">
+                            <a:latin typeface="Cambria Math" panose="02040503050406030204" pitchFamily="18" charset="0"/>
+                            <a:ea typeface="Cambria Math" panose="02040503050406030204" pitchFamily="18" charset="0"/>
+                          </a:rPr>
+                          <m:t>𝚶</m:t>
+                        </m:r>
+                        <m:r>
+                          <a:rPr lang="en-US" altLang="zh-CN" b="1" i="1">
+                            <a:latin typeface="Cambria Math" panose="02040503050406030204" pitchFamily="18" charset="0"/>
+                            <a:ea typeface="Cambria Math" panose="02040503050406030204" pitchFamily="18" charset="0"/>
+                          </a:rPr>
+                          <m:t>(</m:t>
+                        </m:r>
+                        <m:r>
+                          <a:rPr lang="en-US" altLang="zh-CN" b="1" i="1">
+                            <a:latin typeface="Cambria Math" panose="02040503050406030204" pitchFamily="18" charset="0"/>
+                            <a:ea typeface="Cambria Math" panose="02040503050406030204" pitchFamily="18" charset="0"/>
+                          </a:rPr>
+                          <m:t>𝒏</m:t>
+                        </m:r>
+                      </m:e>
+                      <m:sup>
+                        <m:r>
+                          <a:rPr lang="en-US" altLang="zh-CN" b="1" i="1" smtClean="0">
+                            <a:latin typeface="Cambria Math" panose="02040503050406030204" pitchFamily="18" charset="0"/>
+                            <a:ea typeface="Cambria Math" panose="02040503050406030204" pitchFamily="18" charset="0"/>
+                          </a:rPr>
+                          <m:t>𝟑</m:t>
+                        </m:r>
+                      </m:sup>
+                    </m:sSup>
+                    <m:r>
+                      <a:rPr lang="en-US" altLang="zh-CN" b="1" i="1" smtClean="0">
+                        <a:latin typeface="Cambria Math" panose="02040503050406030204" pitchFamily="18" charset="0"/>
+                        <a:ea typeface="Cambria Math" panose="02040503050406030204" pitchFamily="18" charset="0"/>
+                      </a:rPr>
+                      <m:t>)</m:t>
+                    </m:r>
+                  </m:oMath>
+                </a14:m>
+                <a:endParaRPr lang="en-US" altLang="zh-CN" dirty="0"/>
+              </a:p>
+              <a:p>
+                <a:pPr marL="285750" marR="0" lvl="0" indent="-285750" algn="l" defTabSz="914400" rtl="0" eaLnBrk="1" fontAlgn="auto" latinLnBrk="0" hangingPunct="1">
+                  <a:lnSpc>
+                    <a:spcPct val="100000"/>
+                  </a:lnSpc>
+                  <a:spcBef>
+                    <a:spcPts val="0"/>
+                  </a:spcBef>
+                  <a:spcAft>
+                    <a:spcPts val="0"/>
+                  </a:spcAft>
+                  <a:buClrTx/>
+                  <a:buSzTx/>
+                  <a:buFontTx/>
+                  <a:buChar char="-"/>
+                  <a:tabLst/>
+                  <a:defRPr/>
+                </a:pPr>
+                <a:r>
+                  <a:rPr lang="en-US" altLang="zh-CN" dirty="0"/>
+                  <a:t>Newton’s</a:t>
+                </a:r>
+                <a:r>
+                  <a:rPr lang="zh-CN" altLang="en-US" dirty="0"/>
+                  <a:t> </a:t>
+                </a:r>
+                <a:r>
+                  <a:rPr lang="en-US" altLang="zh-CN" dirty="0"/>
+                  <a:t>Method:</a:t>
+                </a:r>
+                <a:r>
+                  <a:rPr lang="zh-CN" altLang="en-US" dirty="0"/>
+                  <a:t> </a:t>
+                </a:r>
+                <a14:m>
+                  <m:oMath xmlns:m="http://schemas.openxmlformats.org/officeDocument/2006/math">
+                    <m:sSup>
+                      <m:sSupPr>
+                        <m:ctrlPr>
+                          <a:rPr lang="en-US" altLang="zh-CN" b="1" i="1">
+                            <a:latin typeface="Cambria Math" panose="02040503050406030204" pitchFamily="18" charset="0"/>
+                            <a:ea typeface="Cambria Math" panose="02040503050406030204" pitchFamily="18" charset="0"/>
+                          </a:rPr>
+                        </m:ctrlPr>
+                      </m:sSupPr>
+                      <m:e>
+                        <m:r>
+                          <a:rPr lang="en-US" altLang="zh-CN" b="1" i="1">
+                            <a:latin typeface="Cambria Math" panose="02040503050406030204" pitchFamily="18" charset="0"/>
+                            <a:ea typeface="Cambria Math" panose="02040503050406030204" pitchFamily="18" charset="0"/>
+                          </a:rPr>
+                          <m:t>𝚶</m:t>
+                        </m:r>
+                        <m:r>
+                          <a:rPr lang="en-US" altLang="zh-CN" b="1" i="1">
+                            <a:latin typeface="Cambria Math" panose="02040503050406030204" pitchFamily="18" charset="0"/>
+                            <a:ea typeface="Cambria Math" panose="02040503050406030204" pitchFamily="18" charset="0"/>
+                          </a:rPr>
+                          <m:t>(</m:t>
+                        </m:r>
+                        <m:r>
+                          <a:rPr lang="en-US" altLang="zh-CN" b="1" i="1">
+                            <a:latin typeface="Cambria Math" panose="02040503050406030204" pitchFamily="18" charset="0"/>
+                            <a:ea typeface="Cambria Math" panose="02040503050406030204" pitchFamily="18" charset="0"/>
+                          </a:rPr>
+                          <m:t>𝒏</m:t>
+                        </m:r>
+                      </m:e>
+                      <m:sup>
+                        <m:r>
+                          <a:rPr lang="en-US" altLang="zh-CN" b="1" i="1" smtClean="0">
+                            <a:latin typeface="Cambria Math" panose="02040503050406030204" pitchFamily="18" charset="0"/>
+                            <a:ea typeface="Cambria Math" panose="02040503050406030204" pitchFamily="18" charset="0"/>
+                          </a:rPr>
+                          <m:t>𝟐</m:t>
+                        </m:r>
+                      </m:sup>
+                    </m:sSup>
+                    <m:r>
+                      <a:rPr lang="en-US" altLang="zh-CN" b="1" i="1" smtClean="0">
+                        <a:latin typeface="Cambria Math" panose="02040503050406030204" pitchFamily="18" charset="0"/>
+                        <a:ea typeface="Cambria Math" panose="02040503050406030204" pitchFamily="18" charset="0"/>
+                      </a:rPr>
+                      <m:t>)</m:t>
+                    </m:r>
+                  </m:oMath>
+                </a14:m>
+                <a:endParaRPr lang="en-US" altLang="zh-CN" dirty="0"/>
+              </a:p>
+              <a:p>
+                <a:pPr marL="285750" indent="-285750">
+                  <a:buFontTx/>
+                  <a:buChar char="-"/>
+                </a:pPr>
+                <a:endParaRPr lang="en-US" altLang="zh-CN" dirty="0"/>
+              </a:p>
+            </p:txBody>
+          </p:sp>
+        </mc:Choice>
+        <mc:Fallback>
+          <p:sp>
+            <p:nvSpPr>
+              <p:cNvPr id="3" name="Notes Placeholder 2"/>
+              <p:cNvSpPr>
+                <a:spLocks noGrp="1"/>
+              </p:cNvSpPr>
+              <p:nvPr>
+                <p:ph type="body" idx="1"/>
+              </p:nvPr>
+            </p:nvSpPr>
+            <p:spPr/>
+            <p:txBody>
+              <a:bodyPr/>
+              <a:lstStyle/>
+              <a:p>
+                <a:pPr marL="285750" indent="-285750">
+                  <a:buFontTx/>
+                  <a:buChar char="-"/>
+                </a:pPr>
+                <a:r>
+                  <a:rPr lang="en-US" altLang="zh-CN" dirty="0"/>
+                  <a:t>Newton’s</a:t>
+                </a:r>
+                <a:r>
+                  <a:rPr lang="zh-CN" altLang="en-US" dirty="0"/>
+                  <a:t> </a:t>
+                </a:r>
+                <a:r>
+                  <a:rPr lang="en-US" altLang="zh-CN" dirty="0"/>
+                  <a:t>Method:</a:t>
+                </a:r>
+                <a:r>
+                  <a:rPr lang="zh-CN" altLang="en-US" dirty="0"/>
+                  <a:t> </a:t>
+                </a:r>
+                <a:r>
+                  <a:rPr lang="en-US" altLang="zh-CN" b="1" i="0">
+                    <a:latin typeface="Cambria Math" panose="02040503050406030204" pitchFamily="18" charset="0"/>
+                    <a:ea typeface="Cambria Math" panose="02040503050406030204" pitchFamily="18" charset="0"/>
+                  </a:rPr>
+                  <a:t>〖𝚶(𝒏〗^𝟑)</a:t>
+                </a:r>
+                <a:endParaRPr lang="en-US" altLang="zh-CN" dirty="0"/>
+              </a:p>
+              <a:p>
+                <a:pPr marL="285750" marR="0" lvl="0" indent="-285750" algn="l" defTabSz="914400" rtl="0" eaLnBrk="1" fontAlgn="auto" latinLnBrk="0" hangingPunct="1">
+                  <a:lnSpc>
+                    <a:spcPct val="100000"/>
+                  </a:lnSpc>
+                  <a:spcBef>
+                    <a:spcPts val="0"/>
+                  </a:spcBef>
+                  <a:spcAft>
+                    <a:spcPts val="0"/>
+                  </a:spcAft>
+                  <a:buClrTx/>
+                  <a:buSzTx/>
+                  <a:buFontTx/>
+                  <a:buChar char="-"/>
+                  <a:tabLst/>
+                  <a:defRPr/>
+                </a:pPr>
+                <a:r>
+                  <a:rPr lang="en-US" altLang="zh-CN" dirty="0"/>
+                  <a:t>Newton’s</a:t>
+                </a:r>
+                <a:r>
+                  <a:rPr lang="zh-CN" altLang="en-US" dirty="0"/>
+                  <a:t> </a:t>
+                </a:r>
+                <a:r>
+                  <a:rPr lang="en-US" altLang="zh-CN" dirty="0"/>
+                  <a:t>Method:</a:t>
+                </a:r>
+                <a:r>
+                  <a:rPr lang="zh-CN" altLang="en-US" dirty="0"/>
+                  <a:t> </a:t>
+                </a:r>
+                <a:r>
+                  <a:rPr lang="en-US" altLang="zh-CN" b="1" i="0">
+                    <a:latin typeface="Cambria Math" panose="02040503050406030204" pitchFamily="18" charset="0"/>
+                    <a:ea typeface="Cambria Math" panose="02040503050406030204" pitchFamily="18" charset="0"/>
+                  </a:rPr>
+                  <a:t>〖𝚶(𝒏〗^𝟐)</a:t>
+                </a:r>
+                <a:endParaRPr lang="en-US" altLang="zh-CN" dirty="0"/>
+              </a:p>
+              <a:p>
+                <a:pPr marL="285750" indent="-285750">
+                  <a:buFontTx/>
+                  <a:buChar char="-"/>
+                </a:pPr>
+                <a:endParaRPr lang="en-US" altLang="zh-CN" dirty="0"/>
+              </a:p>
+            </p:txBody>
+          </p:sp>
+        </mc:Fallback>
+      </mc:AlternateContent>
+      <p:sp>
+        <p:nvSpPr>
+          <p:cNvPr id="4" name="Slide Number Placeholder 3"/>
+          <p:cNvSpPr>
+            <a:spLocks noGrp="1"/>
+          </p:cNvSpPr>
+          <p:nvPr>
+            <p:ph type="sldNum" sz="quarter" idx="10"/>
           </p:nvPr>
         </p:nvSpPr>
         <p:spPr/>
@@ -1197,18 +1827,733 @@
           <a:bodyPr/>
           <a:lstStyle/>
           <a:p>
-            <a:r>
-              <a:rPr lang="en-US" dirty="0"/>
-              <a:t>In </a:t>
-            </a:r>
-            <a:r>
-              <a:rPr lang="en-US" baseline="0" dirty="0"/>
-              <a:t>Slide Show mode, select the arrows to visit links.</a:t>
-            </a:r>
+            <a:fld id="{DF61EA0F-A667-4B49-8422-0062BC55E249}" type="slidenum">
+              <a:rPr lang="en-US" smtClean="0"/>
+              <a:t>5</a:t>
+            </a:fld>
             <a:endParaRPr lang="en-US" dirty="0"/>
           </a:p>
         </p:txBody>
       </p:sp>
+    </p:spTree>
+    <p:extLst>
+      <p:ext uri="{BB962C8B-B14F-4D97-AF65-F5344CB8AC3E}">
+        <p14:creationId xmlns:p14="http://schemas.microsoft.com/office/powerpoint/2010/main" val="274479558"/>
+      </p:ext>
+    </p:extLst>
+  </p:cSld>
+  <p:clrMapOvr>
+    <a:masterClrMapping/>
+  </p:clrMapOvr>
+</p:notes>
+</file>
+
+<file path=ppt/notesSlides/notesSlide6.xml><?xml version="1.0" encoding="utf-8"?>
+<p:notes xmlns:a="http://schemas.openxmlformats.org/drawingml/2006/main" xmlns:r="http://schemas.openxmlformats.org/officeDocument/2006/relationships" xmlns:p="http://schemas.openxmlformats.org/presentationml/2006/main">
+  <p:cSld>
+    <p:spTree>
+      <p:nvGrpSpPr>
+        <p:cNvPr id="1" name=""/>
+        <p:cNvGrpSpPr/>
+        <p:nvPr/>
+      </p:nvGrpSpPr>
+      <p:grpSpPr>
+        <a:xfrm>
+          <a:off x="0" y="0"/>
+          <a:ext cx="0" cy="0"/>
+          <a:chOff x="0" y="0"/>
+          <a:chExt cx="0" cy="0"/>
+        </a:xfrm>
+      </p:grpSpPr>
+      <p:sp>
+        <p:nvSpPr>
+          <p:cNvPr id="2" name="Slide Image Placeholder 1"/>
+          <p:cNvSpPr>
+            <a:spLocks noGrp="1" noRot="1" noChangeAspect="1"/>
+          </p:cNvSpPr>
+          <p:nvPr>
+            <p:ph type="sldImg"/>
+          </p:nvPr>
+        </p:nvSpPr>
+        <p:spPr>
+          <a:xfrm>
+            <a:off x="685800" y="1143000"/>
+            <a:ext cx="5486400" cy="3086100"/>
+          </a:xfrm>
+        </p:spPr>
+      </p:sp>
+      <p:sp>
+        <p:nvSpPr>
+          <p:cNvPr id="3" name="Notes Placeholder 2"/>
+          <p:cNvSpPr>
+            <a:spLocks noGrp="1"/>
+          </p:cNvSpPr>
+          <p:nvPr>
+            <p:ph type="body" idx="1"/>
+          </p:nvPr>
+        </p:nvSpPr>
+        <p:spPr/>
+        <p:txBody>
+          <a:bodyPr/>
+          <a:lstStyle/>
+          <a:p>
+            <a:pPr marL="285750" indent="-285750">
+              <a:buFontTx/>
+              <a:buChar char="-"/>
+            </a:pPr>
+            <a:r>
+              <a:rPr lang="en-CN" altLang="zh-CN" dirty="0"/>
+              <a:t>stationary</a:t>
+            </a:r>
+            <a:r>
+              <a:rPr lang="zh-CN" altLang="en-US" dirty="0"/>
+              <a:t> </a:t>
+            </a:r>
+            <a:r>
+              <a:rPr lang="en-US" altLang="zh-CN" sz="1800" kern="1200" dirty="0">
+                <a:solidFill>
+                  <a:schemeClr val="tx1"/>
+                </a:solidFill>
+                <a:latin typeface="+mn-lt"/>
+                <a:ea typeface="+mn-ea"/>
+                <a:cs typeface="+mn-cs"/>
+              </a:rPr>
+              <a:t>process</a:t>
+            </a:r>
+            <a:r>
+              <a:rPr lang="en-US" altLang="zh-CN" dirty="0"/>
+              <a:t>:</a:t>
+            </a:r>
+            <a:r>
+              <a:rPr lang="zh-CN" altLang="en-US" dirty="0"/>
+              <a:t> </a:t>
+            </a:r>
+            <a:r>
+              <a:rPr lang="en-US" sz="1800" kern="1200" dirty="0">
+                <a:solidFill>
+                  <a:schemeClr val="tx1"/>
+                </a:solidFill>
+                <a:latin typeface="+mn-lt"/>
+                <a:ea typeface="+mn-ea"/>
+                <a:cs typeface="+mn-cs"/>
+              </a:rPr>
+              <a:t>whose unconditional </a:t>
+            </a:r>
+            <a:r>
+              <a:rPr lang="en-US" sz="1800" kern="1200" dirty="0">
+                <a:solidFill>
+                  <a:schemeClr val="tx1"/>
+                </a:solidFill>
+                <a:latin typeface="+mn-lt"/>
+                <a:ea typeface="+mn-ea"/>
+                <a:cs typeface="+mn-cs"/>
+                <a:hlinkClick r:id="rId3" tooltip="Joint probability distribution">
+                  <a:extLst>
+                    <a:ext uri="{A12FA001-AC4F-418D-AE19-62706E023703}">
+                      <ahyp:hlinkClr xmlns:ahyp="http://schemas.microsoft.com/office/drawing/2018/hyperlinkcolor" val="tx"/>
+                    </a:ext>
+                  </a:extLst>
+                </a:hlinkClick>
+              </a:rPr>
+              <a:t>joint probability distribution</a:t>
+            </a:r>
+            <a:r>
+              <a:rPr lang="en-US" sz="1800" kern="1200" dirty="0">
+                <a:solidFill>
+                  <a:schemeClr val="tx1"/>
+                </a:solidFill>
+                <a:latin typeface="+mn-lt"/>
+                <a:ea typeface="+mn-ea"/>
+                <a:cs typeface="+mn-cs"/>
+              </a:rPr>
+              <a:t> does not change when shifted in time.</a:t>
+            </a:r>
+            <a:r>
+              <a:rPr lang="en-US" sz="1800" kern="1200" dirty="0">
+                <a:solidFill>
+                  <a:schemeClr val="tx1"/>
+                </a:solidFill>
+                <a:latin typeface="+mn-lt"/>
+                <a:ea typeface="+mn-ea"/>
+                <a:cs typeface="+mn-cs"/>
+                <a:hlinkClick r:id="rId4">
+                  <a:extLst>
+                    <a:ext uri="{A12FA001-AC4F-418D-AE19-62706E023703}">
+                      <ahyp:hlinkClr xmlns:ahyp="http://schemas.microsoft.com/office/drawing/2018/hyperlinkcolor" val="tx"/>
+                    </a:ext>
+                  </a:extLst>
+                </a:hlinkClick>
+              </a:rPr>
+              <a:t>[1]</a:t>
+            </a:r>
+            <a:r>
+              <a:rPr lang="en-US" sz="1800" kern="1200" dirty="0">
+                <a:solidFill>
+                  <a:schemeClr val="tx1"/>
+                </a:solidFill>
+                <a:latin typeface="+mn-lt"/>
+                <a:ea typeface="+mn-ea"/>
+                <a:cs typeface="+mn-cs"/>
+              </a:rPr>
+              <a:t> Consequently, parameters such as </a:t>
+            </a:r>
+            <a:r>
+              <a:rPr lang="en-US" sz="1800" kern="1200" dirty="0">
+                <a:solidFill>
+                  <a:schemeClr val="tx1"/>
+                </a:solidFill>
+                <a:latin typeface="+mn-lt"/>
+                <a:ea typeface="+mn-ea"/>
+                <a:cs typeface="+mn-cs"/>
+                <a:hlinkClick r:id="rId5" tooltip="Mean">
+                  <a:extLst>
+                    <a:ext uri="{A12FA001-AC4F-418D-AE19-62706E023703}">
+                      <ahyp:hlinkClr xmlns:ahyp="http://schemas.microsoft.com/office/drawing/2018/hyperlinkcolor" val="tx"/>
+                    </a:ext>
+                  </a:extLst>
+                </a:hlinkClick>
+              </a:rPr>
+              <a:t>mean</a:t>
+            </a:r>
+            <a:r>
+              <a:rPr lang="en-US" sz="1800" kern="1200" dirty="0">
+                <a:solidFill>
+                  <a:schemeClr val="tx1"/>
+                </a:solidFill>
+                <a:latin typeface="+mn-lt"/>
+                <a:ea typeface="+mn-ea"/>
+                <a:cs typeface="+mn-cs"/>
+              </a:rPr>
+              <a:t> and </a:t>
+            </a:r>
+            <a:r>
+              <a:rPr lang="en-US" sz="1800" kern="1200" dirty="0">
+                <a:solidFill>
+                  <a:schemeClr val="tx1"/>
+                </a:solidFill>
+                <a:latin typeface="+mn-lt"/>
+                <a:ea typeface="+mn-ea"/>
+                <a:cs typeface="+mn-cs"/>
+                <a:hlinkClick r:id="rId6" tooltip="Variance">
+                  <a:extLst>
+                    <a:ext uri="{A12FA001-AC4F-418D-AE19-62706E023703}">
+                      <ahyp:hlinkClr xmlns:ahyp="http://schemas.microsoft.com/office/drawing/2018/hyperlinkcolor" val="tx"/>
+                    </a:ext>
+                  </a:extLst>
+                </a:hlinkClick>
+              </a:rPr>
+              <a:t>variance</a:t>
+            </a:r>
+            <a:r>
+              <a:rPr lang="en-US" sz="1800" kern="1200" dirty="0">
+                <a:solidFill>
+                  <a:schemeClr val="tx1"/>
+                </a:solidFill>
+                <a:latin typeface="+mn-lt"/>
+                <a:ea typeface="+mn-ea"/>
+                <a:cs typeface="+mn-cs"/>
+              </a:rPr>
+              <a:t> also do not change over time. </a:t>
+            </a:r>
+            <a:endParaRPr lang="en-US" altLang="zh-CN" sz="1800" kern="1200" dirty="0">
+              <a:solidFill>
+                <a:schemeClr val="tx1"/>
+              </a:solidFill>
+              <a:latin typeface="+mn-lt"/>
+              <a:ea typeface="+mn-ea"/>
+              <a:cs typeface="+mn-cs"/>
+            </a:endParaRPr>
+          </a:p>
+        </p:txBody>
+      </p:sp>
+      <p:sp>
+        <p:nvSpPr>
+          <p:cNvPr id="4" name="Slide Number Placeholder 3"/>
+          <p:cNvSpPr>
+            <a:spLocks noGrp="1"/>
+          </p:cNvSpPr>
+          <p:nvPr>
+            <p:ph type="sldNum" sz="quarter" idx="10"/>
+          </p:nvPr>
+        </p:nvSpPr>
+        <p:spPr/>
+        <p:txBody>
+          <a:bodyPr/>
+          <a:lstStyle/>
+          <a:p>
+            <a:fld id="{DF61EA0F-A667-4B49-8422-0062BC55E249}" type="slidenum">
+              <a:rPr lang="en-US" smtClean="0"/>
+              <a:t>6</a:t>
+            </a:fld>
+            <a:endParaRPr lang="en-US" dirty="0"/>
+          </a:p>
+        </p:txBody>
+      </p:sp>
+    </p:spTree>
+    <p:extLst>
+      <p:ext uri="{BB962C8B-B14F-4D97-AF65-F5344CB8AC3E}">
+        <p14:creationId xmlns:p14="http://schemas.microsoft.com/office/powerpoint/2010/main" val="1052497680"/>
+      </p:ext>
+    </p:extLst>
+  </p:cSld>
+  <p:clrMapOvr>
+    <a:masterClrMapping/>
+  </p:clrMapOvr>
+</p:notes>
+</file>
+
+<file path=ppt/notesSlides/notesSlide7.xml><?xml version="1.0" encoding="utf-8"?>
+<p:notes xmlns:a="http://schemas.openxmlformats.org/drawingml/2006/main" xmlns:r="http://schemas.openxmlformats.org/officeDocument/2006/relationships" xmlns:p="http://schemas.openxmlformats.org/presentationml/2006/main">
+  <p:cSld>
+    <p:spTree>
+      <p:nvGrpSpPr>
+        <p:cNvPr id="1" name=""/>
+        <p:cNvGrpSpPr/>
+        <p:nvPr/>
+      </p:nvGrpSpPr>
+      <p:grpSpPr>
+        <a:xfrm>
+          <a:off x="0" y="0"/>
+          <a:ext cx="0" cy="0"/>
+          <a:chOff x="0" y="0"/>
+          <a:chExt cx="0" cy="0"/>
+        </a:xfrm>
+      </p:grpSpPr>
+      <p:sp>
+        <p:nvSpPr>
+          <p:cNvPr id="2" name="Slide Image Placeholder 1"/>
+          <p:cNvSpPr>
+            <a:spLocks noGrp="1" noRot="1" noChangeAspect="1"/>
+          </p:cNvSpPr>
+          <p:nvPr>
+            <p:ph type="sldImg"/>
+          </p:nvPr>
+        </p:nvSpPr>
+        <p:spPr/>
+      </p:sp>
+      <p:sp>
+        <p:nvSpPr>
+          <p:cNvPr id="3" name="Notes Placeholder 2"/>
+          <p:cNvSpPr>
+            <a:spLocks noGrp="1"/>
+          </p:cNvSpPr>
+          <p:nvPr>
+            <p:ph type="body" idx="1"/>
+          </p:nvPr>
+        </p:nvSpPr>
+        <p:spPr/>
+        <p:txBody>
+          <a:bodyPr/>
+          <a:lstStyle/>
+          <a:p>
+            <a:endParaRPr lang="en-CN" dirty="0"/>
+          </a:p>
+        </p:txBody>
+      </p:sp>
+      <p:sp>
+        <p:nvSpPr>
+          <p:cNvPr id="4" name="Slide Number Placeholder 3"/>
+          <p:cNvSpPr>
+            <a:spLocks noGrp="1"/>
+          </p:cNvSpPr>
+          <p:nvPr>
+            <p:ph type="sldNum" sz="quarter" idx="5"/>
+          </p:nvPr>
+        </p:nvSpPr>
+        <p:spPr/>
+        <p:txBody>
+          <a:bodyPr/>
+          <a:lstStyle/>
+          <a:p>
+            <a:fld id="{DF61EA0F-A667-4B49-8422-0062BC55E249}" type="slidenum">
+              <a:rPr lang="en-US" smtClean="0"/>
+              <a:t>7</a:t>
+            </a:fld>
+            <a:endParaRPr lang="en-US" dirty="0"/>
+          </a:p>
+        </p:txBody>
+      </p:sp>
+    </p:spTree>
+    <p:extLst>
+      <p:ext uri="{BB962C8B-B14F-4D97-AF65-F5344CB8AC3E}">
+        <p14:creationId xmlns:p14="http://schemas.microsoft.com/office/powerpoint/2010/main" val="2984940231"/>
+      </p:ext>
+    </p:extLst>
+  </p:cSld>
+  <p:clrMapOvr>
+    <a:masterClrMapping/>
+  </p:clrMapOvr>
+</p:notes>
+</file>
+
+<file path=ppt/notesSlides/notesSlide8.xml><?xml version="1.0" encoding="utf-8"?>
+<p:notes xmlns:a="http://schemas.openxmlformats.org/drawingml/2006/main" xmlns:r="http://schemas.openxmlformats.org/officeDocument/2006/relationships" xmlns:p="http://schemas.openxmlformats.org/presentationml/2006/main">
+  <p:cSld>
+    <p:spTree>
+      <p:nvGrpSpPr>
+        <p:cNvPr id="1" name=""/>
+        <p:cNvGrpSpPr/>
+        <p:nvPr/>
+      </p:nvGrpSpPr>
+      <p:grpSpPr>
+        <a:xfrm>
+          <a:off x="0" y="0"/>
+          <a:ext cx="0" cy="0"/>
+          <a:chOff x="0" y="0"/>
+          <a:chExt cx="0" cy="0"/>
+        </a:xfrm>
+      </p:grpSpPr>
+      <p:sp>
+        <p:nvSpPr>
+          <p:cNvPr id="2" name="Slide Image Placeholder 1"/>
+          <p:cNvSpPr>
+            <a:spLocks noGrp="1" noRot="1" noChangeAspect="1"/>
+          </p:cNvSpPr>
+          <p:nvPr>
+            <p:ph type="sldImg"/>
+          </p:nvPr>
+        </p:nvSpPr>
+        <p:spPr>
+          <a:xfrm>
+            <a:off x="685800" y="1143000"/>
+            <a:ext cx="5486400" cy="3086100"/>
+          </a:xfrm>
+        </p:spPr>
+      </p:sp>
+      <mc:AlternateContent xmlns:mc="http://schemas.openxmlformats.org/markup-compatibility/2006">
+        <mc:Choice xmlns:a14="http://schemas.microsoft.com/office/drawing/2010/main" Requires="a14">
+          <p:sp>
+            <p:nvSpPr>
+              <p:cNvPr id="3" name="Notes Placeholder 2"/>
+              <p:cNvSpPr>
+                <a:spLocks noGrp="1"/>
+              </p:cNvSpPr>
+              <p:nvPr>
+                <p:ph type="body" idx="1"/>
+              </p:nvPr>
+            </p:nvSpPr>
+            <p:spPr/>
+            <p:txBody>
+              <a:bodyPr/>
+              <a:lstStyle/>
+              <a:p>
+                <a:pPr marL="285750" indent="-285750">
+                  <a:buFontTx/>
+                  <a:buChar char="-"/>
+                </a:pPr>
+                <a:r>
+                  <a:rPr lang="en-US" altLang="zh-CN" dirty="0"/>
+                  <a:t>Newton’s</a:t>
+                </a:r>
+                <a:r>
+                  <a:rPr lang="zh-CN" altLang="en-US" dirty="0"/>
+                  <a:t> </a:t>
+                </a:r>
+                <a:r>
+                  <a:rPr lang="en-US" altLang="zh-CN" dirty="0"/>
+                  <a:t>Method:</a:t>
+                </a:r>
+                <a:r>
+                  <a:rPr lang="zh-CN" altLang="en-US" dirty="0"/>
+                  <a:t> </a:t>
+                </a:r>
+                <a14:m>
+                  <m:oMath xmlns:m="http://schemas.openxmlformats.org/officeDocument/2006/math">
+                    <m:sSup>
+                      <m:sSupPr>
+                        <m:ctrlPr>
+                          <a:rPr lang="en-US" altLang="zh-CN" b="1" i="1">
+                            <a:latin typeface="Cambria Math" panose="02040503050406030204" pitchFamily="18" charset="0"/>
+                            <a:ea typeface="Cambria Math" panose="02040503050406030204" pitchFamily="18" charset="0"/>
+                          </a:rPr>
+                        </m:ctrlPr>
+                      </m:sSupPr>
+                      <m:e>
+                        <m:r>
+                          <a:rPr lang="en-US" altLang="zh-CN" b="1" i="1">
+                            <a:latin typeface="Cambria Math" panose="02040503050406030204" pitchFamily="18" charset="0"/>
+                            <a:ea typeface="Cambria Math" panose="02040503050406030204" pitchFamily="18" charset="0"/>
+                          </a:rPr>
+                          <m:t>𝚶</m:t>
+                        </m:r>
+                        <m:r>
+                          <a:rPr lang="en-US" altLang="zh-CN" b="1" i="1">
+                            <a:latin typeface="Cambria Math" panose="02040503050406030204" pitchFamily="18" charset="0"/>
+                            <a:ea typeface="Cambria Math" panose="02040503050406030204" pitchFamily="18" charset="0"/>
+                          </a:rPr>
+                          <m:t>(</m:t>
+                        </m:r>
+                        <m:r>
+                          <a:rPr lang="en-US" altLang="zh-CN" b="1" i="1">
+                            <a:latin typeface="Cambria Math" panose="02040503050406030204" pitchFamily="18" charset="0"/>
+                            <a:ea typeface="Cambria Math" panose="02040503050406030204" pitchFamily="18" charset="0"/>
+                          </a:rPr>
+                          <m:t>𝒏</m:t>
+                        </m:r>
+                      </m:e>
+                      <m:sup>
+                        <m:r>
+                          <a:rPr lang="en-US" altLang="zh-CN" b="1" i="1" smtClean="0">
+                            <a:latin typeface="Cambria Math" panose="02040503050406030204" pitchFamily="18" charset="0"/>
+                            <a:ea typeface="Cambria Math" panose="02040503050406030204" pitchFamily="18" charset="0"/>
+                          </a:rPr>
+                          <m:t>𝟑</m:t>
+                        </m:r>
+                      </m:sup>
+                    </m:sSup>
+                    <m:r>
+                      <a:rPr lang="en-US" altLang="zh-CN" b="1" i="1" smtClean="0">
+                        <a:latin typeface="Cambria Math" panose="02040503050406030204" pitchFamily="18" charset="0"/>
+                        <a:ea typeface="Cambria Math" panose="02040503050406030204" pitchFamily="18" charset="0"/>
+                      </a:rPr>
+                      <m:t>)</m:t>
+                    </m:r>
+                  </m:oMath>
+                </a14:m>
+                <a:r>
+                  <a:rPr lang="zh-CN" altLang="en-US" dirty="0"/>
+                  <a:t> </a:t>
+                </a:r>
+                <a:r>
+                  <a:rPr lang="en-US" altLang="zh-CN" dirty="0"/>
+                  <a:t>(Inverse</a:t>
+                </a:r>
+                <a:r>
+                  <a:rPr lang="zh-CN" altLang="en-US" dirty="0"/>
+                  <a:t> </a:t>
+                </a:r>
+                <a:r>
+                  <a:rPr lang="en-US" altLang="zh-CN" dirty="0"/>
+                  <a:t>Matrix)</a:t>
+                </a:r>
+              </a:p>
+              <a:p>
+                <a:pPr marL="285750" indent="-285750">
+                  <a:buFontTx/>
+                  <a:buChar char="-"/>
+                </a:pPr>
+                <a:endParaRPr lang="en-US" altLang="zh-CN" dirty="0"/>
+              </a:p>
+              <a:p>
+                <a:pPr marL="285750" marR="0" lvl="0" indent="-285750" algn="l" defTabSz="914400" rtl="0" eaLnBrk="1" fontAlgn="auto" latinLnBrk="0" hangingPunct="1">
+                  <a:lnSpc>
+                    <a:spcPct val="100000"/>
+                  </a:lnSpc>
+                  <a:spcBef>
+                    <a:spcPts val="0"/>
+                  </a:spcBef>
+                  <a:spcAft>
+                    <a:spcPts val="0"/>
+                  </a:spcAft>
+                  <a:buClrTx/>
+                  <a:buSzTx/>
+                  <a:buFontTx/>
+                  <a:buChar char="-"/>
+                  <a:tabLst/>
+                  <a:defRPr/>
+                </a:pPr>
+                <a:r>
+                  <a:rPr lang="en-US" altLang="zh-CN" dirty="0"/>
+                  <a:t>Newton’s</a:t>
+                </a:r>
+                <a:r>
+                  <a:rPr lang="zh-CN" altLang="en-US" dirty="0"/>
+                  <a:t> </a:t>
+                </a:r>
+                <a:r>
+                  <a:rPr lang="en-US" altLang="zh-CN" dirty="0"/>
+                  <a:t>Method:</a:t>
+                </a:r>
+                <a:r>
+                  <a:rPr lang="zh-CN" altLang="en-US" dirty="0"/>
+                  <a:t> </a:t>
+                </a:r>
+                <a14:m>
+                  <m:oMath xmlns:m="http://schemas.openxmlformats.org/officeDocument/2006/math">
+                    <m:sSup>
+                      <m:sSupPr>
+                        <m:ctrlPr>
+                          <a:rPr lang="en-US" altLang="zh-CN" b="1" i="1">
+                            <a:latin typeface="Cambria Math" panose="02040503050406030204" pitchFamily="18" charset="0"/>
+                            <a:ea typeface="Cambria Math" panose="02040503050406030204" pitchFamily="18" charset="0"/>
+                          </a:rPr>
+                        </m:ctrlPr>
+                      </m:sSupPr>
+                      <m:e>
+                        <m:r>
+                          <a:rPr lang="en-US" altLang="zh-CN" b="1" i="1">
+                            <a:latin typeface="Cambria Math" panose="02040503050406030204" pitchFamily="18" charset="0"/>
+                            <a:ea typeface="Cambria Math" panose="02040503050406030204" pitchFamily="18" charset="0"/>
+                          </a:rPr>
+                          <m:t>𝚶</m:t>
+                        </m:r>
+                        <m:r>
+                          <a:rPr lang="en-US" altLang="zh-CN" b="1" i="1">
+                            <a:latin typeface="Cambria Math" panose="02040503050406030204" pitchFamily="18" charset="0"/>
+                            <a:ea typeface="Cambria Math" panose="02040503050406030204" pitchFamily="18" charset="0"/>
+                          </a:rPr>
+                          <m:t>(</m:t>
+                        </m:r>
+                        <m:r>
+                          <a:rPr lang="en-US" altLang="zh-CN" b="1" i="1">
+                            <a:latin typeface="Cambria Math" panose="02040503050406030204" pitchFamily="18" charset="0"/>
+                            <a:ea typeface="Cambria Math" panose="02040503050406030204" pitchFamily="18" charset="0"/>
+                          </a:rPr>
+                          <m:t>𝒏</m:t>
+                        </m:r>
+                      </m:e>
+                      <m:sup>
+                        <m:r>
+                          <a:rPr lang="en-US" altLang="zh-CN" b="1" i="1" smtClean="0">
+                            <a:latin typeface="Cambria Math" panose="02040503050406030204" pitchFamily="18" charset="0"/>
+                            <a:ea typeface="Cambria Math" panose="02040503050406030204" pitchFamily="18" charset="0"/>
+                          </a:rPr>
+                          <m:t>𝟐</m:t>
+                        </m:r>
+                      </m:sup>
+                    </m:sSup>
+                    <m:r>
+                      <a:rPr lang="en-US" altLang="zh-CN" b="1" i="1" smtClean="0">
+                        <a:latin typeface="Cambria Math" panose="02040503050406030204" pitchFamily="18" charset="0"/>
+                        <a:ea typeface="Cambria Math" panose="02040503050406030204" pitchFamily="18" charset="0"/>
+                      </a:rPr>
+                      <m:t>)</m:t>
+                    </m:r>
+                  </m:oMath>
+                </a14:m>
+                <a:endParaRPr lang="en-US" altLang="zh-CN" dirty="0"/>
+              </a:p>
+              <a:p>
+                <a:pPr marL="285750" indent="-285750">
+                  <a:buFontTx/>
+                  <a:buChar char="-"/>
+                </a:pPr>
+                <a:endParaRPr lang="en-US" altLang="zh-CN" dirty="0"/>
+              </a:p>
+            </p:txBody>
+          </p:sp>
+        </mc:Choice>
+        <mc:Fallback>
+          <p:sp>
+            <p:nvSpPr>
+              <p:cNvPr id="3" name="Notes Placeholder 2"/>
+              <p:cNvSpPr>
+                <a:spLocks noGrp="1"/>
+              </p:cNvSpPr>
+              <p:nvPr>
+                <p:ph type="body" idx="1"/>
+              </p:nvPr>
+            </p:nvSpPr>
+            <p:spPr/>
+            <p:txBody>
+              <a:bodyPr/>
+              <a:lstStyle/>
+              <a:p>
+                <a:pPr marL="285750" indent="-285750">
+                  <a:buFontTx/>
+                  <a:buChar char="-"/>
+                </a:pPr>
+                <a:r>
+                  <a:rPr lang="en-US" altLang="zh-CN" dirty="0"/>
+                  <a:t>Newton’s</a:t>
+                </a:r>
+                <a:r>
+                  <a:rPr lang="zh-CN" altLang="en-US" dirty="0"/>
+                  <a:t> </a:t>
+                </a:r>
+                <a:r>
+                  <a:rPr lang="en-US" altLang="zh-CN" dirty="0"/>
+                  <a:t>Method:</a:t>
+                </a:r>
+                <a:r>
+                  <a:rPr lang="zh-CN" altLang="en-US" dirty="0"/>
+                  <a:t> </a:t>
+                </a:r>
+                <a:r>
+                  <a:rPr lang="en-US" altLang="zh-CN" b="1" i="0">
+                    <a:latin typeface="Cambria Math" panose="02040503050406030204" pitchFamily="18" charset="0"/>
+                    <a:ea typeface="Cambria Math" panose="02040503050406030204" pitchFamily="18" charset="0"/>
+                  </a:rPr>
+                  <a:t>〖𝚶(𝒏〗^𝟑)</a:t>
+                </a:r>
+                <a:r>
+                  <a:rPr lang="zh-CN" altLang="en-US" dirty="0"/>
+                  <a:t> </a:t>
+                </a:r>
+                <a:r>
+                  <a:rPr lang="en-US" altLang="zh-CN" dirty="0"/>
+                  <a:t>(Inverse</a:t>
+                </a:r>
+                <a:r>
+                  <a:rPr lang="zh-CN" altLang="en-US" dirty="0"/>
+                  <a:t> </a:t>
+                </a:r>
+                <a:r>
+                  <a:rPr lang="en-US" altLang="zh-CN" dirty="0"/>
+                  <a:t>Matrix)</a:t>
+                </a:r>
+              </a:p>
+              <a:p>
+                <a:pPr marL="285750" indent="-285750">
+                  <a:buFontTx/>
+                  <a:buChar char="-"/>
+                </a:pPr>
+                <a:endParaRPr lang="en-US" altLang="zh-CN" dirty="0"/>
+              </a:p>
+              <a:p>
+                <a:pPr marL="285750" marR="0" lvl="0" indent="-285750" algn="l" defTabSz="914400" rtl="0" eaLnBrk="1" fontAlgn="auto" latinLnBrk="0" hangingPunct="1">
+                  <a:lnSpc>
+                    <a:spcPct val="100000"/>
+                  </a:lnSpc>
+                  <a:spcBef>
+                    <a:spcPts val="0"/>
+                  </a:spcBef>
+                  <a:spcAft>
+                    <a:spcPts val="0"/>
+                  </a:spcAft>
+                  <a:buClrTx/>
+                  <a:buSzTx/>
+                  <a:buFontTx/>
+                  <a:buChar char="-"/>
+                  <a:tabLst/>
+                  <a:defRPr/>
+                </a:pPr>
+                <a:r>
+                  <a:rPr lang="en-US" altLang="zh-CN" dirty="0"/>
+                  <a:t>Newton’s</a:t>
+                </a:r>
+                <a:r>
+                  <a:rPr lang="zh-CN" altLang="en-US" dirty="0"/>
+                  <a:t> </a:t>
+                </a:r>
+                <a:r>
+                  <a:rPr lang="en-US" altLang="zh-CN" dirty="0"/>
+                  <a:t>Method:</a:t>
+                </a:r>
+                <a:r>
+                  <a:rPr lang="zh-CN" altLang="en-US" dirty="0"/>
+                  <a:t> </a:t>
+                </a:r>
+                <a:r>
+                  <a:rPr lang="en-US" altLang="zh-CN" b="1" i="0">
+                    <a:latin typeface="Cambria Math" panose="02040503050406030204" pitchFamily="18" charset="0"/>
+                    <a:ea typeface="Cambria Math" panose="02040503050406030204" pitchFamily="18" charset="0"/>
+                  </a:rPr>
+                  <a:t>〖𝚶(𝒏〗^𝟐)</a:t>
+                </a:r>
+                <a:endParaRPr lang="en-US" altLang="zh-CN" dirty="0"/>
+              </a:p>
+              <a:p>
+                <a:pPr marL="285750" indent="-285750">
+                  <a:buFontTx/>
+                  <a:buChar char="-"/>
+                </a:pPr>
+                <a:endParaRPr lang="en-US" altLang="zh-CN" dirty="0"/>
+              </a:p>
+            </p:txBody>
+          </p:sp>
+        </mc:Fallback>
+      </mc:AlternateContent>
       <p:sp>
         <p:nvSpPr>
           <p:cNvPr id="4" name="Slide Number Placeholder 3"/>
@@ -1235,7 +2580,188 @@
     </p:spTree>
     <p:extLst>
       <p:ext uri="{BB962C8B-B14F-4D97-AF65-F5344CB8AC3E}">
-        <p14:creationId xmlns:p14="http://schemas.microsoft.com/office/powerpoint/2010/main" val="3421780843"/>
+        <p14:creationId xmlns:p14="http://schemas.microsoft.com/office/powerpoint/2010/main" val="2087697988"/>
+      </p:ext>
+    </p:extLst>
+  </p:cSld>
+  <p:clrMapOvr>
+    <a:masterClrMapping/>
+  </p:clrMapOvr>
+</p:notes>
+</file>
+
+<file path=ppt/notesSlides/notesSlide9.xml><?xml version="1.0" encoding="utf-8"?>
+<p:notes xmlns:a="http://schemas.openxmlformats.org/drawingml/2006/main" xmlns:r="http://schemas.openxmlformats.org/officeDocument/2006/relationships" xmlns:p="http://schemas.openxmlformats.org/presentationml/2006/main">
+  <p:cSld>
+    <p:spTree>
+      <p:nvGrpSpPr>
+        <p:cNvPr id="1" name=""/>
+        <p:cNvGrpSpPr/>
+        <p:nvPr/>
+      </p:nvGrpSpPr>
+      <p:grpSpPr>
+        <a:xfrm>
+          <a:off x="0" y="0"/>
+          <a:ext cx="0" cy="0"/>
+          <a:chOff x="0" y="0"/>
+          <a:chExt cx="0" cy="0"/>
+        </a:xfrm>
+      </p:grpSpPr>
+      <p:sp>
+        <p:nvSpPr>
+          <p:cNvPr id="2" name="Slide Image Placeholder 1"/>
+          <p:cNvSpPr>
+            <a:spLocks noGrp="1" noRot="1" noChangeAspect="1"/>
+          </p:cNvSpPr>
+          <p:nvPr>
+            <p:ph type="sldImg"/>
+          </p:nvPr>
+        </p:nvSpPr>
+        <p:spPr/>
+      </p:sp>
+      <p:sp>
+        <p:nvSpPr>
+          <p:cNvPr id="3" name="Notes Placeholder 2"/>
+          <p:cNvSpPr>
+            <a:spLocks noGrp="1"/>
+          </p:cNvSpPr>
+          <p:nvPr>
+            <p:ph type="body" idx="1"/>
+          </p:nvPr>
+        </p:nvSpPr>
+        <p:spPr/>
+        <p:txBody>
+          <a:bodyPr/>
+          <a:lstStyle/>
+          <a:p>
+            <a:r>
+              <a:rPr lang="en-US" altLang="zh-CN" dirty="0"/>
+              <a:t>Left:</a:t>
+            </a:r>
+            <a:r>
+              <a:rPr lang="zh-CN" altLang="en-US" dirty="0"/>
+              <a:t> </a:t>
+            </a:r>
+            <a:r>
+              <a:rPr lang="en-US" altLang="zh-CN" dirty="0"/>
+              <a:t>﻿The </a:t>
+            </a:r>
+            <a:r>
+              <a:rPr lang="en-US" altLang="zh-CN" dirty="0" err="1"/>
+              <a:t>quickprop</a:t>
+            </a:r>
+            <a:r>
+              <a:rPr lang="en-US" altLang="zh-CN" dirty="0"/>
+              <a:t> weight update takes the error derivatives at two points separated by</a:t>
+            </a:r>
+            <a:r>
+              <a:rPr lang="zh-CN" altLang="en-US" dirty="0"/>
+              <a:t> </a:t>
+            </a:r>
+            <a:r>
+              <a:rPr lang="en-US" altLang="zh-CN" dirty="0"/>
+              <a:t>a known amount, and by</a:t>
+            </a:r>
+            <a:r>
+              <a:rPr lang="zh-CN" altLang="en-US" dirty="0"/>
+              <a:t> </a:t>
+            </a:r>
+            <a:r>
+              <a:rPr lang="en-US" altLang="zh-CN" dirty="0"/>
+              <a:t>Eq. 51 makes its next weight value. If the error can be fully</a:t>
+            </a:r>
+            <a:r>
+              <a:rPr lang="zh-CN" altLang="en-US" dirty="0"/>
+              <a:t> </a:t>
+            </a:r>
+            <a:r>
+              <a:rPr lang="en-US" altLang="zh-CN" dirty="0"/>
+              <a:t>expressed as a second-order function, then the weight update</a:t>
+            </a:r>
+            <a:endParaRPr lang="en-US" dirty="0"/>
+          </a:p>
+          <a:p>
+            <a:endParaRPr lang="en-CN" dirty="0"/>
+          </a:p>
+          <a:p>
+            <a:r>
+              <a:rPr lang="en-US" altLang="zh-CN" dirty="0"/>
+              <a:t>Right:</a:t>
+            </a:r>
+            <a:r>
+              <a:rPr lang="zh-CN" altLang="en-US" dirty="0"/>
+              <a:t> </a:t>
+            </a:r>
+            <a:r>
+              <a:rPr lang="en-US" altLang="zh-CN" dirty="0"/>
+              <a:t>﻿Conjugate gradient descent in weight space employs a sequence of line searches. If ∆w(1) is the first descent direction, the second direction obeys ∆</a:t>
+            </a:r>
+            <a:r>
+              <a:rPr lang="en-US" altLang="zh-CN" dirty="0" err="1"/>
+              <a:t>wt</a:t>
+            </a:r>
+            <a:r>
+              <a:rPr lang="en-US" altLang="zh-CN" dirty="0"/>
+              <a:t>(1)</a:t>
+            </a:r>
+            <a:r>
+              <a:rPr lang="en-US" altLang="zh-CN" dirty="0" err="1"/>
+              <a:t>H∆w</a:t>
+            </a:r>
+            <a:r>
+              <a:rPr lang="en-US" altLang="zh-CN" dirty="0"/>
+              <a:t>(2) = 0. Note especially</a:t>
+            </a:r>
+            <a:r>
+              <a:rPr lang="zh-CN" altLang="en-US" dirty="0"/>
+              <a:t> </a:t>
+            </a:r>
+            <a:r>
+              <a:rPr lang="en-US" altLang="zh-CN" dirty="0"/>
+              <a:t>that along this second descent, the gradient changes only</a:t>
+            </a:r>
+            <a:r>
+              <a:rPr lang="zh-CN" altLang="en-US" dirty="0"/>
+              <a:t> </a:t>
+            </a:r>
+            <a:r>
+              <a:rPr lang="en-US" altLang="zh-CN" dirty="0"/>
+              <a:t>in magnitude, not direction; as such the second descent does not “spoil” the contribution due to the previous line search. In the case where the Hessian is diagonal (right), the directions of the line searches are orthogonal.</a:t>
+            </a:r>
+            <a:endParaRPr lang="en-CN" dirty="0"/>
+          </a:p>
+          <a:p>
+            <a:endParaRPr lang="en-CN" dirty="0"/>
+          </a:p>
+        </p:txBody>
+      </p:sp>
+      <p:sp>
+        <p:nvSpPr>
+          <p:cNvPr id="4" name="Slide Number Placeholder 3"/>
+          <p:cNvSpPr>
+            <a:spLocks noGrp="1"/>
+          </p:cNvSpPr>
+          <p:nvPr>
+            <p:ph type="sldNum" sz="quarter" idx="5"/>
+          </p:nvPr>
+        </p:nvSpPr>
+        <p:spPr/>
+        <p:txBody>
+          <a:bodyPr/>
+          <a:lstStyle/>
+          <a:p>
+            <a:fld id="{DF61EA0F-A667-4B49-8422-0062BC55E249}" type="slidenum">
+              <a:rPr lang="en-US" smtClean="0"/>
+              <a:t>9</a:t>
+            </a:fld>
+            <a:endParaRPr lang="en-US" dirty="0"/>
+          </a:p>
+        </p:txBody>
+      </p:sp>
+    </p:spTree>
+    <p:extLst>
+      <p:ext uri="{BB962C8B-B14F-4D97-AF65-F5344CB8AC3E}">
+        <p14:creationId xmlns:p14="http://schemas.microsoft.com/office/powerpoint/2010/main" val="1919789098"/>
       </p:ext>
     </p:extLst>
   </p:cSld>
@@ -1246,8 +2772,556 @@
 </file>
 
 <file path=ppt/slideLayouts/slideLayout1.xml><?xml version="1.0" encoding="utf-8"?>
-<p:sldLayout xmlns:a="http://schemas.openxmlformats.org/drawingml/2006/main" xmlns:r="http://schemas.openxmlformats.org/officeDocument/2006/relationships" xmlns:p="http://schemas.openxmlformats.org/presentationml/2006/main" preserve="1" userDrawn="1">
+<p:sldLayout xmlns:a="http://schemas.openxmlformats.org/drawingml/2006/main" xmlns:r="http://schemas.openxmlformats.org/officeDocument/2006/relationships" xmlns:p="http://schemas.openxmlformats.org/presentationml/2006/main" type="title" preserve="1">
   <p:cSld name="Title Slide">
+    <p:spTree>
+      <p:nvGrpSpPr>
+        <p:cNvPr id="1" name=""/>
+        <p:cNvGrpSpPr/>
+        <p:nvPr/>
+      </p:nvGrpSpPr>
+      <p:grpSpPr>
+        <a:xfrm>
+          <a:off x="0" y="0"/>
+          <a:ext cx="0" cy="0"/>
+          <a:chOff x="0" y="0"/>
+          <a:chExt cx="0" cy="0"/>
+        </a:xfrm>
+      </p:grpSpPr>
+      <p:sp>
+        <p:nvSpPr>
+          <p:cNvPr id="2" name="Title 1"/>
+          <p:cNvSpPr>
+            <a:spLocks noGrp="1"/>
+          </p:cNvSpPr>
+          <p:nvPr>
+            <p:ph type="ctrTitle"/>
+          </p:nvPr>
+        </p:nvSpPr>
+        <p:spPr>
+          <a:xfrm>
+            <a:off x="1524000" y="1122363"/>
+            <a:ext cx="9144000" cy="2387600"/>
+          </a:xfrm>
+        </p:spPr>
+        <p:txBody>
+          <a:bodyPr anchor="b"/>
+          <a:lstStyle>
+            <a:lvl1pPr algn="ctr">
+              <a:defRPr sz="6000"/>
+            </a:lvl1pPr>
+          </a:lstStyle>
+          <a:p>
+            <a:r>
+              <a:rPr lang="en-US"/>
+              <a:t>Click to edit Master title style</a:t>
+            </a:r>
+            <a:endParaRPr lang="en-US" dirty="0"/>
+          </a:p>
+        </p:txBody>
+      </p:sp>
+      <p:sp>
+        <p:nvSpPr>
+          <p:cNvPr id="3" name="Subtitle 2"/>
+          <p:cNvSpPr>
+            <a:spLocks noGrp="1"/>
+          </p:cNvSpPr>
+          <p:nvPr>
+            <p:ph type="subTitle" idx="1"/>
+          </p:nvPr>
+        </p:nvSpPr>
+        <p:spPr>
+          <a:xfrm>
+            <a:off x="1524000" y="3602038"/>
+            <a:ext cx="9144000" cy="1655762"/>
+          </a:xfrm>
+        </p:spPr>
+        <p:txBody>
+          <a:bodyPr/>
+          <a:lstStyle>
+            <a:lvl1pPr marL="0" indent="0" algn="ctr">
+              <a:buNone/>
+              <a:defRPr sz="2400"/>
+            </a:lvl1pPr>
+            <a:lvl2pPr marL="457200" indent="0" algn="ctr">
+              <a:buNone/>
+              <a:defRPr sz="2000"/>
+            </a:lvl2pPr>
+            <a:lvl3pPr marL="914400" indent="0" algn="ctr">
+              <a:buNone/>
+              <a:defRPr sz="1800"/>
+            </a:lvl3pPr>
+            <a:lvl4pPr marL="1371600" indent="0" algn="ctr">
+              <a:buNone/>
+              <a:defRPr sz="1600"/>
+            </a:lvl4pPr>
+            <a:lvl5pPr marL="1828800" indent="0" algn="ctr">
+              <a:buNone/>
+              <a:defRPr sz="1600"/>
+            </a:lvl5pPr>
+            <a:lvl6pPr marL="2286000" indent="0" algn="ctr">
+              <a:buNone/>
+              <a:defRPr sz="1600"/>
+            </a:lvl6pPr>
+            <a:lvl7pPr marL="2743200" indent="0" algn="ctr">
+              <a:buNone/>
+              <a:defRPr sz="1600"/>
+            </a:lvl7pPr>
+            <a:lvl8pPr marL="3200400" indent="0" algn="ctr">
+              <a:buNone/>
+              <a:defRPr sz="1600"/>
+            </a:lvl8pPr>
+            <a:lvl9pPr marL="3657600" indent="0" algn="ctr">
+              <a:buNone/>
+              <a:defRPr sz="1600"/>
+            </a:lvl9pPr>
+          </a:lstStyle>
+          <a:p>
+            <a:r>
+              <a:rPr lang="en-US"/>
+              <a:t>Click to edit Master subtitle style</a:t>
+            </a:r>
+            <a:endParaRPr lang="en-US" dirty="0"/>
+          </a:p>
+        </p:txBody>
+      </p:sp>
+      <p:sp>
+        <p:nvSpPr>
+          <p:cNvPr id="4" name="Date Placeholder 3"/>
+          <p:cNvSpPr>
+            <a:spLocks noGrp="1"/>
+          </p:cNvSpPr>
+          <p:nvPr>
+            <p:ph type="dt" sz="half" idx="10"/>
+          </p:nvPr>
+        </p:nvSpPr>
+        <p:spPr/>
+        <p:txBody>
+          <a:bodyPr/>
+          <a:lstStyle/>
+          <a:p>
+            <a:fld id="{8BEEBAAA-29B5-4AF5-BC5F-7E580C29002D}" type="datetimeFigureOut">
+              <a:rPr lang="en-US" smtClean="0"/>
+              <a:pPr/>
+              <a:t>2/17/20</a:t>
+            </a:fld>
+            <a:endParaRPr lang="en-US" dirty="0"/>
+          </a:p>
+        </p:txBody>
+      </p:sp>
+      <p:sp>
+        <p:nvSpPr>
+          <p:cNvPr id="5" name="Footer Placeholder 4"/>
+          <p:cNvSpPr>
+            <a:spLocks noGrp="1"/>
+          </p:cNvSpPr>
+          <p:nvPr>
+            <p:ph type="ftr" sz="quarter" idx="11"/>
+          </p:nvPr>
+        </p:nvSpPr>
+        <p:spPr/>
+        <p:txBody>
+          <a:bodyPr/>
+          <a:lstStyle/>
+          <a:p>
+            <a:endParaRPr lang="en-US" dirty="0"/>
+          </a:p>
+        </p:txBody>
+      </p:sp>
+      <p:sp>
+        <p:nvSpPr>
+          <p:cNvPr id="6" name="Slide Number Placeholder 5"/>
+          <p:cNvSpPr>
+            <a:spLocks noGrp="1"/>
+          </p:cNvSpPr>
+          <p:nvPr>
+            <p:ph type="sldNum" sz="quarter" idx="12"/>
+          </p:nvPr>
+        </p:nvSpPr>
+        <p:spPr/>
+        <p:txBody>
+          <a:bodyPr/>
+          <a:lstStyle/>
+          <a:p>
+            <a:fld id="{9860EDB8-5305-433F-BE41-D7A86D811DB3}" type="slidenum">
+              <a:rPr lang="en-US" smtClean="0"/>
+              <a:pPr/>
+              <a:t>‹#›</a:t>
+            </a:fld>
+            <a:endParaRPr lang="en-US" dirty="0"/>
+          </a:p>
+        </p:txBody>
+      </p:sp>
+    </p:spTree>
+    <p:extLst>
+      <p:ext uri="{BB962C8B-B14F-4D97-AF65-F5344CB8AC3E}">
+        <p14:creationId xmlns:p14="http://schemas.microsoft.com/office/powerpoint/2010/main" val="1665119854"/>
+      </p:ext>
+    </p:extLst>
+  </p:cSld>
+  <p:clrMapOvr>
+    <a:masterClrMapping/>
+  </p:clrMapOvr>
+</p:sldLayout>
+</file>
+
+<file path=ppt/slideLayouts/slideLayout10.xml><?xml version="1.0" encoding="utf-8"?>
+<p:sldLayout xmlns:a="http://schemas.openxmlformats.org/drawingml/2006/main" xmlns:r="http://schemas.openxmlformats.org/officeDocument/2006/relationships" xmlns:p="http://schemas.openxmlformats.org/presentationml/2006/main" type="vertTx" preserve="1">
+  <p:cSld name="Title and Vertical Text">
+    <p:spTree>
+      <p:nvGrpSpPr>
+        <p:cNvPr id="1" name=""/>
+        <p:cNvGrpSpPr/>
+        <p:nvPr/>
+      </p:nvGrpSpPr>
+      <p:grpSpPr>
+        <a:xfrm>
+          <a:off x="0" y="0"/>
+          <a:ext cx="0" cy="0"/>
+          <a:chOff x="0" y="0"/>
+          <a:chExt cx="0" cy="0"/>
+        </a:xfrm>
+      </p:grpSpPr>
+      <p:sp>
+        <p:nvSpPr>
+          <p:cNvPr id="2" name="Title 1"/>
+          <p:cNvSpPr>
+            <a:spLocks noGrp="1"/>
+          </p:cNvSpPr>
+          <p:nvPr>
+            <p:ph type="title"/>
+          </p:nvPr>
+        </p:nvSpPr>
+        <p:spPr/>
+        <p:txBody>
+          <a:bodyPr/>
+          <a:lstStyle/>
+          <a:p>
+            <a:r>
+              <a:rPr lang="en-US"/>
+              <a:t>Click to edit Master title style</a:t>
+            </a:r>
+            <a:endParaRPr lang="en-US" dirty="0"/>
+          </a:p>
+        </p:txBody>
+      </p:sp>
+      <p:sp>
+        <p:nvSpPr>
+          <p:cNvPr id="3" name="Vertical Text Placeholder 2"/>
+          <p:cNvSpPr>
+            <a:spLocks noGrp="1"/>
+          </p:cNvSpPr>
+          <p:nvPr>
+            <p:ph type="body" orient="vert" idx="1"/>
+          </p:nvPr>
+        </p:nvSpPr>
+        <p:spPr/>
+        <p:txBody>
+          <a:bodyPr vert="eaVert"/>
+          <a:lstStyle/>
+          <a:p>
+            <a:pPr lvl="0"/>
+            <a:r>
+              <a:rPr lang="en-US"/>
+              <a:t>Click to edit Master text styles</a:t>
+            </a:r>
+          </a:p>
+          <a:p>
+            <a:pPr lvl="1"/>
+            <a:r>
+              <a:rPr lang="en-US"/>
+              <a:t>Second level</a:t>
+            </a:r>
+          </a:p>
+          <a:p>
+            <a:pPr lvl="2"/>
+            <a:r>
+              <a:rPr lang="en-US"/>
+              <a:t>Third level</a:t>
+            </a:r>
+          </a:p>
+          <a:p>
+            <a:pPr lvl="3"/>
+            <a:r>
+              <a:rPr lang="en-US"/>
+              <a:t>Fourth level</a:t>
+            </a:r>
+          </a:p>
+          <a:p>
+            <a:pPr lvl="4"/>
+            <a:r>
+              <a:rPr lang="en-US"/>
+              <a:t>Fifth level</a:t>
+            </a:r>
+            <a:endParaRPr lang="en-US" dirty="0"/>
+          </a:p>
+        </p:txBody>
+      </p:sp>
+      <p:sp>
+        <p:nvSpPr>
+          <p:cNvPr id="4" name="Date Placeholder 3"/>
+          <p:cNvSpPr>
+            <a:spLocks noGrp="1"/>
+          </p:cNvSpPr>
+          <p:nvPr>
+            <p:ph type="dt" sz="half" idx="10"/>
+          </p:nvPr>
+        </p:nvSpPr>
+        <p:spPr/>
+        <p:txBody>
+          <a:bodyPr/>
+          <a:lstStyle/>
+          <a:p>
+            <a:fld id="{8BEEBAAA-29B5-4AF5-BC5F-7E580C29002D}" type="datetimeFigureOut">
+              <a:rPr lang="en-US" smtClean="0"/>
+              <a:pPr/>
+              <a:t>2/17/20</a:t>
+            </a:fld>
+            <a:endParaRPr lang="en-US" dirty="0"/>
+          </a:p>
+        </p:txBody>
+      </p:sp>
+      <p:sp>
+        <p:nvSpPr>
+          <p:cNvPr id="5" name="Footer Placeholder 4"/>
+          <p:cNvSpPr>
+            <a:spLocks noGrp="1"/>
+          </p:cNvSpPr>
+          <p:nvPr>
+            <p:ph type="ftr" sz="quarter" idx="11"/>
+          </p:nvPr>
+        </p:nvSpPr>
+        <p:spPr/>
+        <p:txBody>
+          <a:bodyPr/>
+          <a:lstStyle/>
+          <a:p>
+            <a:endParaRPr lang="en-US" dirty="0"/>
+          </a:p>
+        </p:txBody>
+      </p:sp>
+      <p:sp>
+        <p:nvSpPr>
+          <p:cNvPr id="6" name="Slide Number Placeholder 5"/>
+          <p:cNvSpPr>
+            <a:spLocks noGrp="1"/>
+          </p:cNvSpPr>
+          <p:nvPr>
+            <p:ph type="sldNum" sz="quarter" idx="12"/>
+          </p:nvPr>
+        </p:nvSpPr>
+        <p:spPr/>
+        <p:txBody>
+          <a:bodyPr/>
+          <a:lstStyle/>
+          <a:p>
+            <a:fld id="{9860EDB8-5305-433F-BE41-D7A86D811DB3}" type="slidenum">
+              <a:rPr lang="en-US" smtClean="0"/>
+              <a:pPr/>
+              <a:t>‹#›</a:t>
+            </a:fld>
+            <a:endParaRPr lang="en-US" dirty="0"/>
+          </a:p>
+        </p:txBody>
+      </p:sp>
+    </p:spTree>
+    <p:extLst>
+      <p:ext uri="{BB962C8B-B14F-4D97-AF65-F5344CB8AC3E}">
+        <p14:creationId xmlns:p14="http://schemas.microsoft.com/office/powerpoint/2010/main" val="2480282783"/>
+      </p:ext>
+    </p:extLst>
+  </p:cSld>
+  <p:clrMapOvr>
+    <a:masterClrMapping/>
+  </p:clrMapOvr>
+</p:sldLayout>
+</file>
+
+<file path=ppt/slideLayouts/slideLayout11.xml><?xml version="1.0" encoding="utf-8"?>
+<p:sldLayout xmlns:a="http://schemas.openxmlformats.org/drawingml/2006/main" xmlns:r="http://schemas.openxmlformats.org/officeDocument/2006/relationships" xmlns:p="http://schemas.openxmlformats.org/presentationml/2006/main" type="vertTitleAndTx" preserve="1">
+  <p:cSld name="Vertical Title and Text">
+    <p:spTree>
+      <p:nvGrpSpPr>
+        <p:cNvPr id="1" name=""/>
+        <p:cNvGrpSpPr/>
+        <p:nvPr/>
+      </p:nvGrpSpPr>
+      <p:grpSpPr>
+        <a:xfrm>
+          <a:off x="0" y="0"/>
+          <a:ext cx="0" cy="0"/>
+          <a:chOff x="0" y="0"/>
+          <a:chExt cx="0" cy="0"/>
+        </a:xfrm>
+      </p:grpSpPr>
+      <p:sp>
+        <p:nvSpPr>
+          <p:cNvPr id="2" name="Vertical Title 1"/>
+          <p:cNvSpPr>
+            <a:spLocks noGrp="1"/>
+          </p:cNvSpPr>
+          <p:nvPr>
+            <p:ph type="title" orient="vert"/>
+          </p:nvPr>
+        </p:nvSpPr>
+        <p:spPr>
+          <a:xfrm>
+            <a:off x="8724900" y="365125"/>
+            <a:ext cx="2628900" cy="5811838"/>
+          </a:xfrm>
+        </p:spPr>
+        <p:txBody>
+          <a:bodyPr vert="eaVert"/>
+          <a:lstStyle/>
+          <a:p>
+            <a:r>
+              <a:rPr lang="en-US"/>
+              <a:t>Click to edit Master title style</a:t>
+            </a:r>
+            <a:endParaRPr lang="en-US" dirty="0"/>
+          </a:p>
+        </p:txBody>
+      </p:sp>
+      <p:sp>
+        <p:nvSpPr>
+          <p:cNvPr id="3" name="Vertical Text Placeholder 2"/>
+          <p:cNvSpPr>
+            <a:spLocks noGrp="1"/>
+          </p:cNvSpPr>
+          <p:nvPr>
+            <p:ph type="body" orient="vert" idx="1"/>
+          </p:nvPr>
+        </p:nvSpPr>
+        <p:spPr>
+          <a:xfrm>
+            <a:off x="838200" y="365125"/>
+            <a:ext cx="7734300" cy="5811838"/>
+          </a:xfrm>
+        </p:spPr>
+        <p:txBody>
+          <a:bodyPr vert="eaVert"/>
+          <a:lstStyle/>
+          <a:p>
+            <a:pPr lvl="0"/>
+            <a:r>
+              <a:rPr lang="en-US"/>
+              <a:t>Click to edit Master text styles</a:t>
+            </a:r>
+          </a:p>
+          <a:p>
+            <a:pPr lvl="1"/>
+            <a:r>
+              <a:rPr lang="en-US"/>
+              <a:t>Second level</a:t>
+            </a:r>
+          </a:p>
+          <a:p>
+            <a:pPr lvl="2"/>
+            <a:r>
+              <a:rPr lang="en-US"/>
+              <a:t>Third level</a:t>
+            </a:r>
+          </a:p>
+          <a:p>
+            <a:pPr lvl="3"/>
+            <a:r>
+              <a:rPr lang="en-US"/>
+              <a:t>Fourth level</a:t>
+            </a:r>
+          </a:p>
+          <a:p>
+            <a:pPr lvl="4"/>
+            <a:r>
+              <a:rPr lang="en-US"/>
+              <a:t>Fifth level</a:t>
+            </a:r>
+            <a:endParaRPr lang="en-US" dirty="0"/>
+          </a:p>
+        </p:txBody>
+      </p:sp>
+      <p:sp>
+        <p:nvSpPr>
+          <p:cNvPr id="4" name="Date Placeholder 3"/>
+          <p:cNvSpPr>
+            <a:spLocks noGrp="1"/>
+          </p:cNvSpPr>
+          <p:nvPr>
+            <p:ph type="dt" sz="half" idx="10"/>
+          </p:nvPr>
+        </p:nvSpPr>
+        <p:spPr/>
+        <p:txBody>
+          <a:bodyPr/>
+          <a:lstStyle/>
+          <a:p>
+            <a:fld id="{8BEEBAAA-29B5-4AF5-BC5F-7E580C29002D}" type="datetimeFigureOut">
+              <a:rPr lang="en-US" smtClean="0"/>
+              <a:pPr/>
+              <a:t>2/17/20</a:t>
+            </a:fld>
+            <a:endParaRPr lang="en-US" dirty="0"/>
+          </a:p>
+        </p:txBody>
+      </p:sp>
+      <p:sp>
+        <p:nvSpPr>
+          <p:cNvPr id="5" name="Footer Placeholder 4"/>
+          <p:cNvSpPr>
+            <a:spLocks noGrp="1"/>
+          </p:cNvSpPr>
+          <p:nvPr>
+            <p:ph type="ftr" sz="quarter" idx="11"/>
+          </p:nvPr>
+        </p:nvSpPr>
+        <p:spPr/>
+        <p:txBody>
+          <a:bodyPr/>
+          <a:lstStyle/>
+          <a:p>
+            <a:endParaRPr lang="en-US" dirty="0"/>
+          </a:p>
+        </p:txBody>
+      </p:sp>
+      <p:sp>
+        <p:nvSpPr>
+          <p:cNvPr id="6" name="Slide Number Placeholder 5"/>
+          <p:cNvSpPr>
+            <a:spLocks noGrp="1"/>
+          </p:cNvSpPr>
+          <p:nvPr>
+            <p:ph type="sldNum" sz="quarter" idx="12"/>
+          </p:nvPr>
+        </p:nvSpPr>
+        <p:spPr/>
+        <p:txBody>
+          <a:bodyPr/>
+          <a:lstStyle/>
+          <a:p>
+            <a:fld id="{9860EDB8-5305-433F-BE41-D7A86D811DB3}" type="slidenum">
+              <a:rPr lang="en-US" smtClean="0"/>
+              <a:pPr/>
+              <a:t>‹#›</a:t>
+            </a:fld>
+            <a:endParaRPr lang="en-US" dirty="0"/>
+          </a:p>
+        </p:txBody>
+      </p:sp>
+    </p:spTree>
+    <p:extLst>
+      <p:ext uri="{BB962C8B-B14F-4D97-AF65-F5344CB8AC3E}">
+        <p14:creationId xmlns:p14="http://schemas.microsoft.com/office/powerpoint/2010/main" val="996312901"/>
+      </p:ext>
+    </p:extLst>
+  </p:cSld>
+  <p:clrMapOvr>
+    <a:masterClrMapping/>
+  </p:clrMapOvr>
+</p:sldLayout>
+</file>
+
+<file path=ppt/slideLayouts/slideLayout12.xml><?xml version="1.0" encoding="utf-8"?>
+<p:sldLayout xmlns:a="http://schemas.openxmlformats.org/drawingml/2006/main" xmlns:r="http://schemas.openxmlformats.org/officeDocument/2006/relationships" xmlns:p="http://schemas.openxmlformats.org/presentationml/2006/main" userDrawn="1">
+  <p:cSld name="1_Title Slide">
     <p:spTree>
       <p:nvGrpSpPr>
         <p:cNvPr id="1" name=""/>
@@ -1334,7 +3408,7 @@
     </p:spTree>
     <p:extLst>
       <p:ext uri="{BB962C8B-B14F-4D97-AF65-F5344CB8AC3E}">
-        <p14:creationId xmlns:p14="http://schemas.microsoft.com/office/powerpoint/2010/main" val="1718549498"/>
+        <p14:creationId xmlns:p14="http://schemas.microsoft.com/office/powerpoint/2010/main" val="2786851861"/>
       </p:ext>
     </p:extLst>
   </p:cSld>
@@ -1344,449 +3418,9 @@
 </p:sldLayout>
 </file>
 
-<file path=ppt/slideLayouts/slideLayout2.xml><?xml version="1.0" encoding="utf-8"?>
-<p:sldLayout xmlns:a="http://schemas.openxmlformats.org/drawingml/2006/main" xmlns:r="http://schemas.openxmlformats.org/officeDocument/2006/relationships" xmlns:p="http://schemas.openxmlformats.org/presentationml/2006/main" preserve="1" userDrawn="1">
-  <p:cSld name="Title and Content">
-    <p:spTree>
-      <p:nvGrpSpPr>
-        <p:cNvPr id="1" name=""/>
-        <p:cNvGrpSpPr/>
-        <p:nvPr/>
-      </p:nvGrpSpPr>
-      <p:grpSpPr>
-        <a:xfrm>
-          <a:off x="0" y="0"/>
-          <a:ext cx="0" cy="0"/>
-          <a:chOff x="0" y="0"/>
-          <a:chExt cx="0" cy="0"/>
-        </a:xfrm>
-      </p:grpSpPr>
-      <p:sp>
-        <p:nvSpPr>
-          <p:cNvPr id="9" name="Rectangle 8"/>
-          <p:cNvSpPr/>
-          <p:nvPr userDrawn="1"/>
-        </p:nvSpPr>
-        <p:spPr>
-          <a:xfrm>
-            <a:off x="256032" y="265176"/>
-            <a:ext cx="11683049" cy="6332433"/>
-          </a:xfrm>
-          <a:prstGeom prst="rect">
-            <a:avLst/>
-          </a:prstGeom>
-          <a:solidFill>
-            <a:srgbClr val="F5F5F5"/>
-          </a:solidFill>
-          <a:ln>
-            <a:noFill/>
-          </a:ln>
-        </p:spPr>
-        <p:style>
-          <a:lnRef idx="2">
-            <a:schemeClr val="accent1">
-              <a:shade val="50000"/>
-            </a:schemeClr>
-          </a:lnRef>
-          <a:fillRef idx="1">
-            <a:schemeClr val="accent1"/>
-          </a:fillRef>
-          <a:effectRef idx="0">
-            <a:schemeClr val="accent1"/>
-          </a:effectRef>
-          <a:fontRef idx="minor">
-            <a:schemeClr val="lt1"/>
-          </a:fontRef>
-        </p:style>
-        <p:txBody>
-          <a:bodyPr rtlCol="0" anchor="b" anchorCtr="0"/>
-          <a:lstStyle/>
-          <a:p>
-            <a:pPr algn="ctr"/>
-            <a:endParaRPr lang="en-US" sz="1800" dirty="0"/>
-          </a:p>
-        </p:txBody>
-      </p:sp>
-      <p:cxnSp>
-        <p:nvCxnSpPr>
-          <p:cNvPr id="12" name="Straight Connector 11"/>
-          <p:cNvCxnSpPr/>
-          <p:nvPr userDrawn="1"/>
-        </p:nvCxnSpPr>
-        <p:spPr>
-          <a:xfrm>
-            <a:off x="604434" y="1196392"/>
-            <a:ext cx="10983132" cy="0"/>
-          </a:xfrm>
-          <a:prstGeom prst="line">
-            <a:avLst/>
-          </a:prstGeom>
-          <a:ln w="25400">
-            <a:solidFill>
-              <a:srgbClr val="D24726"/>
-            </a:solidFill>
-          </a:ln>
-        </p:spPr>
-        <p:style>
-          <a:lnRef idx="1">
-            <a:schemeClr val="accent1"/>
-          </a:lnRef>
-          <a:fillRef idx="0">
-            <a:schemeClr val="accent1"/>
-          </a:fillRef>
-          <a:effectRef idx="0">
-            <a:schemeClr val="accent1"/>
-          </a:effectRef>
-          <a:fontRef idx="minor">
-            <a:schemeClr val="tx1"/>
-          </a:fontRef>
-        </p:style>
-      </p:cxnSp>
-      <p:sp>
-        <p:nvSpPr>
-          <p:cNvPr id="4" name="Title 3"/>
-          <p:cNvSpPr>
-            <a:spLocks noGrp="1"/>
-          </p:cNvSpPr>
-          <p:nvPr>
-            <p:ph type="title"/>
-          </p:nvPr>
-        </p:nvSpPr>
-        <p:spPr>
-          <a:xfrm>
-            <a:off x="521207" y="448056"/>
-            <a:ext cx="6877119" cy="640080"/>
-          </a:xfrm>
-        </p:spPr>
-        <p:txBody>
-          <a:bodyPr anchor="b" anchorCtr="0">
-            <a:normAutofit/>
-          </a:bodyPr>
-          <a:lstStyle>
-            <a:lvl1pPr>
-              <a:defRPr sz="2800">
-                <a:solidFill>
-                  <a:schemeClr val="bg2">
-                    <a:lumMod val="25000"/>
-                  </a:schemeClr>
-                </a:solidFill>
-              </a:defRPr>
-            </a:lvl1pPr>
-          </a:lstStyle>
-          <a:p>
-            <a:r>
-              <a:rPr lang="en-US"/>
-              <a:t>Click to edit Master title style</a:t>
-            </a:r>
-            <a:endParaRPr lang="en-US" dirty="0"/>
-          </a:p>
-        </p:txBody>
-      </p:sp>
-      <p:sp>
-        <p:nvSpPr>
-          <p:cNvPr id="3" name="Content Placeholder 2"/>
-          <p:cNvSpPr>
-            <a:spLocks noGrp="1"/>
-          </p:cNvSpPr>
-          <p:nvPr>
-            <p:ph sz="quarter" idx="10"/>
-          </p:nvPr>
-        </p:nvSpPr>
-        <p:spPr>
-          <a:xfrm>
-            <a:off x="539496" y="1435608"/>
-            <a:ext cx="4416552" cy="3977640"/>
-          </a:xfrm>
-        </p:spPr>
-        <p:txBody>
-          <a:bodyPr vert="horz" lIns="91440" tIns="45720" rIns="91440" bIns="45720" rtlCol="0">
-            <a:normAutofit/>
-          </a:bodyPr>
-          <a:lstStyle>
-            <a:lvl1pPr>
-              <a:defRPr lang="en-US" sz="1200" smtClean="0">
-                <a:solidFill>
-                  <a:schemeClr val="tx1">
-                    <a:lumMod val="75000"/>
-                    <a:lumOff val="25000"/>
-                  </a:schemeClr>
-                </a:solidFill>
-              </a:defRPr>
-            </a:lvl1pPr>
-            <a:lvl2pPr>
-              <a:defRPr lang="en-US" sz="1200" smtClean="0">
-                <a:solidFill>
-                  <a:schemeClr val="tx1">
-                    <a:lumMod val="75000"/>
-                    <a:lumOff val="25000"/>
-                  </a:schemeClr>
-                </a:solidFill>
-              </a:defRPr>
-            </a:lvl2pPr>
-            <a:lvl3pPr>
-              <a:defRPr lang="en-US" sz="1200" smtClean="0">
-                <a:solidFill>
-                  <a:schemeClr val="tx1">
-                    <a:lumMod val="75000"/>
-                    <a:lumOff val="25000"/>
-                  </a:schemeClr>
-                </a:solidFill>
-              </a:defRPr>
-            </a:lvl3pPr>
-            <a:lvl4pPr>
-              <a:defRPr lang="en-US" sz="1200" smtClean="0">
-                <a:solidFill>
-                  <a:schemeClr val="tx1">
-                    <a:lumMod val="75000"/>
-                    <a:lumOff val="25000"/>
-                  </a:schemeClr>
-                </a:solidFill>
-              </a:defRPr>
-            </a:lvl4pPr>
-            <a:lvl5pPr>
-              <a:defRPr lang="en-US" sz="1200">
-                <a:solidFill>
-                  <a:schemeClr val="tx1">
-                    <a:lumMod val="75000"/>
-                    <a:lumOff val="25000"/>
-                  </a:schemeClr>
-                </a:solidFill>
-              </a:defRPr>
-            </a:lvl5pPr>
-          </a:lstStyle>
-          <a:p>
-            <a:pPr marL="0" lvl="0" indent="0">
-              <a:lnSpc>
-                <a:spcPct val="150000"/>
-              </a:lnSpc>
-              <a:spcBef>
-                <a:spcPts val="1000"/>
-              </a:spcBef>
-              <a:spcAft>
-                <a:spcPts val="1200"/>
-              </a:spcAft>
-              <a:buNone/>
-            </a:pPr>
-            <a:r>
-              <a:rPr lang="en-US"/>
-              <a:t>Click to edit Master text styles</a:t>
-            </a:r>
-          </a:p>
-          <a:p>
-            <a:pPr marL="0" lvl="1" indent="0">
-              <a:lnSpc>
-                <a:spcPct val="150000"/>
-              </a:lnSpc>
-              <a:spcBef>
-                <a:spcPts val="1000"/>
-              </a:spcBef>
-              <a:spcAft>
-                <a:spcPts val="1200"/>
-              </a:spcAft>
-              <a:buNone/>
-            </a:pPr>
-            <a:r>
-              <a:rPr lang="en-US"/>
-              <a:t>Second level</a:t>
-            </a:r>
-          </a:p>
-          <a:p>
-            <a:pPr marL="0" lvl="2" indent="0">
-              <a:lnSpc>
-                <a:spcPct val="150000"/>
-              </a:lnSpc>
-              <a:spcBef>
-                <a:spcPts val="1000"/>
-              </a:spcBef>
-              <a:spcAft>
-                <a:spcPts val="1200"/>
-              </a:spcAft>
-              <a:buNone/>
-            </a:pPr>
-            <a:r>
-              <a:rPr lang="en-US"/>
-              <a:t>Third level</a:t>
-            </a:r>
-          </a:p>
-          <a:p>
-            <a:pPr marL="0" lvl="3" indent="0">
-              <a:lnSpc>
-                <a:spcPct val="150000"/>
-              </a:lnSpc>
-              <a:spcBef>
-                <a:spcPts val="1000"/>
-              </a:spcBef>
-              <a:spcAft>
-                <a:spcPts val="1200"/>
-              </a:spcAft>
-              <a:buNone/>
-            </a:pPr>
-            <a:r>
-              <a:rPr lang="en-US"/>
-              <a:t>Fourth level</a:t>
-            </a:r>
-          </a:p>
-          <a:p>
-            <a:pPr marL="0" lvl="4" indent="0">
-              <a:lnSpc>
-                <a:spcPct val="150000"/>
-              </a:lnSpc>
-              <a:spcBef>
-                <a:spcPts val="1000"/>
-              </a:spcBef>
-              <a:spcAft>
-                <a:spcPts val="1200"/>
-              </a:spcAft>
-              <a:buNone/>
-            </a:pPr>
-            <a:r>
-              <a:rPr lang="en-US"/>
-              <a:t>Fifth level</a:t>
-            </a:r>
-            <a:endParaRPr lang="en-US" dirty="0"/>
-          </a:p>
-        </p:txBody>
-      </p:sp>
-      <p:sp>
-        <p:nvSpPr>
-          <p:cNvPr id="6" name="Date Placeholder 3"/>
-          <p:cNvSpPr>
-            <a:spLocks noGrp="1"/>
-          </p:cNvSpPr>
-          <p:nvPr>
-            <p:ph type="dt" sz="half" idx="2"/>
-          </p:nvPr>
-        </p:nvSpPr>
-        <p:spPr>
-          <a:xfrm>
-            <a:off x="539496" y="6203952"/>
-            <a:ext cx="3276600" cy="365125"/>
-          </a:xfrm>
-          <a:prstGeom prst="rect">
-            <a:avLst/>
-          </a:prstGeom>
-        </p:spPr>
-        <p:txBody>
-          <a:bodyPr vert="horz" lIns="91440" tIns="45720" rIns="91440" bIns="45720" rtlCol="0" anchor="ctr"/>
-          <a:lstStyle>
-            <a:lvl1pPr algn="l">
-              <a:defRPr sz="1200" baseline="0">
-                <a:solidFill>
-                  <a:schemeClr val="tx1">
-                    <a:lumMod val="65000"/>
-                    <a:lumOff val="35000"/>
-                  </a:schemeClr>
-                </a:solidFill>
-              </a:defRPr>
-            </a:lvl1pPr>
-          </a:lstStyle>
-          <a:p>
-            <a:fld id="{8BEEBAAA-29B5-4AF5-BC5F-7E580C29002D}" type="datetimeFigureOut">
-              <a:rPr lang="en-US" smtClean="0"/>
-              <a:pPr/>
-              <a:t>2/17/2020</a:t>
-            </a:fld>
-            <a:endParaRPr lang="en-US" dirty="0"/>
-          </a:p>
-        </p:txBody>
-      </p:sp>
-      <p:sp>
-        <p:nvSpPr>
-          <p:cNvPr id="7" name="Footer Placeholder 4"/>
-          <p:cNvSpPr>
-            <a:spLocks noGrp="1"/>
-          </p:cNvSpPr>
-          <p:nvPr>
-            <p:ph type="ftr" sz="quarter" idx="3"/>
-          </p:nvPr>
-        </p:nvSpPr>
-        <p:spPr>
-          <a:xfrm>
-            <a:off x="4648200" y="6203952"/>
-            <a:ext cx="2895600" cy="365125"/>
-          </a:xfrm>
-          <a:prstGeom prst="rect">
-            <a:avLst/>
-          </a:prstGeom>
-        </p:spPr>
-        <p:txBody>
-          <a:bodyPr vert="horz" lIns="91440" tIns="45720" rIns="91440" bIns="45720" rtlCol="0" anchor="ctr"/>
-          <a:lstStyle>
-            <a:lvl1pPr algn="ctr">
-              <a:defRPr sz="1200" baseline="0">
-                <a:solidFill>
-                  <a:schemeClr val="tx1">
-                    <a:lumMod val="65000"/>
-                    <a:lumOff val="35000"/>
-                  </a:schemeClr>
-                </a:solidFill>
-              </a:defRPr>
-            </a:lvl1pPr>
-          </a:lstStyle>
-          <a:p>
-            <a:endParaRPr lang="en-US" dirty="0"/>
-          </a:p>
-        </p:txBody>
-      </p:sp>
-      <p:sp>
-        <p:nvSpPr>
-          <p:cNvPr id="8" name="Slide Number Placeholder 5"/>
-          <p:cNvSpPr>
-            <a:spLocks noGrp="1"/>
-          </p:cNvSpPr>
-          <p:nvPr>
-            <p:ph type="sldNum" sz="quarter" idx="4"/>
-          </p:nvPr>
-        </p:nvSpPr>
-        <p:spPr>
-          <a:xfrm>
-            <a:off x="8371926" y="6203952"/>
-            <a:ext cx="3276600" cy="365125"/>
-          </a:xfrm>
-          <a:prstGeom prst="rect">
-            <a:avLst/>
-          </a:prstGeom>
-        </p:spPr>
-        <p:txBody>
-          <a:bodyPr vert="horz" lIns="91440" tIns="45720" rIns="91440" bIns="45720" rtlCol="0" anchor="ctr"/>
-          <a:lstStyle>
-            <a:lvl1pPr algn="r">
-              <a:defRPr sz="1200" baseline="0">
-                <a:solidFill>
-                  <a:schemeClr val="tx1">
-                    <a:lumMod val="65000"/>
-                    <a:lumOff val="35000"/>
-                  </a:schemeClr>
-                </a:solidFill>
-              </a:defRPr>
-            </a:lvl1pPr>
-          </a:lstStyle>
-          <a:p>
-            <a:fld id="{9860EDB8-5305-433F-BE41-D7A86D811DB3}" type="slidenum">
-              <a:rPr lang="en-US" smtClean="0"/>
-              <a:pPr/>
-              <a:t>‹#›</a:t>
-            </a:fld>
-            <a:endParaRPr lang="en-US" dirty="0"/>
-          </a:p>
-        </p:txBody>
-      </p:sp>
-    </p:spTree>
-    <p:extLst>
-      <p:ext uri="{BB962C8B-B14F-4D97-AF65-F5344CB8AC3E}">
-        <p14:creationId xmlns:p14="http://schemas.microsoft.com/office/powerpoint/2010/main" val="2185836540"/>
-      </p:ext>
-    </p:extLst>
-  </p:cSld>
-  <p:clrMapOvr>
-    <a:masterClrMapping/>
-  </p:clrMapOvr>
-</p:sldLayout>
-</file>
-
-<file path=ppt/slideLayouts/slideLayout3.xml><?xml version="1.0" encoding="utf-8"?>
-<p:sldLayout xmlns:a="http://schemas.openxmlformats.org/drawingml/2006/main" xmlns:r="http://schemas.openxmlformats.org/officeDocument/2006/relationships" xmlns:p="http://schemas.openxmlformats.org/presentationml/2006/main" preserve="1" userDrawn="1">
-  <p:cSld name="Section Header">
+<file path=ppt/slideLayouts/slideLayout13.xml><?xml version="1.0" encoding="utf-8"?>
+<p:sldLayout xmlns:a="http://schemas.openxmlformats.org/drawingml/2006/main" xmlns:r="http://schemas.openxmlformats.org/officeDocument/2006/relationships" xmlns:p="http://schemas.openxmlformats.org/presentationml/2006/main" userDrawn="1">
+  <p:cSld name="1_Section Header">
     <p:spTree>
       <p:nvGrpSpPr>
         <p:cNvPr id="1" name=""/>
@@ -2100,7 +3734,2225 @@
     </p:spTree>
     <p:extLst>
       <p:ext uri="{BB962C8B-B14F-4D97-AF65-F5344CB8AC3E}">
-        <p14:creationId xmlns:p14="http://schemas.microsoft.com/office/powerpoint/2010/main" val="1335655537"/>
+        <p14:creationId xmlns:p14="http://schemas.microsoft.com/office/powerpoint/2010/main" val="3453820249"/>
+      </p:ext>
+    </p:extLst>
+  </p:cSld>
+  <p:clrMapOvr>
+    <a:masterClrMapping/>
+  </p:clrMapOvr>
+</p:sldLayout>
+</file>
+
+<file path=ppt/slideLayouts/slideLayout14.xml><?xml version="1.0" encoding="utf-8"?>
+<p:sldLayout xmlns:a="http://schemas.openxmlformats.org/drawingml/2006/main" xmlns:r="http://schemas.openxmlformats.org/officeDocument/2006/relationships" xmlns:p="http://schemas.openxmlformats.org/presentationml/2006/main" userDrawn="1">
+  <p:cSld name="1_Title and Content">
+    <p:spTree>
+      <p:nvGrpSpPr>
+        <p:cNvPr id="1" name=""/>
+        <p:cNvGrpSpPr/>
+        <p:nvPr/>
+      </p:nvGrpSpPr>
+      <p:grpSpPr>
+        <a:xfrm>
+          <a:off x="0" y="0"/>
+          <a:ext cx="0" cy="0"/>
+          <a:chOff x="0" y="0"/>
+          <a:chExt cx="0" cy="0"/>
+        </a:xfrm>
+      </p:grpSpPr>
+      <p:sp>
+        <p:nvSpPr>
+          <p:cNvPr id="9" name="Rectangle 8"/>
+          <p:cNvSpPr/>
+          <p:nvPr userDrawn="1"/>
+        </p:nvSpPr>
+        <p:spPr>
+          <a:xfrm>
+            <a:off x="256032" y="265176"/>
+            <a:ext cx="11683049" cy="6332433"/>
+          </a:xfrm>
+          <a:prstGeom prst="rect">
+            <a:avLst/>
+          </a:prstGeom>
+          <a:solidFill>
+            <a:srgbClr val="F5F5F5"/>
+          </a:solidFill>
+          <a:ln>
+            <a:noFill/>
+          </a:ln>
+        </p:spPr>
+        <p:style>
+          <a:lnRef idx="2">
+            <a:schemeClr val="accent1">
+              <a:shade val="50000"/>
+            </a:schemeClr>
+          </a:lnRef>
+          <a:fillRef idx="1">
+            <a:schemeClr val="accent1"/>
+          </a:fillRef>
+          <a:effectRef idx="0">
+            <a:schemeClr val="accent1"/>
+          </a:effectRef>
+          <a:fontRef idx="minor">
+            <a:schemeClr val="lt1"/>
+          </a:fontRef>
+        </p:style>
+        <p:txBody>
+          <a:bodyPr rtlCol="0" anchor="b" anchorCtr="0"/>
+          <a:lstStyle/>
+          <a:p>
+            <a:pPr algn="ctr"/>
+            <a:endParaRPr lang="en-US" sz="1800" dirty="0"/>
+          </a:p>
+        </p:txBody>
+      </p:sp>
+      <p:cxnSp>
+        <p:nvCxnSpPr>
+          <p:cNvPr id="12" name="Straight Connector 11"/>
+          <p:cNvCxnSpPr/>
+          <p:nvPr userDrawn="1"/>
+        </p:nvCxnSpPr>
+        <p:spPr>
+          <a:xfrm>
+            <a:off x="604434" y="1196392"/>
+            <a:ext cx="10983132" cy="0"/>
+          </a:xfrm>
+          <a:prstGeom prst="line">
+            <a:avLst/>
+          </a:prstGeom>
+          <a:ln w="25400">
+            <a:solidFill>
+              <a:srgbClr val="D24726"/>
+            </a:solidFill>
+          </a:ln>
+        </p:spPr>
+        <p:style>
+          <a:lnRef idx="1">
+            <a:schemeClr val="accent1"/>
+          </a:lnRef>
+          <a:fillRef idx="0">
+            <a:schemeClr val="accent1"/>
+          </a:fillRef>
+          <a:effectRef idx="0">
+            <a:schemeClr val="accent1"/>
+          </a:effectRef>
+          <a:fontRef idx="minor">
+            <a:schemeClr val="tx1"/>
+          </a:fontRef>
+        </p:style>
+      </p:cxnSp>
+      <p:sp>
+        <p:nvSpPr>
+          <p:cNvPr id="4" name="Title 3"/>
+          <p:cNvSpPr>
+            <a:spLocks noGrp="1"/>
+          </p:cNvSpPr>
+          <p:nvPr>
+            <p:ph type="title"/>
+          </p:nvPr>
+        </p:nvSpPr>
+        <p:spPr>
+          <a:xfrm>
+            <a:off x="521207" y="448056"/>
+            <a:ext cx="6877119" cy="640080"/>
+          </a:xfrm>
+        </p:spPr>
+        <p:txBody>
+          <a:bodyPr anchor="b" anchorCtr="0">
+            <a:normAutofit/>
+          </a:bodyPr>
+          <a:lstStyle>
+            <a:lvl1pPr>
+              <a:defRPr sz="2800">
+                <a:solidFill>
+                  <a:schemeClr val="bg2">
+                    <a:lumMod val="25000"/>
+                  </a:schemeClr>
+                </a:solidFill>
+              </a:defRPr>
+            </a:lvl1pPr>
+          </a:lstStyle>
+          <a:p>
+            <a:r>
+              <a:rPr lang="en-US"/>
+              <a:t>Click to edit Master title style</a:t>
+            </a:r>
+            <a:endParaRPr lang="en-US" dirty="0"/>
+          </a:p>
+        </p:txBody>
+      </p:sp>
+      <p:sp>
+        <p:nvSpPr>
+          <p:cNvPr id="3" name="Content Placeholder 2"/>
+          <p:cNvSpPr>
+            <a:spLocks noGrp="1"/>
+          </p:cNvSpPr>
+          <p:nvPr>
+            <p:ph sz="quarter" idx="10"/>
+          </p:nvPr>
+        </p:nvSpPr>
+        <p:spPr>
+          <a:xfrm>
+            <a:off x="539496" y="1435608"/>
+            <a:ext cx="4416552" cy="3977640"/>
+          </a:xfrm>
+        </p:spPr>
+        <p:txBody>
+          <a:bodyPr vert="horz" lIns="91440" tIns="45720" rIns="91440" bIns="45720" rtlCol="0">
+            <a:normAutofit/>
+          </a:bodyPr>
+          <a:lstStyle>
+            <a:lvl1pPr>
+              <a:defRPr lang="en-US" sz="1200" smtClean="0">
+                <a:solidFill>
+                  <a:schemeClr val="tx1">
+                    <a:lumMod val="75000"/>
+                    <a:lumOff val="25000"/>
+                  </a:schemeClr>
+                </a:solidFill>
+              </a:defRPr>
+            </a:lvl1pPr>
+            <a:lvl2pPr>
+              <a:defRPr lang="en-US" sz="1200" smtClean="0">
+                <a:solidFill>
+                  <a:schemeClr val="tx1">
+                    <a:lumMod val="75000"/>
+                    <a:lumOff val="25000"/>
+                  </a:schemeClr>
+                </a:solidFill>
+              </a:defRPr>
+            </a:lvl2pPr>
+            <a:lvl3pPr>
+              <a:defRPr lang="en-US" sz="1200" smtClean="0">
+                <a:solidFill>
+                  <a:schemeClr val="tx1">
+                    <a:lumMod val="75000"/>
+                    <a:lumOff val="25000"/>
+                  </a:schemeClr>
+                </a:solidFill>
+              </a:defRPr>
+            </a:lvl3pPr>
+            <a:lvl4pPr>
+              <a:defRPr lang="en-US" sz="1200" smtClean="0">
+                <a:solidFill>
+                  <a:schemeClr val="tx1">
+                    <a:lumMod val="75000"/>
+                    <a:lumOff val="25000"/>
+                  </a:schemeClr>
+                </a:solidFill>
+              </a:defRPr>
+            </a:lvl4pPr>
+            <a:lvl5pPr>
+              <a:defRPr lang="en-US" sz="1200">
+                <a:solidFill>
+                  <a:schemeClr val="tx1">
+                    <a:lumMod val="75000"/>
+                    <a:lumOff val="25000"/>
+                  </a:schemeClr>
+                </a:solidFill>
+              </a:defRPr>
+            </a:lvl5pPr>
+          </a:lstStyle>
+          <a:p>
+            <a:pPr marL="0" lvl="0" indent="0">
+              <a:lnSpc>
+                <a:spcPct val="150000"/>
+              </a:lnSpc>
+              <a:spcBef>
+                <a:spcPts val="1000"/>
+              </a:spcBef>
+              <a:spcAft>
+                <a:spcPts val="1200"/>
+              </a:spcAft>
+              <a:buNone/>
+            </a:pPr>
+            <a:r>
+              <a:rPr lang="en-US"/>
+              <a:t>Click to edit Master text styles</a:t>
+            </a:r>
+          </a:p>
+          <a:p>
+            <a:pPr marL="0" lvl="1" indent="0">
+              <a:lnSpc>
+                <a:spcPct val="150000"/>
+              </a:lnSpc>
+              <a:spcBef>
+                <a:spcPts val="1000"/>
+              </a:spcBef>
+              <a:spcAft>
+                <a:spcPts val="1200"/>
+              </a:spcAft>
+              <a:buNone/>
+            </a:pPr>
+            <a:r>
+              <a:rPr lang="en-US"/>
+              <a:t>Second level</a:t>
+            </a:r>
+          </a:p>
+          <a:p>
+            <a:pPr marL="0" lvl="2" indent="0">
+              <a:lnSpc>
+                <a:spcPct val="150000"/>
+              </a:lnSpc>
+              <a:spcBef>
+                <a:spcPts val="1000"/>
+              </a:spcBef>
+              <a:spcAft>
+                <a:spcPts val="1200"/>
+              </a:spcAft>
+              <a:buNone/>
+            </a:pPr>
+            <a:r>
+              <a:rPr lang="en-US"/>
+              <a:t>Third level</a:t>
+            </a:r>
+          </a:p>
+          <a:p>
+            <a:pPr marL="0" lvl="3" indent="0">
+              <a:lnSpc>
+                <a:spcPct val="150000"/>
+              </a:lnSpc>
+              <a:spcBef>
+                <a:spcPts val="1000"/>
+              </a:spcBef>
+              <a:spcAft>
+                <a:spcPts val="1200"/>
+              </a:spcAft>
+              <a:buNone/>
+            </a:pPr>
+            <a:r>
+              <a:rPr lang="en-US"/>
+              <a:t>Fourth level</a:t>
+            </a:r>
+          </a:p>
+          <a:p>
+            <a:pPr marL="0" lvl="4" indent="0">
+              <a:lnSpc>
+                <a:spcPct val="150000"/>
+              </a:lnSpc>
+              <a:spcBef>
+                <a:spcPts val="1000"/>
+              </a:spcBef>
+              <a:spcAft>
+                <a:spcPts val="1200"/>
+              </a:spcAft>
+              <a:buNone/>
+            </a:pPr>
+            <a:r>
+              <a:rPr lang="en-US"/>
+              <a:t>Fifth level</a:t>
+            </a:r>
+            <a:endParaRPr lang="en-US" dirty="0"/>
+          </a:p>
+        </p:txBody>
+      </p:sp>
+      <p:sp>
+        <p:nvSpPr>
+          <p:cNvPr id="6" name="Date Placeholder 3"/>
+          <p:cNvSpPr>
+            <a:spLocks noGrp="1"/>
+          </p:cNvSpPr>
+          <p:nvPr>
+            <p:ph type="dt" sz="half" idx="2"/>
+          </p:nvPr>
+        </p:nvSpPr>
+        <p:spPr>
+          <a:xfrm>
+            <a:off x="539496" y="6203952"/>
+            <a:ext cx="3276600" cy="365125"/>
+          </a:xfrm>
+          <a:prstGeom prst="rect">
+            <a:avLst/>
+          </a:prstGeom>
+        </p:spPr>
+        <p:txBody>
+          <a:bodyPr vert="horz" lIns="91440" tIns="45720" rIns="91440" bIns="45720" rtlCol="0" anchor="ctr"/>
+          <a:lstStyle>
+            <a:lvl1pPr algn="l">
+              <a:defRPr sz="1200" baseline="0">
+                <a:solidFill>
+                  <a:schemeClr val="tx1">
+                    <a:lumMod val="65000"/>
+                    <a:lumOff val="35000"/>
+                  </a:schemeClr>
+                </a:solidFill>
+              </a:defRPr>
+            </a:lvl1pPr>
+          </a:lstStyle>
+          <a:p>
+            <a:fld id="{8BEEBAAA-29B5-4AF5-BC5F-7E580C29002D}" type="datetimeFigureOut">
+              <a:rPr lang="en-US" smtClean="0"/>
+              <a:pPr/>
+              <a:t>2/17/20</a:t>
+            </a:fld>
+            <a:endParaRPr lang="en-US" dirty="0"/>
+          </a:p>
+        </p:txBody>
+      </p:sp>
+      <p:sp>
+        <p:nvSpPr>
+          <p:cNvPr id="7" name="Footer Placeholder 4"/>
+          <p:cNvSpPr>
+            <a:spLocks noGrp="1"/>
+          </p:cNvSpPr>
+          <p:nvPr>
+            <p:ph type="ftr" sz="quarter" idx="3"/>
+          </p:nvPr>
+        </p:nvSpPr>
+        <p:spPr>
+          <a:xfrm>
+            <a:off x="4648200" y="6203952"/>
+            <a:ext cx="2895600" cy="365125"/>
+          </a:xfrm>
+          <a:prstGeom prst="rect">
+            <a:avLst/>
+          </a:prstGeom>
+        </p:spPr>
+        <p:txBody>
+          <a:bodyPr vert="horz" lIns="91440" tIns="45720" rIns="91440" bIns="45720" rtlCol="0" anchor="ctr"/>
+          <a:lstStyle>
+            <a:lvl1pPr algn="ctr">
+              <a:defRPr sz="1200" baseline="0">
+                <a:solidFill>
+                  <a:schemeClr val="tx1">
+                    <a:lumMod val="65000"/>
+                    <a:lumOff val="35000"/>
+                  </a:schemeClr>
+                </a:solidFill>
+              </a:defRPr>
+            </a:lvl1pPr>
+          </a:lstStyle>
+          <a:p>
+            <a:endParaRPr lang="en-US" dirty="0"/>
+          </a:p>
+        </p:txBody>
+      </p:sp>
+      <p:sp>
+        <p:nvSpPr>
+          <p:cNvPr id="8" name="Slide Number Placeholder 5"/>
+          <p:cNvSpPr>
+            <a:spLocks noGrp="1"/>
+          </p:cNvSpPr>
+          <p:nvPr>
+            <p:ph type="sldNum" sz="quarter" idx="4"/>
+          </p:nvPr>
+        </p:nvSpPr>
+        <p:spPr>
+          <a:xfrm>
+            <a:off x="8371926" y="6203952"/>
+            <a:ext cx="3276600" cy="365125"/>
+          </a:xfrm>
+          <a:prstGeom prst="rect">
+            <a:avLst/>
+          </a:prstGeom>
+        </p:spPr>
+        <p:txBody>
+          <a:bodyPr vert="horz" lIns="91440" tIns="45720" rIns="91440" bIns="45720" rtlCol="0" anchor="ctr"/>
+          <a:lstStyle>
+            <a:lvl1pPr algn="r">
+              <a:defRPr sz="1200" baseline="0">
+                <a:solidFill>
+                  <a:schemeClr val="tx1">
+                    <a:lumMod val="65000"/>
+                    <a:lumOff val="35000"/>
+                  </a:schemeClr>
+                </a:solidFill>
+              </a:defRPr>
+            </a:lvl1pPr>
+          </a:lstStyle>
+          <a:p>
+            <a:fld id="{9860EDB8-5305-433F-BE41-D7A86D811DB3}" type="slidenum">
+              <a:rPr lang="en-US" smtClean="0"/>
+              <a:pPr/>
+              <a:t>‹#›</a:t>
+            </a:fld>
+            <a:endParaRPr lang="en-US" dirty="0"/>
+          </a:p>
+        </p:txBody>
+      </p:sp>
+    </p:spTree>
+    <p:extLst>
+      <p:ext uri="{BB962C8B-B14F-4D97-AF65-F5344CB8AC3E}">
+        <p14:creationId xmlns:p14="http://schemas.microsoft.com/office/powerpoint/2010/main" val="3603118631"/>
+      </p:ext>
+    </p:extLst>
+  </p:cSld>
+  <p:clrMapOvr>
+    <a:masterClrMapping/>
+  </p:clrMapOvr>
+</p:sldLayout>
+</file>
+
+<file path=ppt/slideLayouts/slideLayout2.xml><?xml version="1.0" encoding="utf-8"?>
+<p:sldLayout xmlns:a="http://schemas.openxmlformats.org/drawingml/2006/main" xmlns:r="http://schemas.openxmlformats.org/officeDocument/2006/relationships" xmlns:p="http://schemas.openxmlformats.org/presentationml/2006/main" type="obj" preserve="1">
+  <p:cSld name="Title and Content">
+    <p:spTree>
+      <p:nvGrpSpPr>
+        <p:cNvPr id="1" name=""/>
+        <p:cNvGrpSpPr/>
+        <p:nvPr/>
+      </p:nvGrpSpPr>
+      <p:grpSpPr>
+        <a:xfrm>
+          <a:off x="0" y="0"/>
+          <a:ext cx="0" cy="0"/>
+          <a:chOff x="0" y="0"/>
+          <a:chExt cx="0" cy="0"/>
+        </a:xfrm>
+      </p:grpSpPr>
+      <p:sp>
+        <p:nvSpPr>
+          <p:cNvPr id="2" name="Title 1"/>
+          <p:cNvSpPr>
+            <a:spLocks noGrp="1"/>
+          </p:cNvSpPr>
+          <p:nvPr>
+            <p:ph type="title"/>
+          </p:nvPr>
+        </p:nvSpPr>
+        <p:spPr/>
+        <p:txBody>
+          <a:bodyPr/>
+          <a:lstStyle/>
+          <a:p>
+            <a:r>
+              <a:rPr lang="en-US"/>
+              <a:t>Click to edit Master title style</a:t>
+            </a:r>
+            <a:endParaRPr lang="en-US" dirty="0"/>
+          </a:p>
+        </p:txBody>
+      </p:sp>
+      <p:sp>
+        <p:nvSpPr>
+          <p:cNvPr id="3" name="Content Placeholder 2"/>
+          <p:cNvSpPr>
+            <a:spLocks noGrp="1"/>
+          </p:cNvSpPr>
+          <p:nvPr>
+            <p:ph idx="1"/>
+          </p:nvPr>
+        </p:nvSpPr>
+        <p:spPr/>
+        <p:txBody>
+          <a:bodyPr/>
+          <a:lstStyle/>
+          <a:p>
+            <a:pPr lvl="0"/>
+            <a:r>
+              <a:rPr lang="en-US"/>
+              <a:t>Click to edit Master text styles</a:t>
+            </a:r>
+          </a:p>
+          <a:p>
+            <a:pPr lvl="1"/>
+            <a:r>
+              <a:rPr lang="en-US"/>
+              <a:t>Second level</a:t>
+            </a:r>
+          </a:p>
+          <a:p>
+            <a:pPr lvl="2"/>
+            <a:r>
+              <a:rPr lang="en-US"/>
+              <a:t>Third level</a:t>
+            </a:r>
+          </a:p>
+          <a:p>
+            <a:pPr lvl="3"/>
+            <a:r>
+              <a:rPr lang="en-US"/>
+              <a:t>Fourth level</a:t>
+            </a:r>
+          </a:p>
+          <a:p>
+            <a:pPr lvl="4"/>
+            <a:r>
+              <a:rPr lang="en-US"/>
+              <a:t>Fifth level</a:t>
+            </a:r>
+            <a:endParaRPr lang="en-US" dirty="0"/>
+          </a:p>
+        </p:txBody>
+      </p:sp>
+      <p:sp>
+        <p:nvSpPr>
+          <p:cNvPr id="4" name="Date Placeholder 3"/>
+          <p:cNvSpPr>
+            <a:spLocks noGrp="1"/>
+          </p:cNvSpPr>
+          <p:nvPr>
+            <p:ph type="dt" sz="half" idx="10"/>
+          </p:nvPr>
+        </p:nvSpPr>
+        <p:spPr/>
+        <p:txBody>
+          <a:bodyPr/>
+          <a:lstStyle/>
+          <a:p>
+            <a:fld id="{8BEEBAAA-29B5-4AF5-BC5F-7E580C29002D}" type="datetimeFigureOut">
+              <a:rPr lang="en-US" smtClean="0"/>
+              <a:pPr/>
+              <a:t>2/17/20</a:t>
+            </a:fld>
+            <a:endParaRPr lang="en-US" dirty="0"/>
+          </a:p>
+        </p:txBody>
+      </p:sp>
+      <p:sp>
+        <p:nvSpPr>
+          <p:cNvPr id="5" name="Footer Placeholder 4"/>
+          <p:cNvSpPr>
+            <a:spLocks noGrp="1"/>
+          </p:cNvSpPr>
+          <p:nvPr>
+            <p:ph type="ftr" sz="quarter" idx="11"/>
+          </p:nvPr>
+        </p:nvSpPr>
+        <p:spPr/>
+        <p:txBody>
+          <a:bodyPr/>
+          <a:lstStyle/>
+          <a:p>
+            <a:endParaRPr lang="en-US" dirty="0"/>
+          </a:p>
+        </p:txBody>
+      </p:sp>
+      <p:sp>
+        <p:nvSpPr>
+          <p:cNvPr id="6" name="Slide Number Placeholder 5"/>
+          <p:cNvSpPr>
+            <a:spLocks noGrp="1"/>
+          </p:cNvSpPr>
+          <p:nvPr>
+            <p:ph type="sldNum" sz="quarter" idx="12"/>
+          </p:nvPr>
+        </p:nvSpPr>
+        <p:spPr/>
+        <p:txBody>
+          <a:bodyPr/>
+          <a:lstStyle/>
+          <a:p>
+            <a:fld id="{9860EDB8-5305-433F-BE41-D7A86D811DB3}" type="slidenum">
+              <a:rPr lang="en-US" smtClean="0"/>
+              <a:pPr/>
+              <a:t>‹#›</a:t>
+            </a:fld>
+            <a:endParaRPr lang="en-US" dirty="0"/>
+          </a:p>
+        </p:txBody>
+      </p:sp>
+    </p:spTree>
+    <p:extLst>
+      <p:ext uri="{BB962C8B-B14F-4D97-AF65-F5344CB8AC3E}">
+        <p14:creationId xmlns:p14="http://schemas.microsoft.com/office/powerpoint/2010/main" val="2208614211"/>
+      </p:ext>
+    </p:extLst>
+  </p:cSld>
+  <p:clrMapOvr>
+    <a:masterClrMapping/>
+  </p:clrMapOvr>
+</p:sldLayout>
+</file>
+
+<file path=ppt/slideLayouts/slideLayout3.xml><?xml version="1.0" encoding="utf-8"?>
+<p:sldLayout xmlns:a="http://schemas.openxmlformats.org/drawingml/2006/main" xmlns:r="http://schemas.openxmlformats.org/officeDocument/2006/relationships" xmlns:p="http://schemas.openxmlformats.org/presentationml/2006/main" type="secHead" preserve="1">
+  <p:cSld name="Section Header">
+    <p:spTree>
+      <p:nvGrpSpPr>
+        <p:cNvPr id="1" name=""/>
+        <p:cNvGrpSpPr/>
+        <p:nvPr/>
+      </p:nvGrpSpPr>
+      <p:grpSpPr>
+        <a:xfrm>
+          <a:off x="0" y="0"/>
+          <a:ext cx="0" cy="0"/>
+          <a:chOff x="0" y="0"/>
+          <a:chExt cx="0" cy="0"/>
+        </a:xfrm>
+      </p:grpSpPr>
+      <p:sp>
+        <p:nvSpPr>
+          <p:cNvPr id="2" name="Title 1"/>
+          <p:cNvSpPr>
+            <a:spLocks noGrp="1"/>
+          </p:cNvSpPr>
+          <p:nvPr>
+            <p:ph type="title"/>
+          </p:nvPr>
+        </p:nvSpPr>
+        <p:spPr>
+          <a:xfrm>
+            <a:off x="831850" y="1709738"/>
+            <a:ext cx="10515600" cy="2852737"/>
+          </a:xfrm>
+        </p:spPr>
+        <p:txBody>
+          <a:bodyPr anchor="b"/>
+          <a:lstStyle>
+            <a:lvl1pPr>
+              <a:defRPr sz="6000"/>
+            </a:lvl1pPr>
+          </a:lstStyle>
+          <a:p>
+            <a:r>
+              <a:rPr lang="en-US"/>
+              <a:t>Click to edit Master title style</a:t>
+            </a:r>
+            <a:endParaRPr lang="en-US" dirty="0"/>
+          </a:p>
+        </p:txBody>
+      </p:sp>
+      <p:sp>
+        <p:nvSpPr>
+          <p:cNvPr id="3" name="Text Placeholder 2"/>
+          <p:cNvSpPr>
+            <a:spLocks noGrp="1"/>
+          </p:cNvSpPr>
+          <p:nvPr>
+            <p:ph type="body" idx="1"/>
+          </p:nvPr>
+        </p:nvSpPr>
+        <p:spPr>
+          <a:xfrm>
+            <a:off x="831850" y="4589463"/>
+            <a:ext cx="10515600" cy="1500187"/>
+          </a:xfrm>
+        </p:spPr>
+        <p:txBody>
+          <a:bodyPr/>
+          <a:lstStyle>
+            <a:lvl1pPr marL="0" indent="0">
+              <a:buNone/>
+              <a:defRPr sz="2400">
+                <a:solidFill>
+                  <a:schemeClr val="tx1">
+                    <a:tint val="75000"/>
+                  </a:schemeClr>
+                </a:solidFill>
+              </a:defRPr>
+            </a:lvl1pPr>
+            <a:lvl2pPr marL="457200" indent="0">
+              <a:buNone/>
+              <a:defRPr sz="2000">
+                <a:solidFill>
+                  <a:schemeClr val="tx1">
+                    <a:tint val="75000"/>
+                  </a:schemeClr>
+                </a:solidFill>
+              </a:defRPr>
+            </a:lvl2pPr>
+            <a:lvl3pPr marL="914400" indent="0">
+              <a:buNone/>
+              <a:defRPr sz="1800">
+                <a:solidFill>
+                  <a:schemeClr val="tx1">
+                    <a:tint val="75000"/>
+                  </a:schemeClr>
+                </a:solidFill>
+              </a:defRPr>
+            </a:lvl3pPr>
+            <a:lvl4pPr marL="1371600" indent="0">
+              <a:buNone/>
+              <a:defRPr sz="1600">
+                <a:solidFill>
+                  <a:schemeClr val="tx1">
+                    <a:tint val="75000"/>
+                  </a:schemeClr>
+                </a:solidFill>
+              </a:defRPr>
+            </a:lvl4pPr>
+            <a:lvl5pPr marL="1828800" indent="0">
+              <a:buNone/>
+              <a:defRPr sz="1600">
+                <a:solidFill>
+                  <a:schemeClr val="tx1">
+                    <a:tint val="75000"/>
+                  </a:schemeClr>
+                </a:solidFill>
+              </a:defRPr>
+            </a:lvl5pPr>
+            <a:lvl6pPr marL="2286000" indent="0">
+              <a:buNone/>
+              <a:defRPr sz="1600">
+                <a:solidFill>
+                  <a:schemeClr val="tx1">
+                    <a:tint val="75000"/>
+                  </a:schemeClr>
+                </a:solidFill>
+              </a:defRPr>
+            </a:lvl6pPr>
+            <a:lvl7pPr marL="2743200" indent="0">
+              <a:buNone/>
+              <a:defRPr sz="1600">
+                <a:solidFill>
+                  <a:schemeClr val="tx1">
+                    <a:tint val="75000"/>
+                  </a:schemeClr>
+                </a:solidFill>
+              </a:defRPr>
+            </a:lvl7pPr>
+            <a:lvl8pPr marL="3200400" indent="0">
+              <a:buNone/>
+              <a:defRPr sz="1600">
+                <a:solidFill>
+                  <a:schemeClr val="tx1">
+                    <a:tint val="75000"/>
+                  </a:schemeClr>
+                </a:solidFill>
+              </a:defRPr>
+            </a:lvl8pPr>
+            <a:lvl9pPr marL="3657600" indent="0">
+              <a:buNone/>
+              <a:defRPr sz="1600">
+                <a:solidFill>
+                  <a:schemeClr val="tx1">
+                    <a:tint val="75000"/>
+                  </a:schemeClr>
+                </a:solidFill>
+              </a:defRPr>
+            </a:lvl9pPr>
+          </a:lstStyle>
+          <a:p>
+            <a:pPr lvl="0"/>
+            <a:r>
+              <a:rPr lang="en-US"/>
+              <a:t>Click to edit Master text styles</a:t>
+            </a:r>
+          </a:p>
+        </p:txBody>
+      </p:sp>
+      <p:sp>
+        <p:nvSpPr>
+          <p:cNvPr id="4" name="Date Placeholder 3"/>
+          <p:cNvSpPr>
+            <a:spLocks noGrp="1"/>
+          </p:cNvSpPr>
+          <p:nvPr>
+            <p:ph type="dt" sz="half" idx="10"/>
+          </p:nvPr>
+        </p:nvSpPr>
+        <p:spPr/>
+        <p:txBody>
+          <a:bodyPr/>
+          <a:lstStyle/>
+          <a:p>
+            <a:fld id="{8BEEBAAA-29B5-4AF5-BC5F-7E580C29002D}" type="datetimeFigureOut">
+              <a:rPr lang="en-US" smtClean="0"/>
+              <a:pPr/>
+              <a:t>2/17/20</a:t>
+            </a:fld>
+            <a:endParaRPr lang="en-US" dirty="0"/>
+          </a:p>
+        </p:txBody>
+      </p:sp>
+      <p:sp>
+        <p:nvSpPr>
+          <p:cNvPr id="5" name="Footer Placeholder 4"/>
+          <p:cNvSpPr>
+            <a:spLocks noGrp="1"/>
+          </p:cNvSpPr>
+          <p:nvPr>
+            <p:ph type="ftr" sz="quarter" idx="11"/>
+          </p:nvPr>
+        </p:nvSpPr>
+        <p:spPr/>
+        <p:txBody>
+          <a:bodyPr/>
+          <a:lstStyle/>
+          <a:p>
+            <a:endParaRPr lang="en-US" dirty="0"/>
+          </a:p>
+        </p:txBody>
+      </p:sp>
+      <p:sp>
+        <p:nvSpPr>
+          <p:cNvPr id="6" name="Slide Number Placeholder 5"/>
+          <p:cNvSpPr>
+            <a:spLocks noGrp="1"/>
+          </p:cNvSpPr>
+          <p:nvPr>
+            <p:ph type="sldNum" sz="quarter" idx="12"/>
+          </p:nvPr>
+        </p:nvSpPr>
+        <p:spPr/>
+        <p:txBody>
+          <a:bodyPr/>
+          <a:lstStyle/>
+          <a:p>
+            <a:fld id="{9860EDB8-5305-433F-BE41-D7A86D811DB3}" type="slidenum">
+              <a:rPr lang="en-US" smtClean="0"/>
+              <a:pPr/>
+              <a:t>‹#›</a:t>
+            </a:fld>
+            <a:endParaRPr lang="en-US" dirty="0"/>
+          </a:p>
+        </p:txBody>
+      </p:sp>
+    </p:spTree>
+    <p:extLst>
+      <p:ext uri="{BB962C8B-B14F-4D97-AF65-F5344CB8AC3E}">
+        <p14:creationId xmlns:p14="http://schemas.microsoft.com/office/powerpoint/2010/main" val="3818280689"/>
+      </p:ext>
+    </p:extLst>
+  </p:cSld>
+  <p:clrMapOvr>
+    <a:masterClrMapping/>
+  </p:clrMapOvr>
+</p:sldLayout>
+</file>
+
+<file path=ppt/slideLayouts/slideLayout4.xml><?xml version="1.0" encoding="utf-8"?>
+<p:sldLayout xmlns:a="http://schemas.openxmlformats.org/drawingml/2006/main" xmlns:r="http://schemas.openxmlformats.org/officeDocument/2006/relationships" xmlns:p="http://schemas.openxmlformats.org/presentationml/2006/main" type="twoObj" preserve="1">
+  <p:cSld name="Two Content">
+    <p:spTree>
+      <p:nvGrpSpPr>
+        <p:cNvPr id="1" name=""/>
+        <p:cNvGrpSpPr/>
+        <p:nvPr/>
+      </p:nvGrpSpPr>
+      <p:grpSpPr>
+        <a:xfrm>
+          <a:off x="0" y="0"/>
+          <a:ext cx="0" cy="0"/>
+          <a:chOff x="0" y="0"/>
+          <a:chExt cx="0" cy="0"/>
+        </a:xfrm>
+      </p:grpSpPr>
+      <p:sp>
+        <p:nvSpPr>
+          <p:cNvPr id="2" name="Title 1"/>
+          <p:cNvSpPr>
+            <a:spLocks noGrp="1"/>
+          </p:cNvSpPr>
+          <p:nvPr>
+            <p:ph type="title"/>
+          </p:nvPr>
+        </p:nvSpPr>
+        <p:spPr/>
+        <p:txBody>
+          <a:bodyPr/>
+          <a:lstStyle/>
+          <a:p>
+            <a:r>
+              <a:rPr lang="en-US"/>
+              <a:t>Click to edit Master title style</a:t>
+            </a:r>
+            <a:endParaRPr lang="en-US" dirty="0"/>
+          </a:p>
+        </p:txBody>
+      </p:sp>
+      <p:sp>
+        <p:nvSpPr>
+          <p:cNvPr id="3" name="Content Placeholder 2"/>
+          <p:cNvSpPr>
+            <a:spLocks noGrp="1"/>
+          </p:cNvSpPr>
+          <p:nvPr>
+            <p:ph sz="half" idx="1"/>
+          </p:nvPr>
+        </p:nvSpPr>
+        <p:spPr>
+          <a:xfrm>
+            <a:off x="838200" y="1825625"/>
+            <a:ext cx="5181600" cy="4351338"/>
+          </a:xfrm>
+        </p:spPr>
+        <p:txBody>
+          <a:bodyPr/>
+          <a:lstStyle/>
+          <a:p>
+            <a:pPr lvl="0"/>
+            <a:r>
+              <a:rPr lang="en-US"/>
+              <a:t>Click to edit Master text styles</a:t>
+            </a:r>
+          </a:p>
+          <a:p>
+            <a:pPr lvl="1"/>
+            <a:r>
+              <a:rPr lang="en-US"/>
+              <a:t>Second level</a:t>
+            </a:r>
+          </a:p>
+          <a:p>
+            <a:pPr lvl="2"/>
+            <a:r>
+              <a:rPr lang="en-US"/>
+              <a:t>Third level</a:t>
+            </a:r>
+          </a:p>
+          <a:p>
+            <a:pPr lvl="3"/>
+            <a:r>
+              <a:rPr lang="en-US"/>
+              <a:t>Fourth level</a:t>
+            </a:r>
+          </a:p>
+          <a:p>
+            <a:pPr lvl="4"/>
+            <a:r>
+              <a:rPr lang="en-US"/>
+              <a:t>Fifth level</a:t>
+            </a:r>
+            <a:endParaRPr lang="en-US" dirty="0"/>
+          </a:p>
+        </p:txBody>
+      </p:sp>
+      <p:sp>
+        <p:nvSpPr>
+          <p:cNvPr id="4" name="Content Placeholder 3"/>
+          <p:cNvSpPr>
+            <a:spLocks noGrp="1"/>
+          </p:cNvSpPr>
+          <p:nvPr>
+            <p:ph sz="half" idx="2"/>
+          </p:nvPr>
+        </p:nvSpPr>
+        <p:spPr>
+          <a:xfrm>
+            <a:off x="6172200" y="1825625"/>
+            <a:ext cx="5181600" cy="4351338"/>
+          </a:xfrm>
+        </p:spPr>
+        <p:txBody>
+          <a:bodyPr/>
+          <a:lstStyle/>
+          <a:p>
+            <a:pPr lvl="0"/>
+            <a:r>
+              <a:rPr lang="en-US"/>
+              <a:t>Click to edit Master text styles</a:t>
+            </a:r>
+          </a:p>
+          <a:p>
+            <a:pPr lvl="1"/>
+            <a:r>
+              <a:rPr lang="en-US"/>
+              <a:t>Second level</a:t>
+            </a:r>
+          </a:p>
+          <a:p>
+            <a:pPr lvl="2"/>
+            <a:r>
+              <a:rPr lang="en-US"/>
+              <a:t>Third level</a:t>
+            </a:r>
+          </a:p>
+          <a:p>
+            <a:pPr lvl="3"/>
+            <a:r>
+              <a:rPr lang="en-US"/>
+              <a:t>Fourth level</a:t>
+            </a:r>
+          </a:p>
+          <a:p>
+            <a:pPr lvl="4"/>
+            <a:r>
+              <a:rPr lang="en-US"/>
+              <a:t>Fifth level</a:t>
+            </a:r>
+            <a:endParaRPr lang="en-US" dirty="0"/>
+          </a:p>
+        </p:txBody>
+      </p:sp>
+      <p:sp>
+        <p:nvSpPr>
+          <p:cNvPr id="5" name="Date Placeholder 4"/>
+          <p:cNvSpPr>
+            <a:spLocks noGrp="1"/>
+          </p:cNvSpPr>
+          <p:nvPr>
+            <p:ph type="dt" sz="half" idx="10"/>
+          </p:nvPr>
+        </p:nvSpPr>
+        <p:spPr/>
+        <p:txBody>
+          <a:bodyPr/>
+          <a:lstStyle/>
+          <a:p>
+            <a:fld id="{8BEEBAAA-29B5-4AF5-BC5F-7E580C29002D}" type="datetimeFigureOut">
+              <a:rPr lang="en-US" smtClean="0"/>
+              <a:pPr/>
+              <a:t>2/17/20</a:t>
+            </a:fld>
+            <a:endParaRPr lang="en-US" dirty="0"/>
+          </a:p>
+        </p:txBody>
+      </p:sp>
+      <p:sp>
+        <p:nvSpPr>
+          <p:cNvPr id="6" name="Footer Placeholder 5"/>
+          <p:cNvSpPr>
+            <a:spLocks noGrp="1"/>
+          </p:cNvSpPr>
+          <p:nvPr>
+            <p:ph type="ftr" sz="quarter" idx="11"/>
+          </p:nvPr>
+        </p:nvSpPr>
+        <p:spPr/>
+        <p:txBody>
+          <a:bodyPr/>
+          <a:lstStyle/>
+          <a:p>
+            <a:endParaRPr lang="en-US" dirty="0"/>
+          </a:p>
+        </p:txBody>
+      </p:sp>
+      <p:sp>
+        <p:nvSpPr>
+          <p:cNvPr id="7" name="Slide Number Placeholder 6"/>
+          <p:cNvSpPr>
+            <a:spLocks noGrp="1"/>
+          </p:cNvSpPr>
+          <p:nvPr>
+            <p:ph type="sldNum" sz="quarter" idx="12"/>
+          </p:nvPr>
+        </p:nvSpPr>
+        <p:spPr/>
+        <p:txBody>
+          <a:bodyPr/>
+          <a:lstStyle/>
+          <a:p>
+            <a:fld id="{9860EDB8-5305-433F-BE41-D7A86D811DB3}" type="slidenum">
+              <a:rPr lang="en-US" smtClean="0"/>
+              <a:pPr/>
+              <a:t>‹#›</a:t>
+            </a:fld>
+            <a:endParaRPr lang="en-US" dirty="0"/>
+          </a:p>
+        </p:txBody>
+      </p:sp>
+    </p:spTree>
+    <p:extLst>
+      <p:ext uri="{BB962C8B-B14F-4D97-AF65-F5344CB8AC3E}">
+        <p14:creationId xmlns:p14="http://schemas.microsoft.com/office/powerpoint/2010/main" val="3364773370"/>
+      </p:ext>
+    </p:extLst>
+  </p:cSld>
+  <p:clrMapOvr>
+    <a:masterClrMapping/>
+  </p:clrMapOvr>
+</p:sldLayout>
+</file>
+
+<file path=ppt/slideLayouts/slideLayout5.xml><?xml version="1.0" encoding="utf-8"?>
+<p:sldLayout xmlns:a="http://schemas.openxmlformats.org/drawingml/2006/main" xmlns:r="http://schemas.openxmlformats.org/officeDocument/2006/relationships" xmlns:p="http://schemas.openxmlformats.org/presentationml/2006/main" type="twoTxTwoObj" preserve="1">
+  <p:cSld name="Comparison">
+    <p:spTree>
+      <p:nvGrpSpPr>
+        <p:cNvPr id="1" name=""/>
+        <p:cNvGrpSpPr/>
+        <p:nvPr/>
+      </p:nvGrpSpPr>
+      <p:grpSpPr>
+        <a:xfrm>
+          <a:off x="0" y="0"/>
+          <a:ext cx="0" cy="0"/>
+          <a:chOff x="0" y="0"/>
+          <a:chExt cx="0" cy="0"/>
+        </a:xfrm>
+      </p:grpSpPr>
+      <p:sp>
+        <p:nvSpPr>
+          <p:cNvPr id="2" name="Title 1"/>
+          <p:cNvSpPr>
+            <a:spLocks noGrp="1"/>
+          </p:cNvSpPr>
+          <p:nvPr>
+            <p:ph type="title"/>
+          </p:nvPr>
+        </p:nvSpPr>
+        <p:spPr>
+          <a:xfrm>
+            <a:off x="839788" y="365125"/>
+            <a:ext cx="10515600" cy="1325563"/>
+          </a:xfrm>
+        </p:spPr>
+        <p:txBody>
+          <a:bodyPr/>
+          <a:lstStyle/>
+          <a:p>
+            <a:r>
+              <a:rPr lang="en-US"/>
+              <a:t>Click to edit Master title style</a:t>
+            </a:r>
+            <a:endParaRPr lang="en-US" dirty="0"/>
+          </a:p>
+        </p:txBody>
+      </p:sp>
+      <p:sp>
+        <p:nvSpPr>
+          <p:cNvPr id="3" name="Text Placeholder 2"/>
+          <p:cNvSpPr>
+            <a:spLocks noGrp="1"/>
+          </p:cNvSpPr>
+          <p:nvPr>
+            <p:ph type="body" idx="1"/>
+          </p:nvPr>
+        </p:nvSpPr>
+        <p:spPr>
+          <a:xfrm>
+            <a:off x="839788" y="1681163"/>
+            <a:ext cx="5157787" cy="823912"/>
+          </a:xfrm>
+        </p:spPr>
+        <p:txBody>
+          <a:bodyPr anchor="b"/>
+          <a:lstStyle>
+            <a:lvl1pPr marL="0" indent="0">
+              <a:buNone/>
+              <a:defRPr sz="2400" b="1"/>
+            </a:lvl1pPr>
+            <a:lvl2pPr marL="457200" indent="0">
+              <a:buNone/>
+              <a:defRPr sz="2000" b="1"/>
+            </a:lvl2pPr>
+            <a:lvl3pPr marL="914400" indent="0">
+              <a:buNone/>
+              <a:defRPr sz="1800" b="1"/>
+            </a:lvl3pPr>
+            <a:lvl4pPr marL="1371600" indent="0">
+              <a:buNone/>
+              <a:defRPr sz="1600" b="1"/>
+            </a:lvl4pPr>
+            <a:lvl5pPr marL="1828800" indent="0">
+              <a:buNone/>
+              <a:defRPr sz="1600" b="1"/>
+            </a:lvl5pPr>
+            <a:lvl6pPr marL="2286000" indent="0">
+              <a:buNone/>
+              <a:defRPr sz="1600" b="1"/>
+            </a:lvl6pPr>
+            <a:lvl7pPr marL="2743200" indent="0">
+              <a:buNone/>
+              <a:defRPr sz="1600" b="1"/>
+            </a:lvl7pPr>
+            <a:lvl8pPr marL="3200400" indent="0">
+              <a:buNone/>
+              <a:defRPr sz="1600" b="1"/>
+            </a:lvl8pPr>
+            <a:lvl9pPr marL="3657600" indent="0">
+              <a:buNone/>
+              <a:defRPr sz="1600" b="1"/>
+            </a:lvl9pPr>
+          </a:lstStyle>
+          <a:p>
+            <a:pPr lvl="0"/>
+            <a:r>
+              <a:rPr lang="en-US"/>
+              <a:t>Click to edit Master text styles</a:t>
+            </a:r>
+          </a:p>
+        </p:txBody>
+      </p:sp>
+      <p:sp>
+        <p:nvSpPr>
+          <p:cNvPr id="4" name="Content Placeholder 3"/>
+          <p:cNvSpPr>
+            <a:spLocks noGrp="1"/>
+          </p:cNvSpPr>
+          <p:nvPr>
+            <p:ph sz="half" idx="2"/>
+          </p:nvPr>
+        </p:nvSpPr>
+        <p:spPr>
+          <a:xfrm>
+            <a:off x="839788" y="2505075"/>
+            <a:ext cx="5157787" cy="3684588"/>
+          </a:xfrm>
+        </p:spPr>
+        <p:txBody>
+          <a:bodyPr/>
+          <a:lstStyle/>
+          <a:p>
+            <a:pPr lvl="0"/>
+            <a:r>
+              <a:rPr lang="en-US"/>
+              <a:t>Click to edit Master text styles</a:t>
+            </a:r>
+          </a:p>
+          <a:p>
+            <a:pPr lvl="1"/>
+            <a:r>
+              <a:rPr lang="en-US"/>
+              <a:t>Second level</a:t>
+            </a:r>
+          </a:p>
+          <a:p>
+            <a:pPr lvl="2"/>
+            <a:r>
+              <a:rPr lang="en-US"/>
+              <a:t>Third level</a:t>
+            </a:r>
+          </a:p>
+          <a:p>
+            <a:pPr lvl="3"/>
+            <a:r>
+              <a:rPr lang="en-US"/>
+              <a:t>Fourth level</a:t>
+            </a:r>
+          </a:p>
+          <a:p>
+            <a:pPr lvl="4"/>
+            <a:r>
+              <a:rPr lang="en-US"/>
+              <a:t>Fifth level</a:t>
+            </a:r>
+            <a:endParaRPr lang="en-US" dirty="0"/>
+          </a:p>
+        </p:txBody>
+      </p:sp>
+      <p:sp>
+        <p:nvSpPr>
+          <p:cNvPr id="5" name="Text Placeholder 4"/>
+          <p:cNvSpPr>
+            <a:spLocks noGrp="1"/>
+          </p:cNvSpPr>
+          <p:nvPr>
+            <p:ph type="body" sz="quarter" idx="3"/>
+          </p:nvPr>
+        </p:nvSpPr>
+        <p:spPr>
+          <a:xfrm>
+            <a:off x="6172200" y="1681163"/>
+            <a:ext cx="5183188" cy="823912"/>
+          </a:xfrm>
+        </p:spPr>
+        <p:txBody>
+          <a:bodyPr anchor="b"/>
+          <a:lstStyle>
+            <a:lvl1pPr marL="0" indent="0">
+              <a:buNone/>
+              <a:defRPr sz="2400" b="1"/>
+            </a:lvl1pPr>
+            <a:lvl2pPr marL="457200" indent="0">
+              <a:buNone/>
+              <a:defRPr sz="2000" b="1"/>
+            </a:lvl2pPr>
+            <a:lvl3pPr marL="914400" indent="0">
+              <a:buNone/>
+              <a:defRPr sz="1800" b="1"/>
+            </a:lvl3pPr>
+            <a:lvl4pPr marL="1371600" indent="0">
+              <a:buNone/>
+              <a:defRPr sz="1600" b="1"/>
+            </a:lvl4pPr>
+            <a:lvl5pPr marL="1828800" indent="0">
+              <a:buNone/>
+              <a:defRPr sz="1600" b="1"/>
+            </a:lvl5pPr>
+            <a:lvl6pPr marL="2286000" indent="0">
+              <a:buNone/>
+              <a:defRPr sz="1600" b="1"/>
+            </a:lvl6pPr>
+            <a:lvl7pPr marL="2743200" indent="0">
+              <a:buNone/>
+              <a:defRPr sz="1600" b="1"/>
+            </a:lvl7pPr>
+            <a:lvl8pPr marL="3200400" indent="0">
+              <a:buNone/>
+              <a:defRPr sz="1600" b="1"/>
+            </a:lvl8pPr>
+            <a:lvl9pPr marL="3657600" indent="0">
+              <a:buNone/>
+              <a:defRPr sz="1600" b="1"/>
+            </a:lvl9pPr>
+          </a:lstStyle>
+          <a:p>
+            <a:pPr lvl="0"/>
+            <a:r>
+              <a:rPr lang="en-US"/>
+              <a:t>Click to edit Master text styles</a:t>
+            </a:r>
+          </a:p>
+        </p:txBody>
+      </p:sp>
+      <p:sp>
+        <p:nvSpPr>
+          <p:cNvPr id="6" name="Content Placeholder 5"/>
+          <p:cNvSpPr>
+            <a:spLocks noGrp="1"/>
+          </p:cNvSpPr>
+          <p:nvPr>
+            <p:ph sz="quarter" idx="4"/>
+          </p:nvPr>
+        </p:nvSpPr>
+        <p:spPr>
+          <a:xfrm>
+            <a:off x="6172200" y="2505075"/>
+            <a:ext cx="5183188" cy="3684588"/>
+          </a:xfrm>
+        </p:spPr>
+        <p:txBody>
+          <a:bodyPr/>
+          <a:lstStyle/>
+          <a:p>
+            <a:pPr lvl="0"/>
+            <a:r>
+              <a:rPr lang="en-US"/>
+              <a:t>Click to edit Master text styles</a:t>
+            </a:r>
+          </a:p>
+          <a:p>
+            <a:pPr lvl="1"/>
+            <a:r>
+              <a:rPr lang="en-US"/>
+              <a:t>Second level</a:t>
+            </a:r>
+          </a:p>
+          <a:p>
+            <a:pPr lvl="2"/>
+            <a:r>
+              <a:rPr lang="en-US"/>
+              <a:t>Third level</a:t>
+            </a:r>
+          </a:p>
+          <a:p>
+            <a:pPr lvl="3"/>
+            <a:r>
+              <a:rPr lang="en-US"/>
+              <a:t>Fourth level</a:t>
+            </a:r>
+          </a:p>
+          <a:p>
+            <a:pPr lvl="4"/>
+            <a:r>
+              <a:rPr lang="en-US"/>
+              <a:t>Fifth level</a:t>
+            </a:r>
+            <a:endParaRPr lang="en-US" dirty="0"/>
+          </a:p>
+        </p:txBody>
+      </p:sp>
+      <p:sp>
+        <p:nvSpPr>
+          <p:cNvPr id="7" name="Date Placeholder 6"/>
+          <p:cNvSpPr>
+            <a:spLocks noGrp="1"/>
+          </p:cNvSpPr>
+          <p:nvPr>
+            <p:ph type="dt" sz="half" idx="10"/>
+          </p:nvPr>
+        </p:nvSpPr>
+        <p:spPr/>
+        <p:txBody>
+          <a:bodyPr/>
+          <a:lstStyle/>
+          <a:p>
+            <a:fld id="{8BEEBAAA-29B5-4AF5-BC5F-7E580C29002D}" type="datetimeFigureOut">
+              <a:rPr lang="en-US" smtClean="0"/>
+              <a:pPr/>
+              <a:t>2/17/20</a:t>
+            </a:fld>
+            <a:endParaRPr lang="en-US" dirty="0"/>
+          </a:p>
+        </p:txBody>
+      </p:sp>
+      <p:sp>
+        <p:nvSpPr>
+          <p:cNvPr id="8" name="Footer Placeholder 7"/>
+          <p:cNvSpPr>
+            <a:spLocks noGrp="1"/>
+          </p:cNvSpPr>
+          <p:nvPr>
+            <p:ph type="ftr" sz="quarter" idx="11"/>
+          </p:nvPr>
+        </p:nvSpPr>
+        <p:spPr/>
+        <p:txBody>
+          <a:bodyPr/>
+          <a:lstStyle/>
+          <a:p>
+            <a:endParaRPr lang="en-US" dirty="0"/>
+          </a:p>
+        </p:txBody>
+      </p:sp>
+      <p:sp>
+        <p:nvSpPr>
+          <p:cNvPr id="9" name="Slide Number Placeholder 8"/>
+          <p:cNvSpPr>
+            <a:spLocks noGrp="1"/>
+          </p:cNvSpPr>
+          <p:nvPr>
+            <p:ph type="sldNum" sz="quarter" idx="12"/>
+          </p:nvPr>
+        </p:nvSpPr>
+        <p:spPr/>
+        <p:txBody>
+          <a:bodyPr/>
+          <a:lstStyle/>
+          <a:p>
+            <a:fld id="{9860EDB8-5305-433F-BE41-D7A86D811DB3}" type="slidenum">
+              <a:rPr lang="en-US" smtClean="0"/>
+              <a:pPr/>
+              <a:t>‹#›</a:t>
+            </a:fld>
+            <a:endParaRPr lang="en-US" dirty="0"/>
+          </a:p>
+        </p:txBody>
+      </p:sp>
+    </p:spTree>
+    <p:extLst>
+      <p:ext uri="{BB962C8B-B14F-4D97-AF65-F5344CB8AC3E}">
+        <p14:creationId xmlns:p14="http://schemas.microsoft.com/office/powerpoint/2010/main" val="848518727"/>
+      </p:ext>
+    </p:extLst>
+  </p:cSld>
+  <p:clrMapOvr>
+    <a:masterClrMapping/>
+  </p:clrMapOvr>
+</p:sldLayout>
+</file>
+
+<file path=ppt/slideLayouts/slideLayout6.xml><?xml version="1.0" encoding="utf-8"?>
+<p:sldLayout xmlns:a="http://schemas.openxmlformats.org/drawingml/2006/main" xmlns:r="http://schemas.openxmlformats.org/officeDocument/2006/relationships" xmlns:p="http://schemas.openxmlformats.org/presentationml/2006/main" type="titleOnly" preserve="1">
+  <p:cSld name="Title Only">
+    <p:spTree>
+      <p:nvGrpSpPr>
+        <p:cNvPr id="1" name=""/>
+        <p:cNvGrpSpPr/>
+        <p:nvPr/>
+      </p:nvGrpSpPr>
+      <p:grpSpPr>
+        <a:xfrm>
+          <a:off x="0" y="0"/>
+          <a:ext cx="0" cy="0"/>
+          <a:chOff x="0" y="0"/>
+          <a:chExt cx="0" cy="0"/>
+        </a:xfrm>
+      </p:grpSpPr>
+      <p:sp>
+        <p:nvSpPr>
+          <p:cNvPr id="2" name="Title 1"/>
+          <p:cNvSpPr>
+            <a:spLocks noGrp="1"/>
+          </p:cNvSpPr>
+          <p:nvPr>
+            <p:ph type="title"/>
+          </p:nvPr>
+        </p:nvSpPr>
+        <p:spPr/>
+        <p:txBody>
+          <a:bodyPr/>
+          <a:lstStyle/>
+          <a:p>
+            <a:r>
+              <a:rPr lang="en-US"/>
+              <a:t>Click to edit Master title style</a:t>
+            </a:r>
+            <a:endParaRPr lang="en-US" dirty="0"/>
+          </a:p>
+        </p:txBody>
+      </p:sp>
+      <p:sp>
+        <p:nvSpPr>
+          <p:cNvPr id="3" name="Date Placeholder 2"/>
+          <p:cNvSpPr>
+            <a:spLocks noGrp="1"/>
+          </p:cNvSpPr>
+          <p:nvPr>
+            <p:ph type="dt" sz="half" idx="10"/>
+          </p:nvPr>
+        </p:nvSpPr>
+        <p:spPr/>
+        <p:txBody>
+          <a:bodyPr/>
+          <a:lstStyle/>
+          <a:p>
+            <a:fld id="{8BEEBAAA-29B5-4AF5-BC5F-7E580C29002D}" type="datetimeFigureOut">
+              <a:rPr lang="en-US" smtClean="0"/>
+              <a:pPr/>
+              <a:t>2/17/20</a:t>
+            </a:fld>
+            <a:endParaRPr lang="en-US" dirty="0"/>
+          </a:p>
+        </p:txBody>
+      </p:sp>
+      <p:sp>
+        <p:nvSpPr>
+          <p:cNvPr id="4" name="Footer Placeholder 3"/>
+          <p:cNvSpPr>
+            <a:spLocks noGrp="1"/>
+          </p:cNvSpPr>
+          <p:nvPr>
+            <p:ph type="ftr" sz="quarter" idx="11"/>
+          </p:nvPr>
+        </p:nvSpPr>
+        <p:spPr/>
+        <p:txBody>
+          <a:bodyPr/>
+          <a:lstStyle/>
+          <a:p>
+            <a:endParaRPr lang="en-US" dirty="0"/>
+          </a:p>
+        </p:txBody>
+      </p:sp>
+      <p:sp>
+        <p:nvSpPr>
+          <p:cNvPr id="5" name="Slide Number Placeholder 4"/>
+          <p:cNvSpPr>
+            <a:spLocks noGrp="1"/>
+          </p:cNvSpPr>
+          <p:nvPr>
+            <p:ph type="sldNum" sz="quarter" idx="12"/>
+          </p:nvPr>
+        </p:nvSpPr>
+        <p:spPr/>
+        <p:txBody>
+          <a:bodyPr/>
+          <a:lstStyle/>
+          <a:p>
+            <a:fld id="{9860EDB8-5305-433F-BE41-D7A86D811DB3}" type="slidenum">
+              <a:rPr lang="en-US" smtClean="0"/>
+              <a:pPr/>
+              <a:t>‹#›</a:t>
+            </a:fld>
+            <a:endParaRPr lang="en-US" dirty="0"/>
+          </a:p>
+        </p:txBody>
+      </p:sp>
+    </p:spTree>
+    <p:extLst>
+      <p:ext uri="{BB962C8B-B14F-4D97-AF65-F5344CB8AC3E}">
+        <p14:creationId xmlns:p14="http://schemas.microsoft.com/office/powerpoint/2010/main" val="2599438533"/>
+      </p:ext>
+    </p:extLst>
+  </p:cSld>
+  <p:clrMapOvr>
+    <a:masterClrMapping/>
+  </p:clrMapOvr>
+</p:sldLayout>
+</file>
+
+<file path=ppt/slideLayouts/slideLayout7.xml><?xml version="1.0" encoding="utf-8"?>
+<p:sldLayout xmlns:a="http://schemas.openxmlformats.org/drawingml/2006/main" xmlns:r="http://schemas.openxmlformats.org/officeDocument/2006/relationships" xmlns:p="http://schemas.openxmlformats.org/presentationml/2006/main" type="blank" preserve="1">
+  <p:cSld name="Blank">
+    <p:spTree>
+      <p:nvGrpSpPr>
+        <p:cNvPr id="1" name=""/>
+        <p:cNvGrpSpPr/>
+        <p:nvPr/>
+      </p:nvGrpSpPr>
+      <p:grpSpPr>
+        <a:xfrm>
+          <a:off x="0" y="0"/>
+          <a:ext cx="0" cy="0"/>
+          <a:chOff x="0" y="0"/>
+          <a:chExt cx="0" cy="0"/>
+        </a:xfrm>
+      </p:grpSpPr>
+      <p:sp>
+        <p:nvSpPr>
+          <p:cNvPr id="2" name="Date Placeholder 1"/>
+          <p:cNvSpPr>
+            <a:spLocks noGrp="1"/>
+          </p:cNvSpPr>
+          <p:nvPr>
+            <p:ph type="dt" sz="half" idx="10"/>
+          </p:nvPr>
+        </p:nvSpPr>
+        <p:spPr/>
+        <p:txBody>
+          <a:bodyPr/>
+          <a:lstStyle/>
+          <a:p>
+            <a:fld id="{8BEEBAAA-29B5-4AF5-BC5F-7E580C29002D}" type="datetimeFigureOut">
+              <a:rPr lang="en-US" smtClean="0"/>
+              <a:pPr/>
+              <a:t>2/17/20</a:t>
+            </a:fld>
+            <a:endParaRPr lang="en-US" dirty="0"/>
+          </a:p>
+        </p:txBody>
+      </p:sp>
+      <p:sp>
+        <p:nvSpPr>
+          <p:cNvPr id="3" name="Footer Placeholder 2"/>
+          <p:cNvSpPr>
+            <a:spLocks noGrp="1"/>
+          </p:cNvSpPr>
+          <p:nvPr>
+            <p:ph type="ftr" sz="quarter" idx="11"/>
+          </p:nvPr>
+        </p:nvSpPr>
+        <p:spPr/>
+        <p:txBody>
+          <a:bodyPr/>
+          <a:lstStyle/>
+          <a:p>
+            <a:endParaRPr lang="en-US" dirty="0"/>
+          </a:p>
+        </p:txBody>
+      </p:sp>
+      <p:sp>
+        <p:nvSpPr>
+          <p:cNvPr id="4" name="Slide Number Placeholder 3"/>
+          <p:cNvSpPr>
+            <a:spLocks noGrp="1"/>
+          </p:cNvSpPr>
+          <p:nvPr>
+            <p:ph type="sldNum" sz="quarter" idx="12"/>
+          </p:nvPr>
+        </p:nvSpPr>
+        <p:spPr/>
+        <p:txBody>
+          <a:bodyPr/>
+          <a:lstStyle/>
+          <a:p>
+            <a:fld id="{9860EDB8-5305-433F-BE41-D7A86D811DB3}" type="slidenum">
+              <a:rPr lang="en-US" smtClean="0"/>
+              <a:pPr/>
+              <a:t>‹#›</a:t>
+            </a:fld>
+            <a:endParaRPr lang="en-US" dirty="0"/>
+          </a:p>
+        </p:txBody>
+      </p:sp>
+    </p:spTree>
+    <p:extLst>
+      <p:ext uri="{BB962C8B-B14F-4D97-AF65-F5344CB8AC3E}">
+        <p14:creationId xmlns:p14="http://schemas.microsoft.com/office/powerpoint/2010/main" val="781980594"/>
+      </p:ext>
+    </p:extLst>
+  </p:cSld>
+  <p:clrMapOvr>
+    <a:masterClrMapping/>
+  </p:clrMapOvr>
+</p:sldLayout>
+</file>
+
+<file path=ppt/slideLayouts/slideLayout8.xml><?xml version="1.0" encoding="utf-8"?>
+<p:sldLayout xmlns:a="http://schemas.openxmlformats.org/drawingml/2006/main" xmlns:r="http://schemas.openxmlformats.org/officeDocument/2006/relationships" xmlns:p="http://schemas.openxmlformats.org/presentationml/2006/main" type="objTx" preserve="1">
+  <p:cSld name="Content with Caption">
+    <p:spTree>
+      <p:nvGrpSpPr>
+        <p:cNvPr id="1" name=""/>
+        <p:cNvGrpSpPr/>
+        <p:nvPr/>
+      </p:nvGrpSpPr>
+      <p:grpSpPr>
+        <a:xfrm>
+          <a:off x="0" y="0"/>
+          <a:ext cx="0" cy="0"/>
+          <a:chOff x="0" y="0"/>
+          <a:chExt cx="0" cy="0"/>
+        </a:xfrm>
+      </p:grpSpPr>
+      <p:sp>
+        <p:nvSpPr>
+          <p:cNvPr id="2" name="Title 1"/>
+          <p:cNvSpPr>
+            <a:spLocks noGrp="1"/>
+          </p:cNvSpPr>
+          <p:nvPr>
+            <p:ph type="title"/>
+          </p:nvPr>
+        </p:nvSpPr>
+        <p:spPr>
+          <a:xfrm>
+            <a:off x="839788" y="457200"/>
+            <a:ext cx="3932237" cy="1600200"/>
+          </a:xfrm>
+        </p:spPr>
+        <p:txBody>
+          <a:bodyPr anchor="b"/>
+          <a:lstStyle>
+            <a:lvl1pPr>
+              <a:defRPr sz="3200"/>
+            </a:lvl1pPr>
+          </a:lstStyle>
+          <a:p>
+            <a:r>
+              <a:rPr lang="en-US"/>
+              <a:t>Click to edit Master title style</a:t>
+            </a:r>
+            <a:endParaRPr lang="en-US" dirty="0"/>
+          </a:p>
+        </p:txBody>
+      </p:sp>
+      <p:sp>
+        <p:nvSpPr>
+          <p:cNvPr id="3" name="Content Placeholder 2"/>
+          <p:cNvSpPr>
+            <a:spLocks noGrp="1"/>
+          </p:cNvSpPr>
+          <p:nvPr>
+            <p:ph idx="1"/>
+          </p:nvPr>
+        </p:nvSpPr>
+        <p:spPr>
+          <a:xfrm>
+            <a:off x="5183188" y="987425"/>
+            <a:ext cx="6172200" cy="4873625"/>
+          </a:xfrm>
+        </p:spPr>
+        <p:txBody>
+          <a:bodyPr/>
+          <a:lstStyle>
+            <a:lvl1pPr>
+              <a:defRPr sz="3200"/>
+            </a:lvl1pPr>
+            <a:lvl2pPr>
+              <a:defRPr sz="2800"/>
+            </a:lvl2pPr>
+            <a:lvl3pPr>
+              <a:defRPr sz="2400"/>
+            </a:lvl3pPr>
+            <a:lvl4pPr>
+              <a:defRPr sz="2000"/>
+            </a:lvl4pPr>
+            <a:lvl5pPr>
+              <a:defRPr sz="2000"/>
+            </a:lvl5pPr>
+            <a:lvl6pPr>
+              <a:defRPr sz="2000"/>
+            </a:lvl6pPr>
+            <a:lvl7pPr>
+              <a:defRPr sz="2000"/>
+            </a:lvl7pPr>
+            <a:lvl8pPr>
+              <a:defRPr sz="2000"/>
+            </a:lvl8pPr>
+            <a:lvl9pPr>
+              <a:defRPr sz="2000"/>
+            </a:lvl9pPr>
+          </a:lstStyle>
+          <a:p>
+            <a:pPr lvl="0"/>
+            <a:r>
+              <a:rPr lang="en-US"/>
+              <a:t>Click to edit Master text styles</a:t>
+            </a:r>
+          </a:p>
+          <a:p>
+            <a:pPr lvl="1"/>
+            <a:r>
+              <a:rPr lang="en-US"/>
+              <a:t>Second level</a:t>
+            </a:r>
+          </a:p>
+          <a:p>
+            <a:pPr lvl="2"/>
+            <a:r>
+              <a:rPr lang="en-US"/>
+              <a:t>Third level</a:t>
+            </a:r>
+          </a:p>
+          <a:p>
+            <a:pPr lvl="3"/>
+            <a:r>
+              <a:rPr lang="en-US"/>
+              <a:t>Fourth level</a:t>
+            </a:r>
+          </a:p>
+          <a:p>
+            <a:pPr lvl="4"/>
+            <a:r>
+              <a:rPr lang="en-US"/>
+              <a:t>Fifth level</a:t>
+            </a:r>
+            <a:endParaRPr lang="en-US" dirty="0"/>
+          </a:p>
+        </p:txBody>
+      </p:sp>
+      <p:sp>
+        <p:nvSpPr>
+          <p:cNvPr id="4" name="Text Placeholder 3"/>
+          <p:cNvSpPr>
+            <a:spLocks noGrp="1"/>
+          </p:cNvSpPr>
+          <p:nvPr>
+            <p:ph type="body" sz="half" idx="2"/>
+          </p:nvPr>
+        </p:nvSpPr>
+        <p:spPr>
+          <a:xfrm>
+            <a:off x="839788" y="2057400"/>
+            <a:ext cx="3932237" cy="3811588"/>
+          </a:xfrm>
+        </p:spPr>
+        <p:txBody>
+          <a:bodyPr/>
+          <a:lstStyle>
+            <a:lvl1pPr marL="0" indent="0">
+              <a:buNone/>
+              <a:defRPr sz="1600"/>
+            </a:lvl1pPr>
+            <a:lvl2pPr marL="457200" indent="0">
+              <a:buNone/>
+              <a:defRPr sz="1400"/>
+            </a:lvl2pPr>
+            <a:lvl3pPr marL="914400" indent="0">
+              <a:buNone/>
+              <a:defRPr sz="1200"/>
+            </a:lvl3pPr>
+            <a:lvl4pPr marL="1371600" indent="0">
+              <a:buNone/>
+              <a:defRPr sz="1000"/>
+            </a:lvl4pPr>
+            <a:lvl5pPr marL="1828800" indent="0">
+              <a:buNone/>
+              <a:defRPr sz="1000"/>
+            </a:lvl5pPr>
+            <a:lvl6pPr marL="2286000" indent="0">
+              <a:buNone/>
+              <a:defRPr sz="1000"/>
+            </a:lvl6pPr>
+            <a:lvl7pPr marL="2743200" indent="0">
+              <a:buNone/>
+              <a:defRPr sz="1000"/>
+            </a:lvl7pPr>
+            <a:lvl8pPr marL="3200400" indent="0">
+              <a:buNone/>
+              <a:defRPr sz="1000"/>
+            </a:lvl8pPr>
+            <a:lvl9pPr marL="3657600" indent="0">
+              <a:buNone/>
+              <a:defRPr sz="1000"/>
+            </a:lvl9pPr>
+          </a:lstStyle>
+          <a:p>
+            <a:pPr lvl="0"/>
+            <a:r>
+              <a:rPr lang="en-US"/>
+              <a:t>Click to edit Master text styles</a:t>
+            </a:r>
+          </a:p>
+        </p:txBody>
+      </p:sp>
+      <p:sp>
+        <p:nvSpPr>
+          <p:cNvPr id="5" name="Date Placeholder 4"/>
+          <p:cNvSpPr>
+            <a:spLocks noGrp="1"/>
+          </p:cNvSpPr>
+          <p:nvPr>
+            <p:ph type="dt" sz="half" idx="10"/>
+          </p:nvPr>
+        </p:nvSpPr>
+        <p:spPr/>
+        <p:txBody>
+          <a:bodyPr/>
+          <a:lstStyle/>
+          <a:p>
+            <a:fld id="{8BEEBAAA-29B5-4AF5-BC5F-7E580C29002D}" type="datetimeFigureOut">
+              <a:rPr lang="en-US" smtClean="0"/>
+              <a:pPr/>
+              <a:t>2/17/20</a:t>
+            </a:fld>
+            <a:endParaRPr lang="en-US" dirty="0"/>
+          </a:p>
+        </p:txBody>
+      </p:sp>
+      <p:sp>
+        <p:nvSpPr>
+          <p:cNvPr id="6" name="Footer Placeholder 5"/>
+          <p:cNvSpPr>
+            <a:spLocks noGrp="1"/>
+          </p:cNvSpPr>
+          <p:nvPr>
+            <p:ph type="ftr" sz="quarter" idx="11"/>
+          </p:nvPr>
+        </p:nvSpPr>
+        <p:spPr/>
+        <p:txBody>
+          <a:bodyPr/>
+          <a:lstStyle/>
+          <a:p>
+            <a:endParaRPr lang="en-US" dirty="0"/>
+          </a:p>
+        </p:txBody>
+      </p:sp>
+      <p:sp>
+        <p:nvSpPr>
+          <p:cNvPr id="7" name="Slide Number Placeholder 6"/>
+          <p:cNvSpPr>
+            <a:spLocks noGrp="1"/>
+          </p:cNvSpPr>
+          <p:nvPr>
+            <p:ph type="sldNum" sz="quarter" idx="12"/>
+          </p:nvPr>
+        </p:nvSpPr>
+        <p:spPr/>
+        <p:txBody>
+          <a:bodyPr/>
+          <a:lstStyle/>
+          <a:p>
+            <a:fld id="{9860EDB8-5305-433F-BE41-D7A86D811DB3}" type="slidenum">
+              <a:rPr lang="en-US" smtClean="0"/>
+              <a:pPr/>
+              <a:t>‹#›</a:t>
+            </a:fld>
+            <a:endParaRPr lang="en-US" dirty="0"/>
+          </a:p>
+        </p:txBody>
+      </p:sp>
+    </p:spTree>
+    <p:extLst>
+      <p:ext uri="{BB962C8B-B14F-4D97-AF65-F5344CB8AC3E}">
+        <p14:creationId xmlns:p14="http://schemas.microsoft.com/office/powerpoint/2010/main" val="1570862010"/>
+      </p:ext>
+    </p:extLst>
+  </p:cSld>
+  <p:clrMapOvr>
+    <a:masterClrMapping/>
+  </p:clrMapOvr>
+</p:sldLayout>
+</file>
+
+<file path=ppt/slideLayouts/slideLayout9.xml><?xml version="1.0" encoding="utf-8"?>
+<p:sldLayout xmlns:a="http://schemas.openxmlformats.org/drawingml/2006/main" xmlns:r="http://schemas.openxmlformats.org/officeDocument/2006/relationships" xmlns:p="http://schemas.openxmlformats.org/presentationml/2006/main" type="picTx" preserve="1">
+  <p:cSld name="Picture with Caption">
+    <p:spTree>
+      <p:nvGrpSpPr>
+        <p:cNvPr id="1" name=""/>
+        <p:cNvGrpSpPr/>
+        <p:nvPr/>
+      </p:nvGrpSpPr>
+      <p:grpSpPr>
+        <a:xfrm>
+          <a:off x="0" y="0"/>
+          <a:ext cx="0" cy="0"/>
+          <a:chOff x="0" y="0"/>
+          <a:chExt cx="0" cy="0"/>
+        </a:xfrm>
+      </p:grpSpPr>
+      <p:sp>
+        <p:nvSpPr>
+          <p:cNvPr id="2" name="Title 1"/>
+          <p:cNvSpPr>
+            <a:spLocks noGrp="1"/>
+          </p:cNvSpPr>
+          <p:nvPr>
+            <p:ph type="title"/>
+          </p:nvPr>
+        </p:nvSpPr>
+        <p:spPr>
+          <a:xfrm>
+            <a:off x="839788" y="457200"/>
+            <a:ext cx="3932237" cy="1600200"/>
+          </a:xfrm>
+        </p:spPr>
+        <p:txBody>
+          <a:bodyPr anchor="b"/>
+          <a:lstStyle>
+            <a:lvl1pPr>
+              <a:defRPr sz="3200"/>
+            </a:lvl1pPr>
+          </a:lstStyle>
+          <a:p>
+            <a:r>
+              <a:rPr lang="en-US"/>
+              <a:t>Click to edit Master title style</a:t>
+            </a:r>
+            <a:endParaRPr lang="en-US" dirty="0"/>
+          </a:p>
+        </p:txBody>
+      </p:sp>
+      <p:sp>
+        <p:nvSpPr>
+          <p:cNvPr id="3" name="Picture Placeholder 2"/>
+          <p:cNvSpPr>
+            <a:spLocks noGrp="1" noChangeAspect="1"/>
+          </p:cNvSpPr>
+          <p:nvPr>
+            <p:ph type="pic" idx="1"/>
+          </p:nvPr>
+        </p:nvSpPr>
+        <p:spPr>
+          <a:xfrm>
+            <a:off x="5183188" y="987425"/>
+            <a:ext cx="6172200" cy="4873625"/>
+          </a:xfrm>
+        </p:spPr>
+        <p:txBody>
+          <a:bodyPr anchor="t"/>
+          <a:lstStyle>
+            <a:lvl1pPr marL="0" indent="0">
+              <a:buNone/>
+              <a:defRPr sz="3200"/>
+            </a:lvl1pPr>
+            <a:lvl2pPr marL="457200" indent="0">
+              <a:buNone/>
+              <a:defRPr sz="2800"/>
+            </a:lvl2pPr>
+            <a:lvl3pPr marL="914400" indent="0">
+              <a:buNone/>
+              <a:defRPr sz="2400"/>
+            </a:lvl3pPr>
+            <a:lvl4pPr marL="1371600" indent="0">
+              <a:buNone/>
+              <a:defRPr sz="2000"/>
+            </a:lvl4pPr>
+            <a:lvl5pPr marL="1828800" indent="0">
+              <a:buNone/>
+              <a:defRPr sz="2000"/>
+            </a:lvl5pPr>
+            <a:lvl6pPr marL="2286000" indent="0">
+              <a:buNone/>
+              <a:defRPr sz="2000"/>
+            </a:lvl6pPr>
+            <a:lvl7pPr marL="2743200" indent="0">
+              <a:buNone/>
+              <a:defRPr sz="2000"/>
+            </a:lvl7pPr>
+            <a:lvl8pPr marL="3200400" indent="0">
+              <a:buNone/>
+              <a:defRPr sz="2000"/>
+            </a:lvl8pPr>
+            <a:lvl9pPr marL="3657600" indent="0">
+              <a:buNone/>
+              <a:defRPr sz="2000"/>
+            </a:lvl9pPr>
+          </a:lstStyle>
+          <a:p>
+            <a:r>
+              <a:rPr lang="en-US"/>
+              <a:t>Click icon to add picture</a:t>
+            </a:r>
+            <a:endParaRPr lang="en-US" dirty="0"/>
+          </a:p>
+        </p:txBody>
+      </p:sp>
+      <p:sp>
+        <p:nvSpPr>
+          <p:cNvPr id="4" name="Text Placeholder 3"/>
+          <p:cNvSpPr>
+            <a:spLocks noGrp="1"/>
+          </p:cNvSpPr>
+          <p:nvPr>
+            <p:ph type="body" sz="half" idx="2"/>
+          </p:nvPr>
+        </p:nvSpPr>
+        <p:spPr>
+          <a:xfrm>
+            <a:off x="839788" y="2057400"/>
+            <a:ext cx="3932237" cy="3811588"/>
+          </a:xfrm>
+        </p:spPr>
+        <p:txBody>
+          <a:bodyPr/>
+          <a:lstStyle>
+            <a:lvl1pPr marL="0" indent="0">
+              <a:buNone/>
+              <a:defRPr sz="1600"/>
+            </a:lvl1pPr>
+            <a:lvl2pPr marL="457200" indent="0">
+              <a:buNone/>
+              <a:defRPr sz="1400"/>
+            </a:lvl2pPr>
+            <a:lvl3pPr marL="914400" indent="0">
+              <a:buNone/>
+              <a:defRPr sz="1200"/>
+            </a:lvl3pPr>
+            <a:lvl4pPr marL="1371600" indent="0">
+              <a:buNone/>
+              <a:defRPr sz="1000"/>
+            </a:lvl4pPr>
+            <a:lvl5pPr marL="1828800" indent="0">
+              <a:buNone/>
+              <a:defRPr sz="1000"/>
+            </a:lvl5pPr>
+            <a:lvl6pPr marL="2286000" indent="0">
+              <a:buNone/>
+              <a:defRPr sz="1000"/>
+            </a:lvl6pPr>
+            <a:lvl7pPr marL="2743200" indent="0">
+              <a:buNone/>
+              <a:defRPr sz="1000"/>
+            </a:lvl7pPr>
+            <a:lvl8pPr marL="3200400" indent="0">
+              <a:buNone/>
+              <a:defRPr sz="1000"/>
+            </a:lvl8pPr>
+            <a:lvl9pPr marL="3657600" indent="0">
+              <a:buNone/>
+              <a:defRPr sz="1000"/>
+            </a:lvl9pPr>
+          </a:lstStyle>
+          <a:p>
+            <a:pPr lvl="0"/>
+            <a:r>
+              <a:rPr lang="en-US"/>
+              <a:t>Click to edit Master text styles</a:t>
+            </a:r>
+          </a:p>
+        </p:txBody>
+      </p:sp>
+      <p:sp>
+        <p:nvSpPr>
+          <p:cNvPr id="5" name="Date Placeholder 4"/>
+          <p:cNvSpPr>
+            <a:spLocks noGrp="1"/>
+          </p:cNvSpPr>
+          <p:nvPr>
+            <p:ph type="dt" sz="half" idx="10"/>
+          </p:nvPr>
+        </p:nvSpPr>
+        <p:spPr/>
+        <p:txBody>
+          <a:bodyPr/>
+          <a:lstStyle/>
+          <a:p>
+            <a:fld id="{8BEEBAAA-29B5-4AF5-BC5F-7E580C29002D}" type="datetimeFigureOut">
+              <a:rPr lang="en-US" smtClean="0"/>
+              <a:pPr/>
+              <a:t>2/17/20</a:t>
+            </a:fld>
+            <a:endParaRPr lang="en-US" dirty="0"/>
+          </a:p>
+        </p:txBody>
+      </p:sp>
+      <p:sp>
+        <p:nvSpPr>
+          <p:cNvPr id="6" name="Footer Placeholder 5"/>
+          <p:cNvSpPr>
+            <a:spLocks noGrp="1"/>
+          </p:cNvSpPr>
+          <p:nvPr>
+            <p:ph type="ftr" sz="quarter" idx="11"/>
+          </p:nvPr>
+        </p:nvSpPr>
+        <p:spPr/>
+        <p:txBody>
+          <a:bodyPr/>
+          <a:lstStyle/>
+          <a:p>
+            <a:endParaRPr lang="en-US" dirty="0"/>
+          </a:p>
+        </p:txBody>
+      </p:sp>
+      <p:sp>
+        <p:nvSpPr>
+          <p:cNvPr id="7" name="Slide Number Placeholder 6"/>
+          <p:cNvSpPr>
+            <a:spLocks noGrp="1"/>
+          </p:cNvSpPr>
+          <p:nvPr>
+            <p:ph type="sldNum" sz="quarter" idx="12"/>
+          </p:nvPr>
+        </p:nvSpPr>
+        <p:spPr/>
+        <p:txBody>
+          <a:bodyPr/>
+          <a:lstStyle/>
+          <a:p>
+            <a:fld id="{9860EDB8-5305-433F-BE41-D7A86D811DB3}" type="slidenum">
+              <a:rPr lang="en-US" smtClean="0"/>
+              <a:pPr/>
+              <a:t>‹#›</a:t>
+            </a:fld>
+            <a:endParaRPr lang="en-US" dirty="0"/>
+          </a:p>
+        </p:txBody>
+      </p:sp>
+    </p:spTree>
+    <p:extLst>
+      <p:ext uri="{BB962C8B-B14F-4D97-AF65-F5344CB8AC3E}">
+        <p14:creationId xmlns:p14="http://schemas.microsoft.com/office/powerpoint/2010/main" val="290739141"/>
       </p:ext>
     </p:extLst>
   </p:cSld>
@@ -2134,7 +5986,229 @@
       </p:grpSpPr>
       <p:sp>
         <p:nvSpPr>
-          <p:cNvPr id="7" name="Rectangle 6"/>
+          <p:cNvPr id="2" name="Title Placeholder 1"/>
+          <p:cNvSpPr>
+            <a:spLocks noGrp="1"/>
+          </p:cNvSpPr>
+          <p:nvPr>
+            <p:ph type="title"/>
+          </p:nvPr>
+        </p:nvSpPr>
+        <p:spPr>
+          <a:xfrm>
+            <a:off x="838200" y="365125"/>
+            <a:ext cx="10515600" cy="1325563"/>
+          </a:xfrm>
+          <a:prstGeom prst="rect">
+            <a:avLst/>
+          </a:prstGeom>
+        </p:spPr>
+        <p:txBody>
+          <a:bodyPr vert="horz" lIns="91440" tIns="45720" rIns="91440" bIns="45720" rtlCol="0" anchor="ctr">
+            <a:normAutofit/>
+          </a:bodyPr>
+          <a:lstStyle/>
+          <a:p>
+            <a:r>
+              <a:rPr lang="en-US"/>
+              <a:t>Click to edit Master title style</a:t>
+            </a:r>
+            <a:endParaRPr lang="en-US" dirty="0"/>
+          </a:p>
+        </p:txBody>
+      </p:sp>
+      <p:sp>
+        <p:nvSpPr>
+          <p:cNvPr id="3" name="Text Placeholder 2"/>
+          <p:cNvSpPr>
+            <a:spLocks noGrp="1"/>
+          </p:cNvSpPr>
+          <p:nvPr>
+            <p:ph type="body" idx="1"/>
+          </p:nvPr>
+        </p:nvSpPr>
+        <p:spPr>
+          <a:xfrm>
+            <a:off x="838200" y="1825625"/>
+            <a:ext cx="10515600" cy="4351338"/>
+          </a:xfrm>
+          <a:prstGeom prst="rect">
+            <a:avLst/>
+          </a:prstGeom>
+        </p:spPr>
+        <p:txBody>
+          <a:bodyPr vert="horz" lIns="91440" tIns="45720" rIns="91440" bIns="45720" rtlCol="0">
+            <a:normAutofit/>
+          </a:bodyPr>
+          <a:lstStyle/>
+          <a:p>
+            <a:pPr lvl="0"/>
+            <a:r>
+              <a:rPr lang="en-US"/>
+              <a:t>Click to edit Master text styles</a:t>
+            </a:r>
+          </a:p>
+          <a:p>
+            <a:pPr lvl="1"/>
+            <a:r>
+              <a:rPr lang="en-US"/>
+              <a:t>Second level</a:t>
+            </a:r>
+          </a:p>
+          <a:p>
+            <a:pPr lvl="2"/>
+            <a:r>
+              <a:rPr lang="en-US"/>
+              <a:t>Third level</a:t>
+            </a:r>
+          </a:p>
+          <a:p>
+            <a:pPr lvl="3"/>
+            <a:r>
+              <a:rPr lang="en-US"/>
+              <a:t>Fourth level</a:t>
+            </a:r>
+          </a:p>
+          <a:p>
+            <a:pPr lvl="4"/>
+            <a:r>
+              <a:rPr lang="en-US"/>
+              <a:t>Fifth level</a:t>
+            </a:r>
+            <a:endParaRPr lang="en-US" dirty="0"/>
+          </a:p>
+        </p:txBody>
+      </p:sp>
+      <p:sp>
+        <p:nvSpPr>
+          <p:cNvPr id="4" name="Date Placeholder 3"/>
+          <p:cNvSpPr>
+            <a:spLocks noGrp="1"/>
+          </p:cNvSpPr>
+          <p:nvPr>
+            <p:ph type="dt" sz="half" idx="2"/>
+          </p:nvPr>
+        </p:nvSpPr>
+        <p:spPr>
+          <a:xfrm>
+            <a:off x="838200" y="6356350"/>
+            <a:ext cx="2743200" cy="365125"/>
+          </a:xfrm>
+          <a:prstGeom prst="rect">
+            <a:avLst/>
+          </a:prstGeom>
+        </p:spPr>
+        <p:txBody>
+          <a:bodyPr vert="horz" lIns="91440" tIns="45720" rIns="91440" bIns="45720" rtlCol="0" anchor="ctr"/>
+          <a:lstStyle>
+            <a:lvl1pPr algn="l">
+              <a:defRPr sz="1200">
+                <a:solidFill>
+                  <a:schemeClr val="tx1">
+                    <a:tint val="75000"/>
+                  </a:schemeClr>
+                </a:solidFill>
+              </a:defRPr>
+            </a:lvl1pPr>
+          </a:lstStyle>
+          <a:p>
+            <a:fld id="{8BEEBAAA-29B5-4AF5-BC5F-7E580C29002D}" type="datetimeFigureOut">
+              <a:rPr lang="en-US" smtClean="0"/>
+              <a:pPr/>
+              <a:t>2/17/20</a:t>
+            </a:fld>
+            <a:endParaRPr lang="en-US" dirty="0"/>
+          </a:p>
+        </p:txBody>
+      </p:sp>
+      <p:sp>
+        <p:nvSpPr>
+          <p:cNvPr id="5" name="Footer Placeholder 4"/>
+          <p:cNvSpPr>
+            <a:spLocks noGrp="1"/>
+          </p:cNvSpPr>
+          <p:nvPr>
+            <p:ph type="ftr" sz="quarter" idx="3"/>
+          </p:nvPr>
+        </p:nvSpPr>
+        <p:spPr>
+          <a:xfrm>
+            <a:off x="4038600" y="6356350"/>
+            <a:ext cx="4114800" cy="365125"/>
+          </a:xfrm>
+          <a:prstGeom prst="rect">
+            <a:avLst/>
+          </a:prstGeom>
+        </p:spPr>
+        <p:txBody>
+          <a:bodyPr vert="horz" lIns="91440" tIns="45720" rIns="91440" bIns="45720" rtlCol="0" anchor="ctr"/>
+          <a:lstStyle>
+            <a:lvl1pPr algn="ctr">
+              <a:defRPr sz="1200">
+                <a:solidFill>
+                  <a:schemeClr val="tx1">
+                    <a:tint val="75000"/>
+                  </a:schemeClr>
+                </a:solidFill>
+              </a:defRPr>
+            </a:lvl1pPr>
+          </a:lstStyle>
+          <a:p>
+            <a:endParaRPr lang="en-US" dirty="0"/>
+          </a:p>
+        </p:txBody>
+      </p:sp>
+      <p:sp>
+        <p:nvSpPr>
+          <p:cNvPr id="6" name="Slide Number Placeholder 5"/>
+          <p:cNvSpPr>
+            <a:spLocks noGrp="1"/>
+          </p:cNvSpPr>
+          <p:nvPr>
+            <p:ph type="sldNum" sz="quarter" idx="4"/>
+          </p:nvPr>
+        </p:nvSpPr>
+        <p:spPr>
+          <a:xfrm>
+            <a:off x="8610600" y="6356350"/>
+            <a:ext cx="2743200" cy="365125"/>
+          </a:xfrm>
+          <a:prstGeom prst="rect">
+            <a:avLst/>
+          </a:prstGeom>
+        </p:spPr>
+        <p:txBody>
+          <a:bodyPr vert="horz" lIns="91440" tIns="45720" rIns="91440" bIns="45720" rtlCol="0" anchor="ctr"/>
+          <a:lstStyle>
+            <a:lvl1pPr algn="r">
+              <a:defRPr sz="1200">
+                <a:solidFill>
+                  <a:schemeClr val="tx1">
+                    <a:tint val="75000"/>
+                  </a:schemeClr>
+                </a:solidFill>
+              </a:defRPr>
+            </a:lvl1pPr>
+          </a:lstStyle>
+          <a:p>
+            <a:fld id="{9860EDB8-5305-433F-BE41-D7A86D811DB3}" type="slidenum">
+              <a:rPr lang="en-US" smtClean="0"/>
+              <a:pPr/>
+              <a:t>‹#›</a:t>
+            </a:fld>
+            <a:endParaRPr lang="en-US" dirty="0"/>
+          </a:p>
+        </p:txBody>
+      </p:sp>
+      <p:sp>
+        <p:nvSpPr>
+          <p:cNvPr id="7" name="Rectangle 6">
+            <a:extLst>
+              <a:ext uri="{FF2B5EF4-FFF2-40B4-BE49-F238E27FC236}">
+                <a16:creationId xmlns:a16="http://schemas.microsoft.com/office/drawing/2014/main" id="{B32A6B13-95D6-004E-B82E-9AB7523E451C}"/>
+              </a:ext>
+            </a:extLst>
+          </p:cNvPr>
           <p:cNvSpPr/>
           <p:nvPr userDrawn="1"/>
         </p:nvSpPr>
@@ -2178,228 +6252,15 @@
           </a:p>
         </p:txBody>
       </p:sp>
-      <p:sp>
-        <p:nvSpPr>
-          <p:cNvPr id="2" name="Title Placeholder 1"/>
-          <p:cNvSpPr>
-            <a:spLocks noGrp="1"/>
-          </p:cNvSpPr>
-          <p:nvPr>
-            <p:ph type="title"/>
-          </p:nvPr>
-        </p:nvSpPr>
-        <p:spPr>
-          <a:xfrm>
-            <a:off x="521208" y="448056"/>
-            <a:ext cx="6876288" cy="640080"/>
-          </a:xfrm>
-          <a:prstGeom prst="rect">
-            <a:avLst/>
-          </a:prstGeom>
-        </p:spPr>
-        <p:txBody>
-          <a:bodyPr vert="horz" lIns="91440" tIns="45720" rIns="91440" bIns="45720" rtlCol="0" anchor="b" anchorCtr="0">
-            <a:normAutofit/>
-          </a:bodyPr>
-          <a:lstStyle/>
-          <a:p>
-            <a:r>
-              <a:rPr lang="en-US"/>
-              <a:t>Click to edit Master title style</a:t>
-            </a:r>
-            <a:endParaRPr lang="en-US" dirty="0"/>
-          </a:p>
-        </p:txBody>
-      </p:sp>
-      <p:sp>
-        <p:nvSpPr>
-          <p:cNvPr id="3" name="Text Placeholder 2"/>
-          <p:cNvSpPr>
-            <a:spLocks noGrp="1"/>
-          </p:cNvSpPr>
-          <p:nvPr>
-            <p:ph type="body" idx="1"/>
-          </p:nvPr>
-        </p:nvSpPr>
-        <p:spPr>
-          <a:xfrm>
-            <a:off x="539496" y="1435608"/>
-            <a:ext cx="4416552" cy="3977640"/>
-          </a:xfrm>
-          <a:prstGeom prst="rect">
-            <a:avLst/>
-          </a:prstGeom>
-        </p:spPr>
-        <p:txBody>
-          <a:bodyPr vert="horz" lIns="91440" tIns="45720" rIns="91440" bIns="45720" rtlCol="0">
-            <a:normAutofit/>
-          </a:bodyPr>
-          <a:lstStyle/>
-          <a:p>
-            <a:pPr lvl="0"/>
-            <a:r>
-              <a:rPr lang="en-US"/>
-              <a:t>Click to edit Master text styles</a:t>
-            </a:r>
-          </a:p>
-          <a:p>
-            <a:pPr lvl="1"/>
-            <a:r>
-              <a:rPr lang="en-US"/>
-              <a:t>Second level</a:t>
-            </a:r>
-          </a:p>
-          <a:p>
-            <a:pPr lvl="2"/>
-            <a:r>
-              <a:rPr lang="en-US"/>
-              <a:t>Third level</a:t>
-            </a:r>
-          </a:p>
-          <a:p>
-            <a:pPr lvl="3"/>
-            <a:r>
-              <a:rPr lang="en-US"/>
-              <a:t>Fourth level</a:t>
-            </a:r>
-          </a:p>
-          <a:p>
-            <a:pPr lvl="4"/>
-            <a:r>
-              <a:rPr lang="en-US"/>
-              <a:t>Fifth level</a:t>
-            </a:r>
-            <a:endParaRPr lang="en-US" dirty="0"/>
-          </a:p>
-        </p:txBody>
-      </p:sp>
-      <p:sp>
-        <p:nvSpPr>
-          <p:cNvPr id="4" name="Date Placeholder 3"/>
-          <p:cNvSpPr>
-            <a:spLocks noGrp="1"/>
-          </p:cNvSpPr>
-          <p:nvPr>
-            <p:ph type="dt" sz="half" idx="2"/>
-          </p:nvPr>
-        </p:nvSpPr>
-        <p:spPr>
-          <a:xfrm>
-            <a:off x="539496" y="6203952"/>
-            <a:ext cx="3276600" cy="365125"/>
-          </a:xfrm>
-          <a:prstGeom prst="rect">
-            <a:avLst/>
-          </a:prstGeom>
-        </p:spPr>
-        <p:txBody>
-          <a:bodyPr vert="horz" lIns="91440" tIns="45720" rIns="91440" bIns="45720" rtlCol="0" anchor="ctr"/>
-          <a:lstStyle>
-            <a:lvl1pPr algn="l">
-              <a:defRPr sz="1200" baseline="0">
-                <a:solidFill>
-                  <a:schemeClr val="tx1">
-                    <a:lumMod val="65000"/>
-                    <a:lumOff val="35000"/>
-                  </a:schemeClr>
-                </a:solidFill>
-              </a:defRPr>
-            </a:lvl1pPr>
-          </a:lstStyle>
-          <a:p>
-            <a:fld id="{8BEEBAAA-29B5-4AF5-BC5F-7E580C29002D}" type="datetimeFigureOut">
-              <a:rPr lang="en-US" smtClean="0"/>
-              <a:pPr/>
-              <a:t>2/17/2020</a:t>
-            </a:fld>
-            <a:endParaRPr lang="en-US" dirty="0"/>
-          </a:p>
-        </p:txBody>
-      </p:sp>
-      <p:sp>
-        <p:nvSpPr>
-          <p:cNvPr id="5" name="Footer Placeholder 4"/>
-          <p:cNvSpPr>
-            <a:spLocks noGrp="1"/>
-          </p:cNvSpPr>
-          <p:nvPr>
-            <p:ph type="ftr" sz="quarter" idx="3"/>
-          </p:nvPr>
-        </p:nvSpPr>
-        <p:spPr>
-          <a:xfrm>
-            <a:off x="4648200" y="6203952"/>
-            <a:ext cx="2895600" cy="365125"/>
-          </a:xfrm>
-          <a:prstGeom prst="rect">
-            <a:avLst/>
-          </a:prstGeom>
-        </p:spPr>
-        <p:txBody>
-          <a:bodyPr vert="horz" lIns="91440" tIns="45720" rIns="91440" bIns="45720" rtlCol="0" anchor="ctr"/>
-          <a:lstStyle>
-            <a:lvl1pPr algn="ctr">
-              <a:defRPr sz="1200" baseline="0">
-                <a:solidFill>
-                  <a:schemeClr val="tx1">
-                    <a:lumMod val="65000"/>
-                    <a:lumOff val="35000"/>
-                  </a:schemeClr>
-                </a:solidFill>
-              </a:defRPr>
-            </a:lvl1pPr>
-          </a:lstStyle>
-          <a:p>
-            <a:endParaRPr lang="en-US" dirty="0"/>
-          </a:p>
-        </p:txBody>
-      </p:sp>
-      <p:sp>
-        <p:nvSpPr>
-          <p:cNvPr id="6" name="Slide Number Placeholder 5"/>
-          <p:cNvSpPr>
-            <a:spLocks noGrp="1"/>
-          </p:cNvSpPr>
-          <p:nvPr>
-            <p:ph type="sldNum" sz="quarter" idx="4"/>
-          </p:nvPr>
-        </p:nvSpPr>
-        <p:spPr>
-          <a:xfrm>
-            <a:off x="8375904" y="6203952"/>
-            <a:ext cx="3276600" cy="365125"/>
-          </a:xfrm>
-          <a:prstGeom prst="rect">
-            <a:avLst/>
-          </a:prstGeom>
-        </p:spPr>
-        <p:txBody>
-          <a:bodyPr vert="horz" lIns="91440" tIns="45720" rIns="91440" bIns="45720" rtlCol="0" anchor="ctr"/>
-          <a:lstStyle>
-            <a:lvl1pPr algn="r">
-              <a:defRPr sz="1200" baseline="0">
-                <a:solidFill>
-                  <a:schemeClr val="tx1">
-                    <a:lumMod val="65000"/>
-                    <a:lumOff val="35000"/>
-                  </a:schemeClr>
-                </a:solidFill>
-              </a:defRPr>
-            </a:lvl1pPr>
-          </a:lstStyle>
-          <a:p>
-            <a:fld id="{9860EDB8-5305-433F-BE41-D7A86D811DB3}" type="slidenum">
-              <a:rPr lang="en-US" smtClean="0"/>
-              <a:pPr/>
-              <a:t>‹#›</a:t>
-            </a:fld>
-            <a:endParaRPr lang="en-US" dirty="0"/>
-          </a:p>
-        </p:txBody>
-      </p:sp>
       <p:cxnSp>
         <p:nvCxnSpPr>
-          <p:cNvPr id="8" name="Straight Connector 7"/>
+          <p:cNvPr id="8" name="Straight Connector 7">
+            <a:extLst>
+              <a:ext uri="{FF2B5EF4-FFF2-40B4-BE49-F238E27FC236}">
+                <a16:creationId xmlns:a16="http://schemas.microsoft.com/office/drawing/2014/main" id="{F9DB59B6-A446-314F-8927-61C8E8DA169B}"/>
+              </a:ext>
+            </a:extLst>
+          </p:cNvPr>
           <p:cNvCxnSpPr/>
           <p:nvPr userDrawn="1"/>
         </p:nvCxnSpPr>
@@ -2435,24 +6296,38 @@
     </p:spTree>
     <p:extLst>
       <p:ext uri="{BB962C8B-B14F-4D97-AF65-F5344CB8AC3E}">
-        <p14:creationId xmlns:p14="http://schemas.microsoft.com/office/powerpoint/2010/main" val="946754946"/>
+        <p14:creationId xmlns:p14="http://schemas.microsoft.com/office/powerpoint/2010/main" val="3773470062"/>
       </p:ext>
     </p:extLst>
   </p:cSld>
   <p:clrMap bg1="lt1" tx1="dk1" bg2="lt2" tx2="dk2" accent1="accent1" accent2="accent2" accent3="accent3" accent4="accent4" accent5="accent5" accent6="accent6" hlink="hlink" folHlink="folHlink"/>
   <p:sldLayoutIdLst>
-    <p:sldLayoutId id="2147483661" r:id="rId1"/>
-    <p:sldLayoutId id="2147483662" r:id="rId2"/>
-    <p:sldLayoutId id="2147483663" r:id="rId3"/>
+    <p:sldLayoutId id="2147483710" r:id="rId1"/>
+    <p:sldLayoutId id="2147483711" r:id="rId2"/>
+    <p:sldLayoutId id="2147483712" r:id="rId3"/>
+    <p:sldLayoutId id="2147483713" r:id="rId4"/>
+    <p:sldLayoutId id="2147483714" r:id="rId5"/>
+    <p:sldLayoutId id="2147483715" r:id="rId6"/>
+    <p:sldLayoutId id="2147483716" r:id="rId7"/>
+    <p:sldLayoutId id="2147483717" r:id="rId8"/>
+    <p:sldLayoutId id="2147483718" r:id="rId9"/>
+    <p:sldLayoutId id="2147483719" r:id="rId10"/>
+    <p:sldLayoutId id="2147483720" r:id="rId11"/>
+    <p:sldLayoutId id="2147483721" r:id="rId12"/>
+    <p:sldLayoutId id="2147483722" r:id="rId13"/>
+    <p:sldLayoutId id="2147483723" r:id="rId14"/>
   </p:sldLayoutIdLst>
   <p:txStyles>
     <p:titleStyle>
       <a:lvl1pPr algn="l" defTabSz="914400" rtl="0" eaLnBrk="1" latinLnBrk="0" hangingPunct="1">
+        <a:lnSpc>
+          <a:spcPct val="90000"/>
+        </a:lnSpc>
         <a:spcBef>
           <a:spcPct val="0"/>
         </a:spcBef>
         <a:buNone/>
-        <a:defRPr sz="2800" kern="1200">
+        <a:defRPr sz="4400" kern="1200">
           <a:solidFill>
             <a:schemeClr val="tx1"/>
           </a:solidFill>
@@ -2463,19 +6338,16 @@
       </a:lvl1pPr>
     </p:titleStyle>
     <p:bodyStyle>
-      <a:lvl1pPr marL="0" indent="0" algn="l" defTabSz="914400" rtl="0" eaLnBrk="1" latinLnBrk="0" hangingPunct="1">
+      <a:lvl1pPr marL="228600" indent="-228600" algn="l" defTabSz="914400" rtl="0" eaLnBrk="1" latinLnBrk="0" hangingPunct="1">
         <a:lnSpc>
-          <a:spcPct val="150000"/>
+          <a:spcPct val="90000"/>
         </a:lnSpc>
         <a:spcBef>
           <a:spcPts val="1000"/>
         </a:spcBef>
-        <a:spcAft>
-          <a:spcPts val="1200"/>
-        </a:spcAft>
-        <a:buFontTx/>
-        <a:buNone/>
-        <a:defRPr lang="en-US" sz="1200" kern="1200" dirty="0">
+        <a:buFont typeface="Arial" panose="020B0604020202020204" pitchFamily="34" charset="0"/>
+        <a:buChar char="•"/>
+        <a:defRPr sz="2800" kern="1200">
           <a:solidFill>
             <a:schemeClr val="tx1"/>
           </a:solidFill>
@@ -2484,19 +6356,16 @@
           <a:cs typeface="+mn-cs"/>
         </a:defRPr>
       </a:lvl1pPr>
-      <a:lvl2pPr marL="228600" indent="-228600" algn="l" defTabSz="914400" rtl="0" eaLnBrk="1" latinLnBrk="0" hangingPunct="1">
+      <a:lvl2pPr marL="685800" indent="-228600" algn="l" defTabSz="914400" rtl="0" eaLnBrk="1" latinLnBrk="0" hangingPunct="1">
         <a:lnSpc>
-          <a:spcPct val="150000"/>
+          <a:spcPct val="90000"/>
         </a:lnSpc>
         <a:spcBef>
-          <a:spcPts val="1000"/>
+          <a:spcPts val="500"/>
         </a:spcBef>
-        <a:spcAft>
-          <a:spcPts val="1200"/>
-        </a:spcAft>
         <a:buFont typeface="Arial" panose="020B0604020202020204" pitchFamily="34" charset="0"/>
         <a:buChar char="•"/>
-        <a:defRPr lang="en-US" sz="1200" kern="1200" dirty="0">
+        <a:defRPr sz="2400" kern="1200">
           <a:solidFill>
             <a:schemeClr val="tx1"/>
           </a:solidFill>
@@ -2505,19 +6374,16 @@
           <a:cs typeface="+mn-cs"/>
         </a:defRPr>
       </a:lvl2pPr>
-      <a:lvl3pPr marL="685800" indent="-228600" algn="l" defTabSz="914400" rtl="0" eaLnBrk="1" latinLnBrk="0" hangingPunct="1">
+      <a:lvl3pPr marL="1143000" indent="-228600" algn="l" defTabSz="914400" rtl="0" eaLnBrk="1" latinLnBrk="0" hangingPunct="1">
         <a:lnSpc>
-          <a:spcPct val="150000"/>
+          <a:spcPct val="90000"/>
         </a:lnSpc>
         <a:spcBef>
-          <a:spcPts val="1000"/>
+          <a:spcPts val="500"/>
         </a:spcBef>
-        <a:spcAft>
-          <a:spcPts val="1200"/>
-        </a:spcAft>
         <a:buFont typeface="Arial" panose="020B0604020202020204" pitchFamily="34" charset="0"/>
         <a:buChar char="•"/>
-        <a:defRPr lang="en-US" sz="1200" kern="1200" dirty="0">
+        <a:defRPr sz="2000" kern="1200">
           <a:solidFill>
             <a:schemeClr val="tx1"/>
           </a:solidFill>
@@ -2526,19 +6392,16 @@
           <a:cs typeface="+mn-cs"/>
         </a:defRPr>
       </a:lvl3pPr>
-      <a:lvl4pPr marL="1143000" indent="-228600" algn="l" defTabSz="914400" rtl="0" eaLnBrk="1" latinLnBrk="0" hangingPunct="1">
+      <a:lvl4pPr marL="1600200" indent="-228600" algn="l" defTabSz="914400" rtl="0" eaLnBrk="1" latinLnBrk="0" hangingPunct="1">
         <a:lnSpc>
-          <a:spcPct val="150000"/>
+          <a:spcPct val="90000"/>
         </a:lnSpc>
         <a:spcBef>
-          <a:spcPts val="1000"/>
+          <a:spcPts val="500"/>
         </a:spcBef>
-        <a:spcAft>
-          <a:spcPts val="1200"/>
-        </a:spcAft>
         <a:buFont typeface="Arial" panose="020B0604020202020204" pitchFamily="34" charset="0"/>
         <a:buChar char="•"/>
-        <a:defRPr lang="en-US" sz="1200" kern="1200" dirty="0" smtClean="0">
+        <a:defRPr sz="1800" kern="1200">
           <a:solidFill>
             <a:schemeClr val="tx1"/>
           </a:solidFill>
@@ -2547,19 +6410,16 @@
           <a:cs typeface="+mn-cs"/>
         </a:defRPr>
       </a:lvl4pPr>
-      <a:lvl5pPr marL="1600200" indent="-228600" algn="l" defTabSz="914400" rtl="0" eaLnBrk="1" latinLnBrk="0" hangingPunct="1">
+      <a:lvl5pPr marL="2057400" indent="-228600" algn="l" defTabSz="914400" rtl="0" eaLnBrk="1" latinLnBrk="0" hangingPunct="1">
         <a:lnSpc>
-          <a:spcPct val="150000"/>
+          <a:spcPct val="90000"/>
         </a:lnSpc>
         <a:spcBef>
-          <a:spcPts val="1000"/>
+          <a:spcPts val="500"/>
         </a:spcBef>
-        <a:spcAft>
-          <a:spcPts val="1200"/>
-        </a:spcAft>
         <a:buFont typeface="Arial" panose="020B0604020202020204" pitchFamily="34" charset="0"/>
         <a:buChar char="•"/>
-        <a:defRPr lang="en-US" sz="1200" kern="1200" dirty="0" smtClean="0">
+        <a:defRPr sz="1800" kern="1200">
           <a:solidFill>
             <a:schemeClr val="tx1"/>
           </a:solidFill>
@@ -2568,19 +6428,16 @@
           <a:cs typeface="+mn-cs"/>
         </a:defRPr>
       </a:lvl5pPr>
-      <a:lvl6pPr marL="2057400" indent="-228600" algn="l" defTabSz="914400" rtl="0" eaLnBrk="1" latinLnBrk="0" hangingPunct="1">
+      <a:lvl6pPr marL="2514600" indent="-228600" algn="l" defTabSz="914400" rtl="0" eaLnBrk="1" latinLnBrk="0" hangingPunct="1">
         <a:lnSpc>
-          <a:spcPct val="150000"/>
+          <a:spcPct val="90000"/>
         </a:lnSpc>
         <a:spcBef>
-          <a:spcPts val="1000"/>
+          <a:spcPts val="500"/>
         </a:spcBef>
-        <a:spcAft>
-          <a:spcPts val="1200"/>
-        </a:spcAft>
         <a:buFont typeface="Arial" panose="020B0604020202020204" pitchFamily="34" charset="0"/>
         <a:buChar char="•"/>
-        <a:defRPr lang="en-US" sz="1200" kern="1200" dirty="0" smtClean="0">
+        <a:defRPr sz="1800" kern="1200">
           <a:solidFill>
             <a:schemeClr val="tx1"/>
           </a:solidFill>
@@ -2589,19 +6446,16 @@
           <a:cs typeface="+mn-cs"/>
         </a:defRPr>
       </a:lvl6pPr>
-      <a:lvl7pPr marL="2514600" indent="-228600" algn="l" defTabSz="914400" rtl="0" eaLnBrk="1" latinLnBrk="0" hangingPunct="1">
+      <a:lvl7pPr marL="2971800" indent="-228600" algn="l" defTabSz="914400" rtl="0" eaLnBrk="1" latinLnBrk="0" hangingPunct="1">
         <a:lnSpc>
-          <a:spcPct val="150000"/>
+          <a:spcPct val="90000"/>
         </a:lnSpc>
         <a:spcBef>
-          <a:spcPts val="1000"/>
+          <a:spcPts val="500"/>
         </a:spcBef>
-        <a:spcAft>
-          <a:spcPts val="1200"/>
-        </a:spcAft>
         <a:buFont typeface="Arial" panose="020B0604020202020204" pitchFamily="34" charset="0"/>
         <a:buChar char="•"/>
-        <a:defRPr lang="en-US" sz="1200" kern="1200" dirty="0" smtClean="0">
+        <a:defRPr sz="1800" kern="1200">
           <a:solidFill>
             <a:schemeClr val="tx1"/>
           </a:solidFill>
@@ -2610,19 +6464,16 @@
           <a:cs typeface="+mn-cs"/>
         </a:defRPr>
       </a:lvl7pPr>
-      <a:lvl8pPr marL="2971800" indent="-228600" algn="l" defTabSz="914400" rtl="0" eaLnBrk="1" latinLnBrk="0" hangingPunct="1">
+      <a:lvl8pPr marL="3429000" indent="-228600" algn="l" defTabSz="914400" rtl="0" eaLnBrk="1" latinLnBrk="0" hangingPunct="1">
         <a:lnSpc>
-          <a:spcPct val="150000"/>
+          <a:spcPct val="90000"/>
         </a:lnSpc>
         <a:spcBef>
-          <a:spcPts val="1000"/>
+          <a:spcPts val="500"/>
         </a:spcBef>
-        <a:spcAft>
-          <a:spcPts val="1200"/>
-        </a:spcAft>
         <a:buFont typeface="Arial" panose="020B0604020202020204" pitchFamily="34" charset="0"/>
         <a:buChar char="•"/>
-        <a:defRPr lang="en-US" sz="1200" kern="1200" dirty="0" smtClean="0">
+        <a:defRPr sz="1800" kern="1200">
           <a:solidFill>
             <a:schemeClr val="tx1"/>
           </a:solidFill>
@@ -2631,16 +6482,16 @@
           <a:cs typeface="+mn-cs"/>
         </a:defRPr>
       </a:lvl8pPr>
-      <a:lvl9pPr marL="3429000" indent="-228600" algn="l" defTabSz="914400" rtl="0" eaLnBrk="1" latinLnBrk="0" hangingPunct="1">
+      <a:lvl9pPr marL="3886200" indent="-228600" algn="l" defTabSz="914400" rtl="0" eaLnBrk="1" latinLnBrk="0" hangingPunct="1">
         <a:lnSpc>
           <a:spcPct val="90000"/>
         </a:lnSpc>
         <a:spcBef>
-          <a:spcPct val="30000"/>
+          <a:spcPts val="500"/>
         </a:spcBef>
         <a:buFont typeface="Arial" panose="020B0604020202020204" pitchFamily="34" charset="0"/>
-        <a:buNone/>
-        <a:defRPr sz="1200" kern="1200">
+        <a:buChar char="•"/>
+        <a:defRPr sz="1800" kern="1200">
           <a:solidFill>
             <a:schemeClr val="tx1"/>
           </a:solidFill>
@@ -2773,7 +6624,7 @@
             <a:spLocks noGrp="1"/>
           </p:cNvSpPr>
           <p:nvPr>
-            <p:ph type="ctrTitle"/>
+            <p:ph type="title"/>
           </p:nvPr>
         </p:nvSpPr>
         <p:spPr>
@@ -2811,8 +6662,8 @@
         </p:nvSpPr>
         <p:spPr>
           <a:xfrm>
-            <a:off x="971029" y="4096872"/>
-            <a:ext cx="9582736" cy="822960"/>
+            <a:off x="0" y="4097338"/>
+            <a:ext cx="9582150" cy="822325"/>
           </a:xfrm>
         </p:spPr>
         <p:txBody>
@@ -2846,6 +6697,1148 @@
   <p:clrMapOvr>
     <a:masterClrMapping/>
   </p:clrMapOvr>
+</p:sld>
+</file>
+
+<file path=ppt/slides/slide10.xml><?xml version="1.0" encoding="utf-8"?>
+<p:sld xmlns:a="http://schemas.openxmlformats.org/drawingml/2006/main" xmlns:r="http://schemas.openxmlformats.org/officeDocument/2006/relationships" xmlns:p="http://schemas.openxmlformats.org/presentationml/2006/main">
+  <p:cSld>
+    <p:spTree>
+      <p:nvGrpSpPr>
+        <p:cNvPr id="1" name=""/>
+        <p:cNvGrpSpPr/>
+        <p:nvPr/>
+      </p:nvGrpSpPr>
+      <p:grpSpPr>
+        <a:xfrm>
+          <a:off x="0" y="0"/>
+          <a:ext cx="0" cy="0"/>
+          <a:chOff x="0" y="0"/>
+          <a:chExt cx="0" cy="0"/>
+        </a:xfrm>
+      </p:grpSpPr>
+      <p:sp>
+        <p:nvSpPr>
+          <p:cNvPr id="4" name="Title 3">
+            <a:extLst>
+              <a:ext uri="{FF2B5EF4-FFF2-40B4-BE49-F238E27FC236}">
+                <a16:creationId xmlns:a16="http://schemas.microsoft.com/office/drawing/2014/main" id="{37F5FAC2-534F-474C-A411-EDF6BBF61800}"/>
+              </a:ext>
+            </a:extLst>
+          </p:cNvPr>
+          <p:cNvSpPr>
+            <a:spLocks noGrp="1"/>
+          </p:cNvSpPr>
+          <p:nvPr>
+            <p:ph type="title"/>
+          </p:nvPr>
+        </p:nvSpPr>
+        <p:spPr/>
+        <p:txBody>
+          <a:bodyPr>
+            <a:normAutofit/>
+          </a:bodyPr>
+          <a:lstStyle/>
+          <a:p>
+            <a:r>
+              <a:rPr lang="en-US" altLang="zh-CN" b="1" dirty="0"/>
+              <a:t>Derivative-free</a:t>
+            </a:r>
+            <a:r>
+              <a:rPr lang="zh-CN" altLang="en-US" b="1" dirty="0"/>
+              <a:t> </a:t>
+            </a:r>
+            <a:r>
+              <a:rPr lang="en-US" altLang="zh-CN" b="1" dirty="0"/>
+              <a:t>methods:</a:t>
+            </a:r>
+            <a:endParaRPr lang="en-US" b="1" dirty="0"/>
+          </a:p>
+        </p:txBody>
+      </p:sp>
+      <p:sp>
+        <p:nvSpPr>
+          <p:cNvPr id="2" name="TextBox 1">
+            <a:extLst>
+              <a:ext uri="{FF2B5EF4-FFF2-40B4-BE49-F238E27FC236}">
+                <a16:creationId xmlns:a16="http://schemas.microsoft.com/office/drawing/2014/main" id="{9B3E72DB-2AF9-476D-8E24-F78166BE6861}"/>
+              </a:ext>
+            </a:extLst>
+          </p:cNvPr>
+          <p:cNvSpPr txBox="1"/>
+          <p:nvPr/>
+        </p:nvSpPr>
+        <p:spPr>
+          <a:xfrm>
+            <a:off x="521208" y="2716567"/>
+            <a:ext cx="11277215" cy="4524315"/>
+          </a:xfrm>
+          <a:prstGeom prst="rect">
+            <a:avLst/>
+          </a:prstGeom>
+          <a:noFill/>
+        </p:spPr>
+        <p:txBody>
+          <a:bodyPr wrap="square" rtlCol="0">
+            <a:spAutoFit/>
+          </a:bodyPr>
+          <a:lstStyle/>
+          <a:p>
+            <a:pPr marL="285750" indent="-285750">
+              <a:buFontTx/>
+              <a:buChar char="-"/>
+            </a:pPr>
+            <a:r>
+              <a:rPr lang="en-US" altLang="zh-CN" dirty="0"/>
+              <a:t>If</a:t>
+            </a:r>
+            <a:r>
+              <a:rPr lang="zh-CN" altLang="en-US" dirty="0"/>
+              <a:t> </a:t>
+            </a:r>
+            <a:r>
+              <a:rPr lang="en-US" altLang="zh-CN" dirty="0"/>
+              <a:t>﻿the derivative of the objective function may not exist or is not easy to calculate,</a:t>
+            </a:r>
+            <a:r>
+              <a:rPr lang="zh-CN" altLang="en-US" dirty="0"/>
+              <a:t> </a:t>
+            </a:r>
+            <a:r>
+              <a:rPr lang="en-US" altLang="zh-CN" dirty="0"/>
+              <a:t>nevertheless,</a:t>
+            </a:r>
+            <a:r>
+              <a:rPr lang="zh-CN" altLang="en-US" dirty="0"/>
+              <a:t> </a:t>
+            </a:r>
+            <a:r>
+              <a:rPr lang="en-US" altLang="zh-CN" dirty="0"/>
+              <a:t>we</a:t>
+            </a:r>
+            <a:r>
+              <a:rPr lang="zh-CN" altLang="en-US" dirty="0"/>
+              <a:t> </a:t>
+            </a:r>
+            <a:r>
+              <a:rPr lang="en-US" altLang="zh-CN" dirty="0"/>
+              <a:t>still</a:t>
+            </a:r>
+            <a:r>
+              <a:rPr lang="zh-CN" altLang="en-US" dirty="0"/>
+              <a:t> </a:t>
+            </a:r>
+            <a:r>
+              <a:rPr lang="en-US" altLang="zh-CN" dirty="0"/>
+              <a:t>want</a:t>
+            </a:r>
+            <a:r>
+              <a:rPr lang="zh-CN" altLang="en-US" dirty="0"/>
+              <a:t> </a:t>
+            </a:r>
+            <a:r>
+              <a:rPr lang="en-US" altLang="zh-CN" dirty="0"/>
+              <a:t>the</a:t>
+            </a:r>
+            <a:r>
+              <a:rPr lang="zh-CN" altLang="en-US" dirty="0"/>
+              <a:t> </a:t>
+            </a:r>
+            <a:r>
+              <a:rPr lang="en-US" altLang="zh-CN" dirty="0"/>
+              <a:t>optimal</a:t>
+            </a:r>
+            <a:r>
+              <a:rPr lang="zh-CN" altLang="en-US" dirty="0"/>
+              <a:t> </a:t>
+            </a:r>
+            <a:r>
+              <a:rPr lang="en-US" altLang="zh-CN" dirty="0"/>
+              <a:t>point.</a:t>
+            </a:r>
+          </a:p>
+          <a:p>
+            <a:pPr marL="285750" indent="-285750">
+              <a:buFontTx/>
+              <a:buChar char="-"/>
+            </a:pPr>
+            <a:endParaRPr lang="en-US" dirty="0"/>
+          </a:p>
+          <a:p>
+            <a:pPr marL="285750" indent="-285750">
+              <a:buFontTx/>
+              <a:buChar char="-"/>
+            </a:pPr>
+            <a:r>
+              <a:rPr lang="en-US" altLang="zh-CN" dirty="0"/>
+              <a:t>Heuristic algorithms</a:t>
+            </a:r>
+          </a:p>
+          <a:p>
+            <a:pPr marL="742950" lvl="1" indent="-285750">
+              <a:buFontTx/>
+              <a:buChar char="-"/>
+            </a:pPr>
+            <a:r>
+              <a:rPr lang="en-US" altLang="zh-CN" dirty="0"/>
+              <a:t>Inspired</a:t>
+            </a:r>
+            <a:r>
+              <a:rPr lang="zh-CN" altLang="en-US" dirty="0"/>
+              <a:t> </a:t>
+            </a:r>
+            <a:r>
+              <a:rPr lang="en-US" altLang="zh-CN" dirty="0"/>
+              <a:t>by</a:t>
+            </a:r>
+            <a:r>
+              <a:rPr lang="zh-CN" altLang="en-US" dirty="0"/>
+              <a:t> </a:t>
+            </a:r>
+            <a:r>
+              <a:rPr lang="en-US" altLang="zh-CN" dirty="0"/>
+              <a:t>empirical</a:t>
+            </a:r>
+            <a:r>
+              <a:rPr lang="zh-CN" altLang="en-US" dirty="0"/>
+              <a:t> </a:t>
+            </a:r>
+            <a:r>
+              <a:rPr lang="en-US" altLang="zh-CN" dirty="0"/>
+              <a:t>rules</a:t>
+            </a:r>
+            <a:r>
+              <a:rPr lang="zh-CN" altLang="en-US" dirty="0"/>
+              <a:t> </a:t>
+            </a:r>
+            <a:r>
+              <a:rPr lang="en-US" altLang="zh-CN" dirty="0"/>
+              <a:t>and</a:t>
+            </a:r>
+            <a:r>
+              <a:rPr lang="zh-CN" altLang="en-US" dirty="0"/>
+              <a:t> </a:t>
+            </a:r>
+            <a:r>
+              <a:rPr lang="en-US" altLang="zh-CN" dirty="0"/>
+              <a:t>choose</a:t>
+            </a:r>
+            <a:r>
+              <a:rPr lang="zh-CN" altLang="en-US" dirty="0"/>
+              <a:t> </a:t>
+            </a:r>
+            <a:r>
+              <a:rPr lang="en-US" altLang="zh-CN" dirty="0"/>
+              <a:t>methods</a:t>
+            </a:r>
+            <a:r>
+              <a:rPr lang="zh-CN" altLang="en-US" dirty="0"/>
+              <a:t> </a:t>
+            </a:r>
+            <a:r>
+              <a:rPr lang="en-US" altLang="zh-CN" dirty="0"/>
+              <a:t>that</a:t>
+            </a:r>
+            <a:r>
+              <a:rPr lang="zh-CN" altLang="en-US" dirty="0"/>
+              <a:t> </a:t>
+            </a:r>
+            <a:r>
+              <a:rPr lang="en-US" altLang="zh-CN" dirty="0"/>
+              <a:t>already</a:t>
+            </a:r>
+            <a:r>
+              <a:rPr lang="zh-CN" altLang="en-US" dirty="0"/>
+              <a:t> </a:t>
+            </a:r>
+            <a:r>
+              <a:rPr lang="en-US" altLang="zh-CN" dirty="0"/>
+              <a:t>works</a:t>
+            </a:r>
+            <a:r>
+              <a:rPr lang="zh-CN" altLang="en-US" dirty="0"/>
+              <a:t> </a:t>
+            </a:r>
+            <a:r>
+              <a:rPr lang="en-US" altLang="zh-CN" dirty="0"/>
+              <a:t>well</a:t>
+            </a:r>
+            <a:r>
+              <a:rPr lang="zh-CN" altLang="en-US" dirty="0"/>
+              <a:t> </a:t>
+            </a:r>
+            <a:r>
+              <a:rPr lang="en-US" altLang="zh-CN" dirty="0"/>
+              <a:t>rather</a:t>
+            </a:r>
+            <a:r>
+              <a:rPr lang="zh-CN" altLang="en-US" dirty="0"/>
+              <a:t> </a:t>
+            </a:r>
+            <a:r>
+              <a:rPr lang="en-US" altLang="zh-CN" dirty="0"/>
+              <a:t>than</a:t>
+            </a:r>
+            <a:r>
+              <a:rPr lang="zh-CN" altLang="en-US" dirty="0"/>
+              <a:t> </a:t>
+            </a:r>
+            <a:r>
+              <a:rPr lang="en-US" altLang="zh-CN" dirty="0"/>
+              <a:t>derives</a:t>
+            </a:r>
+            <a:r>
+              <a:rPr lang="zh-CN" altLang="en-US" dirty="0"/>
+              <a:t> </a:t>
+            </a:r>
+            <a:r>
+              <a:rPr lang="en-US" altLang="zh-CN" dirty="0"/>
+              <a:t>solutions</a:t>
+            </a:r>
+            <a:r>
+              <a:rPr lang="zh-CN" altLang="en-US" dirty="0"/>
+              <a:t> </a:t>
+            </a:r>
+            <a:r>
+              <a:rPr lang="en-US" altLang="zh-CN" dirty="0"/>
+              <a:t>systematically.</a:t>
+            </a:r>
+          </a:p>
+          <a:p>
+            <a:pPr marL="742950" lvl="1" indent="-285750">
+              <a:buFontTx/>
+              <a:buChar char="-"/>
+            </a:pPr>
+            <a:r>
+              <a:rPr lang="en-US" altLang="zh-CN" dirty="0"/>
+              <a:t>Classical</a:t>
+            </a:r>
+            <a:r>
+              <a:rPr lang="zh-CN" altLang="en-US" dirty="0"/>
+              <a:t> </a:t>
+            </a:r>
+            <a:r>
+              <a:rPr lang="en-US" altLang="zh-CN" dirty="0"/>
+              <a:t>Simulated</a:t>
+            </a:r>
+            <a:r>
+              <a:rPr lang="zh-CN" altLang="en-US" dirty="0"/>
+              <a:t> </a:t>
+            </a:r>
+            <a:r>
+              <a:rPr lang="en-US" altLang="zh-CN" dirty="0"/>
+              <a:t>Annealing</a:t>
+            </a:r>
+            <a:r>
+              <a:rPr lang="zh-CN" altLang="en-US" dirty="0"/>
+              <a:t> </a:t>
+            </a:r>
+            <a:r>
+              <a:rPr lang="en-US" altLang="zh-CN" dirty="0"/>
+              <a:t>Arithmetic,</a:t>
+            </a:r>
+            <a:r>
+              <a:rPr lang="zh-CN" altLang="en-US" dirty="0"/>
+              <a:t> </a:t>
+            </a:r>
+            <a:r>
+              <a:rPr lang="en-US" altLang="zh-CN" dirty="0"/>
+              <a:t>Genetic</a:t>
+            </a:r>
+            <a:r>
+              <a:rPr lang="zh-CN" altLang="en-US" dirty="0"/>
+              <a:t> </a:t>
+            </a:r>
+            <a:r>
+              <a:rPr lang="en-US" altLang="zh-CN" dirty="0"/>
+              <a:t>Algorithms,</a:t>
+            </a:r>
+            <a:r>
+              <a:rPr lang="zh-CN" altLang="en-US" dirty="0"/>
+              <a:t> </a:t>
+            </a:r>
+            <a:r>
+              <a:rPr lang="en-US" altLang="zh-CN" dirty="0"/>
+              <a:t>Colony</a:t>
+            </a:r>
+            <a:r>
+              <a:rPr lang="zh-CN" altLang="en-US" dirty="0"/>
+              <a:t> </a:t>
+            </a:r>
+            <a:r>
+              <a:rPr lang="en-US" altLang="zh-CN" dirty="0"/>
+              <a:t>Algorithms...</a:t>
+            </a:r>
+          </a:p>
+          <a:p>
+            <a:pPr marL="742950" lvl="1" indent="-285750">
+              <a:buFontTx/>
+              <a:buChar char="-"/>
+            </a:pPr>
+            <a:endParaRPr lang="en-US" dirty="0"/>
+          </a:p>
+          <a:p>
+            <a:pPr marL="285750" indent="-285750">
+              <a:buFontTx/>
+              <a:buChar char="-"/>
+            </a:pPr>
+            <a:r>
+              <a:rPr lang="en-US" altLang="zh-CN" dirty="0"/>
+              <a:t>Add-on</a:t>
+            </a:r>
+            <a:r>
+              <a:rPr lang="zh-CN" altLang="en-US" dirty="0"/>
+              <a:t> </a:t>
+            </a:r>
+            <a:r>
+              <a:rPr lang="en-US" altLang="zh-CN" dirty="0"/>
+              <a:t>constrains</a:t>
+            </a:r>
+            <a:r>
+              <a:rPr lang="zh-CN" altLang="en-US" dirty="0"/>
+              <a:t> </a:t>
+            </a:r>
+            <a:r>
+              <a:rPr lang="en-US" altLang="zh-CN" dirty="0"/>
+              <a:t>to</a:t>
+            </a:r>
+            <a:r>
+              <a:rPr lang="zh-CN" altLang="en-US" dirty="0"/>
+              <a:t> </a:t>
+            </a:r>
+            <a:r>
+              <a:rPr lang="en-US" altLang="zh-CN" dirty="0"/>
+              <a:t>search</a:t>
+            </a:r>
+            <a:r>
+              <a:rPr lang="zh-CN" altLang="en-US" dirty="0"/>
+              <a:t> </a:t>
+            </a:r>
+            <a:r>
+              <a:rPr lang="en-US" altLang="zh-CN" dirty="0"/>
+              <a:t>space</a:t>
+            </a:r>
+          </a:p>
+          <a:p>
+            <a:pPr marL="742950" lvl="1" indent="-285750">
+              <a:buFontTx/>
+              <a:buChar char="-"/>
+            </a:pPr>
+            <a:r>
+              <a:rPr lang="en-US" altLang="zh-CN" dirty="0"/>
+              <a:t>Attach</a:t>
+            </a:r>
+            <a:r>
+              <a:rPr lang="zh-CN" altLang="en-US" dirty="0"/>
+              <a:t> </a:t>
+            </a:r>
+            <a:r>
+              <a:rPr lang="en-US" altLang="zh-CN" dirty="0"/>
+              <a:t>some</a:t>
+            </a:r>
+            <a:r>
+              <a:rPr lang="zh-CN" altLang="en-US" dirty="0"/>
+              <a:t> </a:t>
+            </a:r>
+            <a:r>
+              <a:rPr lang="en-US" altLang="zh-CN" dirty="0"/>
+              <a:t>constrains</a:t>
+            </a:r>
+            <a:r>
+              <a:rPr lang="zh-CN" altLang="en-US" dirty="0"/>
+              <a:t> </a:t>
+            </a:r>
+            <a:r>
+              <a:rPr lang="en-US" altLang="zh-CN" dirty="0"/>
+              <a:t>to</a:t>
+            </a:r>
+            <a:r>
+              <a:rPr lang="zh-CN" altLang="en-US" dirty="0"/>
+              <a:t> </a:t>
+            </a:r>
+            <a:r>
+              <a:rPr lang="en-US" altLang="zh-CN" dirty="0"/>
+              <a:t>make</a:t>
+            </a:r>
+            <a:r>
+              <a:rPr lang="zh-CN" altLang="en-US" dirty="0"/>
+              <a:t> </a:t>
+            </a:r>
+            <a:r>
+              <a:rPr lang="en-US" altLang="zh-CN" dirty="0"/>
+              <a:t>the</a:t>
+            </a:r>
+            <a:r>
+              <a:rPr lang="zh-CN" altLang="en-US" dirty="0"/>
+              <a:t> </a:t>
+            </a:r>
+            <a:r>
+              <a:rPr lang="en-US" altLang="zh-CN" dirty="0"/>
+              <a:t>problem</a:t>
+            </a:r>
+            <a:r>
+              <a:rPr lang="zh-CN" altLang="en-US" dirty="0"/>
+              <a:t> </a:t>
+            </a:r>
+            <a:r>
+              <a:rPr lang="en-US" altLang="zh-CN" dirty="0"/>
+              <a:t>differentiable.</a:t>
+            </a:r>
+          </a:p>
+          <a:p>
+            <a:pPr marL="742950" lvl="1" indent="-285750">
+              <a:buFontTx/>
+              <a:buChar char="-"/>
+            </a:pPr>
+            <a:r>
+              <a:rPr lang="en-US" altLang="zh-CN" dirty="0"/>
+              <a:t>Coordinate</a:t>
+            </a:r>
+            <a:r>
+              <a:rPr lang="zh-CN" altLang="en-US" dirty="0"/>
+              <a:t> </a:t>
+            </a:r>
+            <a:r>
+              <a:rPr lang="en-US" altLang="zh-CN" dirty="0"/>
+              <a:t>Descent</a:t>
+            </a:r>
+          </a:p>
+          <a:p>
+            <a:pPr marL="1200150" lvl="2" indent="-285750">
+              <a:buFontTx/>
+              <a:buChar char="-"/>
+            </a:pPr>
+            <a:r>
+              <a:rPr lang="en-US" dirty="0"/>
+              <a:t>In</a:t>
+            </a:r>
+            <a:r>
+              <a:rPr lang="zh-CN" altLang="en-US" dirty="0"/>
+              <a:t> </a:t>
+            </a:r>
+            <a:r>
+              <a:rPr lang="en-US" altLang="zh-CN" dirty="0"/>
+              <a:t>each</a:t>
+            </a:r>
+            <a:r>
+              <a:rPr lang="zh-CN" altLang="en-US" dirty="0"/>
+              <a:t> </a:t>
+            </a:r>
+            <a:r>
+              <a:rPr lang="en-US" altLang="zh-CN" dirty="0"/>
+              <a:t>iteration,</a:t>
+            </a:r>
+            <a:r>
+              <a:rPr lang="zh-CN" altLang="en-US" dirty="0"/>
+              <a:t> </a:t>
+            </a:r>
+            <a:r>
+              <a:rPr lang="en-US" altLang="zh-CN" dirty="0"/>
+              <a:t>the</a:t>
+            </a:r>
+            <a:r>
+              <a:rPr lang="zh-CN" altLang="en-US" dirty="0"/>
+              <a:t> </a:t>
+            </a:r>
+            <a:r>
+              <a:rPr lang="en-US" altLang="zh-CN" dirty="0"/>
+              <a:t>update</a:t>
+            </a:r>
+            <a:r>
+              <a:rPr lang="zh-CN" altLang="en-US" dirty="0"/>
+              <a:t> </a:t>
+            </a:r>
+            <a:r>
+              <a:rPr lang="en-US" altLang="zh-CN" dirty="0"/>
+              <a:t>is</a:t>
+            </a:r>
+            <a:r>
+              <a:rPr lang="zh-CN" altLang="en-US" dirty="0"/>
+              <a:t> </a:t>
+            </a:r>
+            <a:r>
+              <a:rPr lang="en-US" altLang="zh-CN" dirty="0"/>
+              <a:t>only</a:t>
+            </a:r>
+            <a:r>
+              <a:rPr lang="zh-CN" altLang="en-US" dirty="0"/>
+              <a:t> </a:t>
+            </a:r>
+            <a:r>
+              <a:rPr lang="en-US" altLang="zh-CN" dirty="0"/>
+              <a:t>executed</a:t>
+            </a:r>
+            <a:r>
+              <a:rPr lang="zh-CN" altLang="en-US" dirty="0"/>
+              <a:t> </a:t>
+            </a:r>
+            <a:r>
+              <a:rPr lang="en-US" altLang="zh-CN" dirty="0"/>
+              <a:t>along</a:t>
+            </a:r>
+            <a:r>
+              <a:rPr lang="zh-CN" altLang="en-US" dirty="0"/>
+              <a:t> </a:t>
+            </a:r>
+            <a:r>
+              <a:rPr lang="en-US" altLang="zh-CN" dirty="0"/>
+              <a:t>one</a:t>
+            </a:r>
+            <a:r>
+              <a:rPr lang="zh-CN" altLang="en-US" dirty="0"/>
+              <a:t> </a:t>
+            </a:r>
+            <a:r>
+              <a:rPr lang="en-US" altLang="zh-CN" dirty="0"/>
+              <a:t>axis.</a:t>
+            </a:r>
+          </a:p>
+          <a:p>
+            <a:pPr marL="1200150" lvl="2" indent="-285750">
+              <a:buFontTx/>
+              <a:buChar char="-"/>
+            </a:pPr>
+            <a:r>
+              <a:rPr lang="en-US" dirty="0"/>
+              <a:t>﻿</a:t>
+            </a:r>
+            <a:r>
+              <a:rPr lang="en-US" altLang="zh-CN" dirty="0"/>
+              <a:t>H</a:t>
+            </a:r>
+            <a:r>
+              <a:rPr lang="en-US" dirty="0"/>
+              <a:t>as limitations when performing on the non-smooth objective function, which may fall into a non-stationary point.</a:t>
+            </a:r>
+          </a:p>
+          <a:p>
+            <a:pPr marL="1200150" lvl="2" indent="-285750">
+              <a:buFontTx/>
+              <a:buChar char="-"/>
+            </a:pPr>
+            <a:r>
+              <a:rPr lang="en-US" altLang="zh-CN" dirty="0"/>
+              <a:t>Difficulty</a:t>
+            </a:r>
+            <a:r>
+              <a:rPr lang="zh-CN" altLang="en-US" dirty="0"/>
+              <a:t> </a:t>
+            </a:r>
+            <a:r>
+              <a:rPr lang="en-US" altLang="zh-CN" dirty="0"/>
+              <a:t>to</a:t>
+            </a:r>
+            <a:r>
+              <a:rPr lang="zh-CN" altLang="en-US" dirty="0"/>
+              <a:t> </a:t>
+            </a:r>
+            <a:r>
+              <a:rPr lang="en-US" altLang="zh-CN" dirty="0"/>
+              <a:t>parallelism.</a:t>
+            </a:r>
+            <a:endParaRPr lang="en-US" dirty="0"/>
+          </a:p>
+          <a:p>
+            <a:pPr marL="1200150" lvl="2" indent="-285750">
+              <a:buFontTx/>
+              <a:buChar char="-"/>
+            </a:pPr>
+            <a:endParaRPr lang="en-US" dirty="0"/>
+          </a:p>
+        </p:txBody>
+      </p:sp>
+    </p:spTree>
+    <p:extLst>
+      <p:ext uri="{BB962C8B-B14F-4D97-AF65-F5344CB8AC3E}">
+        <p14:creationId xmlns:p14="http://schemas.microsoft.com/office/powerpoint/2010/main" val="3773000786"/>
+      </p:ext>
+    </p:extLst>
+  </p:cSld>
+  <p:clrMapOvr>
+    <a:masterClrMapping/>
+  </p:clrMapOvr>
+  <mc:AlternateContent xmlns:mc="http://schemas.openxmlformats.org/markup-compatibility/2006" xmlns:p15="http://schemas.microsoft.com/office/powerpoint/2012/main">
+    <mc:Choice Requires="p15">
+      <p:transition xmlns:p14="http://schemas.microsoft.com/office/powerpoint/2010/main" spd="slow" p14:dur="2000">
+        <p15:prstTrans prst="drape"/>
+      </p:transition>
+    </mc:Choice>
+    <mc:Fallback xmlns="">
+      <p:transition xmlns:p14="http://schemas.microsoft.com/office/powerpoint/2010/main" spd="slow">
+        <p:fade/>
+      </p:transition>
+    </mc:Fallback>
+  </mc:AlternateContent>
+</p:sld>
+</file>
+
+<file path=ppt/slides/slide11.xml><?xml version="1.0" encoding="utf-8"?>
+<p:sld xmlns:a="http://schemas.openxmlformats.org/drawingml/2006/main" xmlns:r="http://schemas.openxmlformats.org/officeDocument/2006/relationships" xmlns:p="http://schemas.openxmlformats.org/presentationml/2006/main">
+  <p:cSld>
+    <p:spTree>
+      <p:nvGrpSpPr>
+        <p:cNvPr id="1" name=""/>
+        <p:cNvGrpSpPr/>
+        <p:nvPr/>
+      </p:nvGrpSpPr>
+      <p:grpSpPr>
+        <a:xfrm>
+          <a:off x="0" y="0"/>
+          <a:ext cx="0" cy="0"/>
+          <a:chOff x="0" y="0"/>
+          <a:chExt cx="0" cy="0"/>
+        </a:xfrm>
+      </p:grpSpPr>
+      <p:sp>
+        <p:nvSpPr>
+          <p:cNvPr id="2" name="Title 1">
+            <a:extLst>
+              <a:ext uri="{FF2B5EF4-FFF2-40B4-BE49-F238E27FC236}">
+                <a16:creationId xmlns:a16="http://schemas.microsoft.com/office/drawing/2014/main" id="{B23175B0-907F-4455-A4CE-FA99EDF32089}"/>
+              </a:ext>
+            </a:extLst>
+          </p:cNvPr>
+          <p:cNvSpPr>
+            <a:spLocks noGrp="1"/>
+          </p:cNvSpPr>
+          <p:nvPr>
+            <p:ph type="title"/>
+          </p:nvPr>
+        </p:nvSpPr>
+        <p:spPr/>
+        <p:txBody>
+          <a:bodyPr/>
+          <a:lstStyle/>
+          <a:p>
+            <a:r>
+              <a:rPr lang="en-US" dirty="0"/>
+              <a:t>Chart</a:t>
+            </a:r>
+            <a:r>
+              <a:rPr lang="zh-CN" altLang="en-US" dirty="0"/>
+              <a:t> </a:t>
+            </a:r>
+            <a:r>
+              <a:rPr lang="en-US" altLang="zh-CN" dirty="0"/>
+              <a:t>Explanation</a:t>
+            </a:r>
+            <a:endParaRPr lang="en-US" dirty="0"/>
+          </a:p>
+        </p:txBody>
+      </p:sp>
+      <p:pic>
+        <p:nvPicPr>
+          <p:cNvPr id="1026" name="Picture 2">
+            <a:extLst>
+              <a:ext uri="{FF2B5EF4-FFF2-40B4-BE49-F238E27FC236}">
+                <a16:creationId xmlns:a16="http://schemas.microsoft.com/office/drawing/2014/main" id="{CE2773B1-CDB5-2240-BCC3-19C8B03B63B9}"/>
+              </a:ext>
+            </a:extLst>
+          </p:cNvPr>
+          <p:cNvPicPr>
+            <a:picLocks noGrp="1" noChangeAspect="1" noChangeArrowheads="1"/>
+          </p:cNvPicPr>
+          <p:nvPr>
+            <p:ph sz="quarter" idx="10"/>
+          </p:nvPr>
+        </p:nvPicPr>
+        <p:blipFill>
+          <a:blip r:embed="rId3">
+            <a:extLst>
+              <a:ext uri="{28A0092B-C50C-407E-A947-70E740481C1C}">
+                <a14:useLocalDpi xmlns:a14="http://schemas.microsoft.com/office/drawing/2010/main" val="0"/>
+              </a:ext>
+            </a:extLst>
+          </a:blip>
+          <a:srcRect/>
+          <a:stretch>
+            <a:fillRect/>
+          </a:stretch>
+        </p:blipFill>
+        <p:spPr bwMode="auto">
+          <a:xfrm>
+            <a:off x="521207" y="1320140"/>
+            <a:ext cx="5240977" cy="5240977"/>
+          </a:xfrm>
+          <a:prstGeom prst="rect">
+            <a:avLst/>
+          </a:prstGeom>
+          <a:noFill/>
+          <a:extLst>
+            <a:ext uri="{909E8E84-426E-40DD-AFC4-6F175D3DCCD1}">
+              <a14:hiddenFill xmlns:a14="http://schemas.microsoft.com/office/drawing/2010/main">
+                <a:solidFill>
+                  <a:srgbClr val="FFFFFF"/>
+                </a:solidFill>
+              </a14:hiddenFill>
+            </a:ext>
+          </a:extLst>
+        </p:spPr>
+      </p:pic>
+      <p:pic>
+        <p:nvPicPr>
+          <p:cNvPr id="1028" name="Picture 4">
+            <a:extLst>
+              <a:ext uri="{FF2B5EF4-FFF2-40B4-BE49-F238E27FC236}">
+                <a16:creationId xmlns:a16="http://schemas.microsoft.com/office/drawing/2014/main" id="{A74182C4-A1F2-514B-829E-42D0C131E0DE}"/>
+              </a:ext>
+            </a:extLst>
+          </p:cNvPr>
+          <p:cNvPicPr>
+            <a:picLocks noChangeAspect="1" noChangeArrowheads="1"/>
+          </p:cNvPicPr>
+          <p:nvPr/>
+        </p:nvPicPr>
+        <p:blipFill>
+          <a:blip r:embed="rId4">
+            <a:extLst>
+              <a:ext uri="{28A0092B-C50C-407E-A947-70E740481C1C}">
+                <a14:useLocalDpi xmlns:a14="http://schemas.microsoft.com/office/drawing/2010/main" val="0"/>
+              </a:ext>
+            </a:extLst>
+          </a:blip>
+          <a:srcRect/>
+          <a:stretch>
+            <a:fillRect/>
+          </a:stretch>
+        </p:blipFill>
+        <p:spPr bwMode="auto">
+          <a:xfrm>
+            <a:off x="6096001" y="1320141"/>
+            <a:ext cx="5240978" cy="5240978"/>
+          </a:xfrm>
+          <a:prstGeom prst="rect">
+            <a:avLst/>
+          </a:prstGeom>
+          <a:noFill/>
+          <a:extLst>
+            <a:ext uri="{909E8E84-426E-40DD-AFC4-6F175D3DCCD1}">
+              <a14:hiddenFill xmlns:a14="http://schemas.microsoft.com/office/drawing/2010/main">
+                <a:solidFill>
+                  <a:srgbClr val="FFFFFF"/>
+                </a:solidFill>
+              </a14:hiddenFill>
+            </a:ext>
+          </a:extLst>
+        </p:spPr>
+      </p:pic>
+      <p:sp>
+        <p:nvSpPr>
+          <p:cNvPr id="6" name="Title 1">
+            <a:extLst>
+              <a:ext uri="{FF2B5EF4-FFF2-40B4-BE49-F238E27FC236}">
+                <a16:creationId xmlns:a16="http://schemas.microsoft.com/office/drawing/2014/main" id="{C4C6AEF9-8048-6C4D-B589-C7A3F1166B07}"/>
+              </a:ext>
+            </a:extLst>
+          </p:cNvPr>
+          <p:cNvSpPr txBox="1">
+            <a:spLocks/>
+          </p:cNvSpPr>
+          <p:nvPr/>
+        </p:nvSpPr>
+        <p:spPr>
+          <a:xfrm>
+            <a:off x="2580921" y="6217920"/>
+            <a:ext cx="2043863" cy="640080"/>
+          </a:xfrm>
+          <a:prstGeom prst="rect">
+            <a:avLst/>
+          </a:prstGeom>
+        </p:spPr>
+        <p:txBody>
+          <a:bodyPr vert="horz" lIns="91440" tIns="45720" rIns="91440" bIns="45720" rtlCol="0" anchor="b" anchorCtr="0">
+            <a:normAutofit/>
+          </a:bodyPr>
+          <a:lstStyle>
+            <a:lvl1pPr algn="l" defTabSz="914400" rtl="0" eaLnBrk="1" latinLnBrk="0" hangingPunct="1">
+              <a:lnSpc>
+                <a:spcPct val="90000"/>
+              </a:lnSpc>
+              <a:spcBef>
+                <a:spcPct val="0"/>
+              </a:spcBef>
+              <a:buNone/>
+              <a:defRPr sz="2800" kern="1200">
+                <a:solidFill>
+                  <a:schemeClr val="bg2">
+                    <a:lumMod val="25000"/>
+                  </a:schemeClr>
+                </a:solidFill>
+                <a:latin typeface="+mj-lt"/>
+                <a:ea typeface="+mj-ea"/>
+                <a:cs typeface="+mj-cs"/>
+              </a:defRPr>
+            </a:lvl1pPr>
+          </a:lstStyle>
+          <a:p>
+            <a:r>
+              <a:rPr lang="en-US" altLang="zh-CN" dirty="0"/>
+              <a:t>fig.1</a:t>
+            </a:r>
+            <a:endParaRPr lang="en-US" dirty="0"/>
+          </a:p>
+        </p:txBody>
+      </p:sp>
+      <p:sp>
+        <p:nvSpPr>
+          <p:cNvPr id="7" name="Title 1">
+            <a:extLst>
+              <a:ext uri="{FF2B5EF4-FFF2-40B4-BE49-F238E27FC236}">
+                <a16:creationId xmlns:a16="http://schemas.microsoft.com/office/drawing/2014/main" id="{55CE30B7-AB42-3E4B-90BE-E93C84450C29}"/>
+              </a:ext>
+            </a:extLst>
+          </p:cNvPr>
+          <p:cNvSpPr txBox="1">
+            <a:spLocks/>
+          </p:cNvSpPr>
+          <p:nvPr/>
+        </p:nvSpPr>
+        <p:spPr>
+          <a:xfrm>
+            <a:off x="8397851" y="6153044"/>
+            <a:ext cx="2043863" cy="640080"/>
+          </a:xfrm>
+          <a:prstGeom prst="rect">
+            <a:avLst/>
+          </a:prstGeom>
+        </p:spPr>
+        <p:txBody>
+          <a:bodyPr vert="horz" lIns="91440" tIns="45720" rIns="91440" bIns="45720" rtlCol="0" anchor="b" anchorCtr="0">
+            <a:normAutofit/>
+          </a:bodyPr>
+          <a:lstStyle>
+            <a:lvl1pPr algn="l" defTabSz="914400" rtl="0" eaLnBrk="1" latinLnBrk="0" hangingPunct="1">
+              <a:lnSpc>
+                <a:spcPct val="90000"/>
+              </a:lnSpc>
+              <a:spcBef>
+                <a:spcPct val="0"/>
+              </a:spcBef>
+              <a:buNone/>
+              <a:defRPr sz="2800" kern="1200">
+                <a:solidFill>
+                  <a:schemeClr val="bg2">
+                    <a:lumMod val="25000"/>
+                  </a:schemeClr>
+                </a:solidFill>
+                <a:latin typeface="+mj-lt"/>
+                <a:ea typeface="+mj-ea"/>
+                <a:cs typeface="+mj-cs"/>
+              </a:defRPr>
+            </a:lvl1pPr>
+          </a:lstStyle>
+          <a:p>
+            <a:r>
+              <a:rPr lang="en-US" altLang="zh-CN" dirty="0"/>
+              <a:t>fig.2</a:t>
+            </a:r>
+            <a:endParaRPr lang="en-US" dirty="0"/>
+          </a:p>
+        </p:txBody>
+      </p:sp>
+    </p:spTree>
+    <p:extLst>
+      <p:ext uri="{BB962C8B-B14F-4D97-AF65-F5344CB8AC3E}">
+        <p14:creationId xmlns:p14="http://schemas.microsoft.com/office/powerpoint/2010/main" val="2943392861"/>
+      </p:ext>
+    </p:extLst>
+  </p:cSld>
+  <p:clrMapOvr>
+    <a:masterClrMapping/>
+  </p:clrMapOvr>
+</p:sld>
+</file>
+
+<file path=ppt/slides/slide12.xml><?xml version="1.0" encoding="utf-8"?>
+<p:sld xmlns:a="http://schemas.openxmlformats.org/drawingml/2006/main" xmlns:r="http://schemas.openxmlformats.org/officeDocument/2006/relationships" xmlns:p="http://schemas.openxmlformats.org/presentationml/2006/main">
+  <p:cSld>
+    <p:spTree>
+      <p:nvGrpSpPr>
+        <p:cNvPr id="1" name=""/>
+        <p:cNvGrpSpPr/>
+        <p:nvPr/>
+      </p:nvGrpSpPr>
+      <p:grpSpPr>
+        <a:xfrm>
+          <a:off x="0" y="0"/>
+          <a:ext cx="0" cy="0"/>
+          <a:chOff x="0" y="0"/>
+          <a:chExt cx="0" cy="0"/>
+        </a:xfrm>
+      </p:grpSpPr>
+      <p:sp>
+        <p:nvSpPr>
+          <p:cNvPr id="4" name="Title 3">
+            <a:extLst>
+              <a:ext uri="{FF2B5EF4-FFF2-40B4-BE49-F238E27FC236}">
+                <a16:creationId xmlns:a16="http://schemas.microsoft.com/office/drawing/2014/main" id="{37F5FAC2-534F-474C-A411-EDF6BBF61800}"/>
+              </a:ext>
+            </a:extLst>
+          </p:cNvPr>
+          <p:cNvSpPr>
+            <a:spLocks noGrp="1"/>
+          </p:cNvSpPr>
+          <p:nvPr>
+            <p:ph type="title"/>
+          </p:nvPr>
+        </p:nvSpPr>
+        <p:spPr/>
+        <p:txBody>
+          <a:bodyPr/>
+          <a:lstStyle/>
+          <a:p>
+            <a:r>
+              <a:rPr lang="en-US" dirty="0"/>
+              <a:t>Reference</a:t>
+            </a:r>
+          </a:p>
+        </p:txBody>
+      </p:sp>
+      <p:sp>
+        <p:nvSpPr>
+          <p:cNvPr id="6" name="TextBox 5">
+            <a:extLst>
+              <a:ext uri="{FF2B5EF4-FFF2-40B4-BE49-F238E27FC236}">
+                <a16:creationId xmlns:a16="http://schemas.microsoft.com/office/drawing/2014/main" id="{6F29E54A-CA22-4242-947A-7AE254C5538C}"/>
+              </a:ext>
+            </a:extLst>
+          </p:cNvPr>
+          <p:cNvSpPr txBox="1"/>
+          <p:nvPr/>
+        </p:nvSpPr>
+        <p:spPr>
+          <a:xfrm>
+            <a:off x="763480" y="2521258"/>
+            <a:ext cx="10413506" cy="1477328"/>
+          </a:xfrm>
+          <a:prstGeom prst="rect">
+            <a:avLst/>
+          </a:prstGeom>
+          <a:noFill/>
+        </p:spPr>
+        <p:txBody>
+          <a:bodyPr wrap="square" rtlCol="0">
+            <a:spAutoFit/>
+          </a:bodyPr>
+          <a:lstStyle/>
+          <a:p>
+            <a:r>
+              <a:rPr lang="en-US" dirty="0"/>
+              <a:t>Sun, S., Cao, Z., Zhu, H., &amp; Zhao, J. (2019). A Survey of Optimization Methods from a Machine Learning Perspective. </a:t>
+            </a:r>
+            <a:r>
+              <a:rPr lang="en-US" i="1" dirty="0"/>
+              <a:t>IEEE transactions on cybernetics</a:t>
+            </a:r>
+            <a:r>
+              <a:rPr lang="en-US" dirty="0"/>
+              <a:t>.</a:t>
+            </a:r>
+          </a:p>
+          <a:p>
+            <a:endParaRPr lang="en-US" dirty="0"/>
+          </a:p>
+          <a:p>
+            <a:r>
+              <a:rPr lang="en-US" dirty="0" err="1"/>
+              <a:t>Kingma</a:t>
+            </a:r>
+            <a:r>
+              <a:rPr lang="en-US" dirty="0"/>
+              <a:t>, D. P., &amp; Ba, J. A. (2019). A method for stochastic optimization. </a:t>
+            </a:r>
+            <a:r>
+              <a:rPr lang="en-US" dirty="0" err="1"/>
+              <a:t>arXiv</a:t>
+            </a:r>
+            <a:r>
+              <a:rPr lang="en-US" dirty="0"/>
+              <a:t> 2014. </a:t>
+            </a:r>
+            <a:r>
+              <a:rPr lang="en-US" i="1" dirty="0" err="1"/>
+              <a:t>arXiv</a:t>
+            </a:r>
+            <a:r>
+              <a:rPr lang="en-US" i="1" dirty="0"/>
+              <a:t> preprint arXiv:1412.6980</a:t>
+            </a:r>
+            <a:r>
+              <a:rPr lang="en-US" dirty="0"/>
+              <a:t>.</a:t>
+            </a:r>
+          </a:p>
+        </p:txBody>
+      </p:sp>
+      <p:sp>
+        <p:nvSpPr>
+          <p:cNvPr id="13" name="TextBox 12">
+            <a:extLst>
+              <a:ext uri="{FF2B5EF4-FFF2-40B4-BE49-F238E27FC236}">
+                <a16:creationId xmlns:a16="http://schemas.microsoft.com/office/drawing/2014/main" id="{C690F26E-364C-4A4C-94B4-03BA2650BF69}"/>
+              </a:ext>
+            </a:extLst>
+          </p:cNvPr>
+          <p:cNvSpPr txBox="1"/>
+          <p:nvPr/>
+        </p:nvSpPr>
+        <p:spPr>
+          <a:xfrm>
+            <a:off x="763480" y="4711683"/>
+            <a:ext cx="10306974" cy="369332"/>
+          </a:xfrm>
+          <a:prstGeom prst="rect">
+            <a:avLst/>
+          </a:prstGeom>
+          <a:noFill/>
+        </p:spPr>
+        <p:txBody>
+          <a:bodyPr wrap="square" rtlCol="0">
+            <a:spAutoFit/>
+          </a:bodyPr>
+          <a:lstStyle/>
+          <a:p>
+            <a:r>
+              <a:rPr lang="en-US" dirty="0" err="1"/>
+              <a:t>Duda</a:t>
+            </a:r>
+            <a:r>
+              <a:rPr lang="en-US" dirty="0"/>
+              <a:t>, R. O., Hart, P. E., &amp; Stork, D. G. (2012). </a:t>
+            </a:r>
+            <a:r>
+              <a:rPr lang="en-US" i="1" dirty="0"/>
+              <a:t>Pattern classification</a:t>
+            </a:r>
+            <a:r>
+              <a:rPr lang="en-US" dirty="0"/>
+              <a:t>. John Wiley &amp; Sons.</a:t>
+            </a:r>
+          </a:p>
+        </p:txBody>
+      </p:sp>
+    </p:spTree>
+    <p:extLst>
+      <p:ext uri="{BB962C8B-B14F-4D97-AF65-F5344CB8AC3E}">
+        <p14:creationId xmlns:p14="http://schemas.microsoft.com/office/powerpoint/2010/main" val="893025881"/>
+      </p:ext>
+    </p:extLst>
+  </p:cSld>
+  <p:clrMapOvr>
+    <a:masterClrMapping/>
+  </p:clrMapOvr>
+  <mc:AlternateContent xmlns:mc="http://schemas.openxmlformats.org/markup-compatibility/2006" xmlns:p15="http://schemas.microsoft.com/office/powerpoint/2012/main">
+    <mc:Choice Requires="p15">
+      <p:transition xmlns:p14="http://schemas.microsoft.com/office/powerpoint/2010/main" spd="slow" p14:dur="2000">
+        <p15:prstTrans prst="drape"/>
+      </p:transition>
+    </mc:Choice>
+    <mc:Fallback xmlns="">
+      <p:transition xmlns:p14="http://schemas.microsoft.com/office/powerpoint/2010/main" spd="slow">
+        <p:fade/>
+      </p:transition>
+    </mc:Fallback>
+  </mc:AlternateContent>
 </p:sld>
 </file>
 
@@ -3064,7 +8057,7 @@
         <p:spPr>
           <a:xfrm>
             <a:off x="521208" y="2716567"/>
-            <a:ext cx="11277215" cy="2308324"/>
+            <a:ext cx="11277215" cy="1754326"/>
           </a:xfrm>
           <a:prstGeom prst="rect">
             <a:avLst/>
@@ -3093,58 +8086,28 @@
             </a:r>
           </a:p>
           <a:p>
-            <a:pPr marL="742950" lvl="1" indent="-285750">
-              <a:buFontTx/>
-              <a:buChar char="-"/>
-            </a:pPr>
-            <a:r>
-              <a:rPr lang="en-US" dirty="0"/>
-              <a:t>Batch Gradient Descent</a:t>
-            </a:r>
-          </a:p>
-          <a:p>
-            <a:pPr marL="742950" lvl="1" indent="-285750">
-              <a:buFontTx/>
-              <a:buChar char="-"/>
-            </a:pPr>
-            <a:r>
-              <a:rPr lang="en-US" dirty="0"/>
-              <a:t>Stochastic Gradient Descent</a:t>
-            </a:r>
-          </a:p>
-          <a:p>
             <a:pPr marL="285750" indent="-285750">
               <a:buFontTx/>
               <a:buChar char="-"/>
             </a:pPr>
-            <a:r>
-              <a:rPr lang="en-US" dirty="0"/>
-              <a:t>Higher-order Methods</a:t>
-            </a:r>
-          </a:p>
-          <a:p>
-            <a:pPr marL="742950" lvl="1" indent="-285750">
+            <a:endParaRPr lang="en-US" dirty="0"/>
+          </a:p>
+          <a:p>
+            <a:pPr marL="285750" indent="-285750">
               <a:buFontTx/>
               <a:buChar char="-"/>
             </a:pPr>
             <a:r>
               <a:rPr lang="en-US" dirty="0"/>
-              <a:t>Newton’s method</a:t>
-            </a:r>
-          </a:p>
-          <a:p>
-            <a:pPr marL="742950" lvl="1" indent="-285750">
+              <a:t>Higher-order Methods</a:t>
+            </a:r>
+          </a:p>
+          <a:p>
+            <a:pPr marL="285750" indent="-285750">
               <a:buFontTx/>
               <a:buChar char="-"/>
             </a:pPr>
-            <a:r>
-              <a:rPr lang="en-US" dirty="0" err="1"/>
-              <a:t>Quickprop</a:t>
-            </a:r>
-            <a:r>
-              <a:rPr lang="en-US" dirty="0"/>
-              <a:t> Algorithm, Conjugate Gradient Descent</a:t>
-            </a:r>
+            <a:endParaRPr lang="en-US" dirty="0"/>
           </a:p>
           <a:p>
             <a:pPr marL="285750" indent="-285750">
@@ -3243,7 +8206,7 @@
         <p:spPr>
           <a:xfrm>
             <a:off x="521208" y="2716567"/>
-            <a:ext cx="11277215" cy="369332"/>
+            <a:ext cx="11277215" cy="1477328"/>
           </a:xfrm>
           <a:prstGeom prst="rect">
             <a:avLst/>
@@ -3256,6 +8219,186 @@
           </a:bodyPr>
           <a:lstStyle/>
           <a:p>
+            <a:pPr marL="285750" indent="-285750">
+              <a:buFontTx/>
+              <a:buChar char="-"/>
+            </a:pPr>
+            <a:r>
+              <a:rPr lang="en-US" altLang="zh-CN" dirty="0"/>
+              <a:t>Insufficient</a:t>
+            </a:r>
+            <a:r>
+              <a:rPr lang="zh-CN" altLang="en-US" dirty="0"/>
+              <a:t> </a:t>
+            </a:r>
+            <a:r>
+              <a:rPr lang="en-US" altLang="zh-CN" dirty="0"/>
+              <a:t>Data</a:t>
+            </a:r>
+          </a:p>
+          <a:p>
+            <a:pPr marL="742950" lvl="1" indent="-285750">
+              <a:buFontTx/>
+              <a:buChar char="-"/>
+            </a:pPr>
+            <a:r>
+              <a:rPr lang="en-US" altLang="zh-CN" dirty="0"/>
+              <a:t>High</a:t>
+            </a:r>
+            <a:r>
+              <a:rPr lang="zh-CN" altLang="en-US" dirty="0"/>
+              <a:t> </a:t>
+            </a:r>
+            <a:r>
+              <a:rPr lang="en-US" altLang="zh-CN" dirty="0"/>
+              <a:t>variance</a:t>
+            </a:r>
+            <a:r>
+              <a:rPr lang="zh-CN" altLang="en-US" dirty="0"/>
+              <a:t> </a:t>
+            </a:r>
+            <a:r>
+              <a:rPr lang="en-US" altLang="zh-CN" dirty="0"/>
+              <a:t>and</a:t>
+            </a:r>
+            <a:r>
+              <a:rPr lang="zh-CN" altLang="en-US" dirty="0"/>
+              <a:t> </a:t>
+            </a:r>
+            <a:r>
+              <a:rPr lang="en-US" altLang="zh-CN" dirty="0"/>
+              <a:t>overfitting</a:t>
+            </a:r>
+          </a:p>
+          <a:p>
+            <a:pPr marL="285750" indent="-285750">
+              <a:buFontTx/>
+              <a:buChar char="-"/>
+            </a:pPr>
+            <a:r>
+              <a:rPr lang="en-US" altLang="zh-CN" dirty="0"/>
+              <a:t>Nonconvex</a:t>
+            </a:r>
+            <a:r>
+              <a:rPr lang="zh-CN" altLang="en-US" dirty="0"/>
+              <a:t> </a:t>
+            </a:r>
+            <a:r>
+              <a:rPr lang="en-US" altLang="zh-CN" dirty="0"/>
+              <a:t>Optimization</a:t>
+            </a:r>
+          </a:p>
+          <a:p>
+            <a:pPr marL="285750" indent="-285750">
+              <a:buFontTx/>
+              <a:buChar char="-"/>
+            </a:pPr>
+            <a:r>
+              <a:rPr lang="en-US" altLang="zh-CN" dirty="0"/>
+              <a:t>Deviation</a:t>
+            </a:r>
+            <a:r>
+              <a:rPr lang="zh-CN" altLang="en-US" dirty="0"/>
+              <a:t> </a:t>
+            </a:r>
+            <a:r>
+              <a:rPr lang="en-US" altLang="zh-CN" dirty="0"/>
+              <a:t>caused</a:t>
+            </a:r>
+            <a:r>
+              <a:rPr lang="zh-CN" altLang="en-US" dirty="0"/>
+              <a:t> </a:t>
+            </a:r>
+            <a:r>
+              <a:rPr lang="en-US" altLang="zh-CN" dirty="0"/>
+              <a:t>by</a:t>
+            </a:r>
+            <a:r>
+              <a:rPr lang="zh-CN" altLang="en-US" dirty="0"/>
+              <a:t> </a:t>
+            </a:r>
+            <a:r>
+              <a:rPr lang="en-US" altLang="zh-CN" dirty="0"/>
+              <a:t>batch-based</a:t>
+            </a:r>
+            <a:r>
+              <a:rPr lang="zh-CN" altLang="en-US" dirty="0"/>
+              <a:t> </a:t>
+            </a:r>
+            <a:r>
+              <a:rPr lang="en-US" altLang="zh-CN" dirty="0"/>
+              <a:t>method</a:t>
+            </a:r>
+          </a:p>
+          <a:p>
+            <a:pPr marL="285750" indent="-285750">
+              <a:buFontTx/>
+              <a:buChar char="-"/>
+            </a:pPr>
+            <a:r>
+              <a:rPr lang="en-US" altLang="zh-CN" dirty="0"/>
+              <a:t>How</a:t>
+            </a:r>
+            <a:r>
+              <a:rPr lang="zh-CN" altLang="en-US" dirty="0"/>
+              <a:t> </a:t>
+            </a:r>
+            <a:r>
+              <a:rPr lang="en-US" altLang="zh-CN" dirty="0"/>
+              <a:t>to</a:t>
+            </a:r>
+            <a:r>
+              <a:rPr lang="zh-CN" altLang="en-US" dirty="0"/>
+              <a:t> </a:t>
+            </a:r>
+            <a:r>
+              <a:rPr lang="en-US" altLang="zh-CN" dirty="0"/>
+              <a:t>improve</a:t>
+            </a:r>
+            <a:r>
+              <a:rPr lang="zh-CN" altLang="en-US" dirty="0"/>
+              <a:t> </a:t>
+            </a:r>
+            <a:r>
+              <a:rPr lang="en-US" altLang="zh-CN" dirty="0"/>
+              <a:t>the</a:t>
+            </a:r>
+            <a:r>
+              <a:rPr lang="zh-CN" altLang="en-US" dirty="0"/>
+              <a:t> </a:t>
+            </a:r>
+            <a:r>
+              <a:rPr lang="en-US" altLang="zh-CN" dirty="0"/>
+              <a:t>performance</a:t>
+            </a:r>
+            <a:r>
+              <a:rPr lang="zh-CN" altLang="en-US" dirty="0"/>
+              <a:t> </a:t>
+            </a:r>
+            <a:r>
+              <a:rPr lang="en-US" altLang="zh-CN" dirty="0"/>
+              <a:t>of</a:t>
+            </a:r>
+            <a:r>
+              <a:rPr lang="zh-CN" altLang="en-US" dirty="0"/>
+              <a:t> </a:t>
+            </a:r>
+            <a:r>
+              <a:rPr lang="en-US" altLang="zh-CN" dirty="0"/>
+              <a:t>higher-order</a:t>
+            </a:r>
+            <a:r>
+              <a:rPr lang="zh-CN" altLang="en-US" dirty="0"/>
+              <a:t> </a:t>
+            </a:r>
+            <a:r>
+              <a:rPr lang="en-US" altLang="zh-CN" dirty="0"/>
+              <a:t>methods</a:t>
+            </a:r>
+            <a:r>
+              <a:rPr lang="zh-CN" altLang="en-US" dirty="0"/>
+              <a:t> </a:t>
+            </a:r>
             <a:endParaRPr lang="en-US" dirty="0"/>
           </a:p>
         </p:txBody>
@@ -3304,10 +8447,10 @@
       </p:grpSpPr>
       <p:sp>
         <p:nvSpPr>
-          <p:cNvPr id="2" name="Title 1">
+          <p:cNvPr id="4" name="Title 3">
             <a:extLst>
               <a:ext uri="{FF2B5EF4-FFF2-40B4-BE49-F238E27FC236}">
-                <a16:creationId xmlns:a16="http://schemas.microsoft.com/office/drawing/2014/main" id="{28E77A33-13E3-4778-AFD2-7DEED31A32A9}"/>
+                <a16:creationId xmlns:a16="http://schemas.microsoft.com/office/drawing/2014/main" id="{37F5FAC2-534F-474C-A411-EDF6BBF61800}"/>
               </a:ext>
             </a:extLst>
           </p:cNvPr>
@@ -3320,51 +8463,641 @@
         </p:nvSpPr>
         <p:spPr/>
         <p:txBody>
-          <a:bodyPr/>
+          <a:bodyPr>
+            <a:normAutofit/>
+          </a:bodyPr>
           <a:lstStyle/>
           <a:p>
             <a:r>
-              <a:rPr lang="en-US" dirty="0"/>
-              <a:t>Problems</a:t>
-            </a:r>
-          </a:p>
-        </p:txBody>
-      </p:sp>
-      <p:sp>
-        <p:nvSpPr>
-          <p:cNvPr id="3" name="Content Placeholder 2">
-            <a:extLst>
-              <a:ext uri="{FF2B5EF4-FFF2-40B4-BE49-F238E27FC236}">
-                <a16:creationId xmlns:a16="http://schemas.microsoft.com/office/drawing/2014/main" id="{37FABA98-7052-47DA-A2D0-D7F59733230C}"/>
-              </a:ext>
-            </a:extLst>
-          </p:cNvPr>
-          <p:cNvSpPr>
-            <a:spLocks noGrp="1"/>
-          </p:cNvSpPr>
-          <p:nvPr>
-            <p:ph sz="quarter" idx="10"/>
-          </p:nvPr>
-        </p:nvSpPr>
-        <p:spPr/>
-        <p:txBody>
-          <a:bodyPr/>
-          <a:lstStyle/>
-          <a:p>
-            <a:endParaRPr lang="en-US" dirty="0"/>
-          </a:p>
-        </p:txBody>
-      </p:sp>
+              <a:rPr lang="en-US" altLang="zh-CN" b="1" dirty="0"/>
+              <a:t>First-order</a:t>
+            </a:r>
+            <a:r>
+              <a:rPr lang="zh-CN" altLang="en-US" b="1" dirty="0"/>
+              <a:t> </a:t>
+            </a:r>
+            <a:r>
+              <a:rPr lang="en-US" altLang="zh-CN" b="1" dirty="0"/>
+              <a:t>methods:</a:t>
+            </a:r>
+            <a:endParaRPr lang="en-US" b="1" dirty="0"/>
+          </a:p>
+        </p:txBody>
+      </p:sp>
+      <mc:AlternateContent xmlns:mc="http://schemas.openxmlformats.org/markup-compatibility/2006">
+        <mc:Choice xmlns:a14="http://schemas.microsoft.com/office/drawing/2010/main" Requires="a14">
+          <p:sp>
+            <p:nvSpPr>
+              <p:cNvPr id="2" name="TextBox 1">
+                <a:extLst>
+                  <a:ext uri="{FF2B5EF4-FFF2-40B4-BE49-F238E27FC236}">
+                    <a16:creationId xmlns:a16="http://schemas.microsoft.com/office/drawing/2014/main" id="{9B3E72DB-2AF9-476D-8E24-F78166BE6861}"/>
+                  </a:ext>
+                </a:extLst>
+              </p:cNvPr>
+              <p:cNvSpPr txBox="1"/>
+              <p:nvPr/>
+            </p:nvSpPr>
+            <p:spPr>
+              <a:xfrm>
+                <a:off x="521208" y="2508222"/>
+                <a:ext cx="11277215" cy="4247317"/>
+              </a:xfrm>
+              <a:prstGeom prst="rect">
+                <a:avLst/>
+              </a:prstGeom>
+              <a:noFill/>
+            </p:spPr>
+            <p:txBody>
+              <a:bodyPr wrap="square" rtlCol="0">
+                <a:spAutoFit/>
+              </a:bodyPr>
+              <a:lstStyle/>
+              <a:p>
+                <a:pPr marL="285750" indent="-285750">
+                  <a:buFontTx/>
+                  <a:buChar char="-"/>
+                </a:pPr>
+                <a14:m>
+                  <m:oMath xmlns:m="http://schemas.openxmlformats.org/officeDocument/2006/math">
+                    <m:r>
+                      <m:rPr>
+                        <m:sty m:val="p"/>
+                      </m:rPr>
+                      <a:rPr lang="el-GR" altLang="zh-CN" b="1" i="1" smtClean="0">
+                        <a:latin typeface="Cambria Math" panose="02040503050406030204" pitchFamily="18" charset="0"/>
+                        <a:ea typeface="Cambria Math" panose="02040503050406030204" pitchFamily="18" charset="0"/>
+                      </a:rPr>
+                      <m:t>Ο</m:t>
+                    </m:r>
+                    <m:d>
+                      <m:dPr>
+                        <m:ctrlPr>
+                          <a:rPr lang="en-US" altLang="zh-CN" b="1" i="1" smtClean="0">
+                            <a:latin typeface="Cambria Math" panose="02040503050406030204" pitchFamily="18" charset="0"/>
+                            <a:ea typeface="Cambria Math" panose="02040503050406030204" pitchFamily="18" charset="0"/>
+                          </a:rPr>
+                        </m:ctrlPr>
+                      </m:dPr>
+                      <m:e>
+                        <m:r>
+                          <a:rPr lang="en-US" altLang="zh-CN" b="1" i="1" smtClean="0">
+                            <a:latin typeface="Cambria Math" panose="02040503050406030204" pitchFamily="18" charset="0"/>
+                            <a:ea typeface="Cambria Math" panose="02040503050406030204" pitchFamily="18" charset="0"/>
+                          </a:rPr>
+                          <m:t>𝒏</m:t>
+                        </m:r>
+                      </m:e>
+                    </m:d>
+                  </m:oMath>
+                </a14:m>
+                <a:r>
+                  <a:rPr lang="en-US" altLang="zh-CN" dirty="0"/>
+                  <a:t>complexity</a:t>
+                </a:r>
+                <a:r>
+                  <a:rPr lang="zh-CN" altLang="en-US" dirty="0"/>
+                  <a:t> </a:t>
+                </a:r>
+                <a:r>
+                  <a:rPr lang="en-US" altLang="zh-CN" dirty="0"/>
+                  <a:t>make</a:t>
+                </a:r>
+                <a:r>
+                  <a:rPr lang="zh-CN" altLang="en-US" dirty="0"/>
+                  <a:t> </a:t>
+                </a:r>
+                <a:r>
+                  <a:rPr lang="en-US" altLang="zh-CN" dirty="0"/>
+                  <a:t>them</a:t>
+                </a:r>
+                <a:r>
+                  <a:rPr lang="zh-CN" altLang="en-US" dirty="0"/>
+                  <a:t> </a:t>
+                </a:r>
+                <a:r>
+                  <a:rPr lang="en-US" altLang="zh-CN" dirty="0"/>
+                  <a:t>very</a:t>
+                </a:r>
+                <a:r>
+                  <a:rPr lang="zh-CN" altLang="en-US" dirty="0"/>
+                  <a:t> </a:t>
+                </a:r>
+                <a:r>
+                  <a:rPr lang="en-US" altLang="zh-CN" dirty="0"/>
+                  <a:t>suitable</a:t>
+                </a:r>
+                <a:r>
+                  <a:rPr lang="zh-CN" altLang="en-US" dirty="0"/>
+                  <a:t> </a:t>
+                </a:r>
+                <a:r>
+                  <a:rPr lang="en-US" altLang="zh-CN" dirty="0"/>
+                  <a:t>for</a:t>
+                </a:r>
+                <a:r>
+                  <a:rPr lang="zh-CN" altLang="en-US" dirty="0"/>
+                  <a:t> </a:t>
+                </a:r>
+                <a:r>
+                  <a:rPr lang="en-US" altLang="zh-CN" dirty="0"/>
+                  <a:t>large-scale</a:t>
+                </a:r>
+                <a:r>
+                  <a:rPr lang="zh-CN" altLang="en-US" dirty="0"/>
+                  <a:t> </a:t>
+                </a:r>
+                <a:r>
+                  <a:rPr lang="en-US" altLang="zh-CN" dirty="0"/>
+                  <a:t>machine</a:t>
+                </a:r>
+                <a:r>
+                  <a:rPr lang="zh-CN" altLang="en-US" dirty="0"/>
+                  <a:t> </a:t>
+                </a:r>
+                <a:r>
+                  <a:rPr lang="en-US" altLang="zh-CN" dirty="0"/>
+                  <a:t>learning</a:t>
+                </a:r>
+                <a:r>
+                  <a:rPr lang="zh-CN" altLang="en-US" dirty="0"/>
+                  <a:t> </a:t>
+                </a:r>
+                <a:r>
+                  <a:rPr lang="en-US" altLang="zh-CN" dirty="0"/>
+                  <a:t>tasks.</a:t>
+                </a:r>
+              </a:p>
+              <a:p>
+                <a:endParaRPr lang="en-US" dirty="0"/>
+              </a:p>
+              <a:p>
+                <a:pPr marL="285750" indent="-285750">
+                  <a:buFontTx/>
+                  <a:buChar char="-"/>
+                </a:pPr>
+                <a:r>
+                  <a:rPr lang="en-US" altLang="zh-CN" dirty="0"/>
+                  <a:t>Batch</a:t>
+                </a:r>
+                <a:r>
+                  <a:rPr lang="zh-CN" altLang="en-US" dirty="0"/>
+                  <a:t> </a:t>
+                </a:r>
+                <a:r>
+                  <a:rPr lang="en-US" altLang="zh-CN" dirty="0"/>
+                  <a:t>Gradient </a:t>
+                </a:r>
+                <a:r>
+                  <a:rPr lang="zh-CN" altLang="en-US" dirty="0"/>
+                  <a:t> </a:t>
+                </a:r>
+                <a:r>
+                  <a:rPr lang="en-US" altLang="zh-CN" dirty="0"/>
+                  <a:t>Descent </a:t>
+                </a:r>
+              </a:p>
+              <a:p>
+                <a:pPr marL="742950" lvl="1" indent="-285750">
+                  <a:buFontTx/>
+                  <a:buChar char="-"/>
+                </a:pPr>
+                <a:r>
+                  <a:rPr lang="en-US" altLang="zh-CN" dirty="0"/>
+                  <a:t>For</a:t>
+                </a:r>
+                <a:r>
+                  <a:rPr lang="zh-CN" altLang="en-US" dirty="0"/>
+                  <a:t> </a:t>
+                </a:r>
+                <a:r>
+                  <a:rPr lang="en-US" altLang="zh-CN" dirty="0"/>
+                  <a:t>whole</a:t>
+                </a:r>
+                <a:r>
+                  <a:rPr lang="zh-CN" altLang="en-US" dirty="0"/>
+                  <a:t> </a:t>
+                </a:r>
+                <a:r>
+                  <a:rPr lang="en-US" altLang="zh-CN" dirty="0"/>
+                  <a:t>dataset.</a:t>
+                </a:r>
+              </a:p>
+              <a:p>
+                <a:pPr marL="742950" lvl="1" indent="-285750">
+                  <a:buFontTx/>
+                  <a:buChar char="-"/>
+                </a:pPr>
+                <a:r>
+                  <a:rPr lang="en-US" altLang="zh-CN" dirty="0"/>
+                  <a:t>Global</a:t>
+                </a:r>
+                <a:r>
+                  <a:rPr lang="zh-CN" altLang="en-US" dirty="0"/>
+                  <a:t> </a:t>
+                </a:r>
+                <a:r>
+                  <a:rPr lang="en-US" altLang="zh-CN" dirty="0"/>
+                  <a:t>maximum</a:t>
+                </a:r>
+                <a:r>
+                  <a:rPr lang="zh-CN" altLang="en-US" dirty="0"/>
+                  <a:t> </a:t>
+                </a:r>
+                <a:r>
+                  <a:rPr lang="en-US" altLang="zh-CN" dirty="0"/>
+                  <a:t>for</a:t>
+                </a:r>
+                <a:r>
+                  <a:rPr lang="zh-CN" altLang="en-US" dirty="0"/>
+                  <a:t> </a:t>
+                </a:r>
+                <a:r>
+                  <a:rPr lang="en-US" altLang="zh-CN" dirty="0"/>
+                  <a:t>convex</a:t>
+                </a:r>
+                <a:r>
+                  <a:rPr lang="zh-CN" altLang="en-US" dirty="0"/>
+                  <a:t> </a:t>
+                </a:r>
+                <a:r>
+                  <a:rPr lang="en-US" altLang="zh-CN" dirty="0"/>
+                  <a:t>functions,</a:t>
+                </a:r>
+                <a:r>
+                  <a:rPr lang="zh-CN" altLang="en-US" dirty="0"/>
+                  <a:t> </a:t>
+                </a:r>
+                <a:r>
+                  <a:rPr lang="en-US" altLang="zh-CN" dirty="0"/>
+                  <a:t>local</a:t>
+                </a:r>
+                <a:r>
+                  <a:rPr lang="zh-CN" altLang="en-US" dirty="0"/>
+                  <a:t> </a:t>
+                </a:r>
+                <a:r>
+                  <a:rPr lang="en-US" altLang="zh-CN" dirty="0"/>
+                  <a:t>maximum</a:t>
+                </a:r>
+                <a:r>
+                  <a:rPr lang="zh-CN" altLang="en-US" dirty="0"/>
+                  <a:t> </a:t>
+                </a:r>
+                <a:r>
+                  <a:rPr lang="en-US" altLang="zh-CN" dirty="0"/>
+                  <a:t>for</a:t>
+                </a:r>
+                <a:r>
+                  <a:rPr lang="zh-CN" altLang="en-US" dirty="0"/>
+                  <a:t> </a:t>
+                </a:r>
+                <a:r>
+                  <a:rPr lang="en-US" altLang="zh-CN" dirty="0"/>
+                  <a:t>non-convex</a:t>
+                </a:r>
+                <a:r>
+                  <a:rPr lang="zh-CN" altLang="en-US" dirty="0"/>
+                  <a:t> </a:t>
+                </a:r>
+                <a:r>
+                  <a:rPr lang="en-US" altLang="zh-CN" dirty="0"/>
+                  <a:t>functions.</a:t>
+                </a:r>
+              </a:p>
+              <a:p>
+                <a:pPr marL="285750" indent="-285750">
+                  <a:buFontTx/>
+                  <a:buChar char="-"/>
+                </a:pPr>
+                <a:endParaRPr lang="en-US" altLang="zh-CN" dirty="0"/>
+              </a:p>
+              <a:p>
+                <a:pPr marL="285750" indent="-285750">
+                  <a:buFontTx/>
+                  <a:buChar char="-"/>
+                </a:pPr>
+                <a:r>
+                  <a:rPr lang="en-US" altLang="zh-CN" dirty="0"/>
+                  <a:t>Stochastic</a:t>
+                </a:r>
+                <a:r>
+                  <a:rPr lang="zh-CN" altLang="en-US" dirty="0"/>
+                  <a:t> </a:t>
+                </a:r>
+                <a:r>
+                  <a:rPr lang="en-US" altLang="zh-CN" dirty="0"/>
+                  <a:t>Gradient</a:t>
+                </a:r>
+                <a:r>
+                  <a:rPr lang="zh-CN" altLang="en-US" dirty="0"/>
+                  <a:t> </a:t>
+                </a:r>
+                <a:r>
+                  <a:rPr lang="en-US" altLang="zh-CN" dirty="0"/>
+                  <a:t>Descent</a:t>
+                </a:r>
+              </a:p>
+              <a:p>
+                <a:pPr marL="742950" lvl="1" indent="-285750">
+                  <a:buFontTx/>
+                  <a:buChar char="-"/>
+                </a:pPr>
+                <a:r>
+                  <a:rPr lang="en-US" altLang="zh-CN" dirty="0"/>
+                  <a:t>Easy</a:t>
+                </a:r>
+                <a:r>
+                  <a:rPr lang="zh-CN" altLang="en-US" dirty="0"/>
+                  <a:t> </a:t>
+                </a:r>
+                <a:r>
+                  <a:rPr lang="en-US" altLang="zh-CN" dirty="0"/>
+                  <a:t>to</a:t>
+                </a:r>
+                <a:r>
+                  <a:rPr lang="zh-CN" altLang="en-US" dirty="0"/>
+                  <a:t> </a:t>
+                </a:r>
+                <a:r>
+                  <a:rPr lang="en-US" altLang="zh-CN" dirty="0"/>
+                  <a:t>suck</a:t>
+                </a:r>
+                <a:r>
+                  <a:rPr lang="zh-CN" altLang="en-US" dirty="0"/>
+                  <a:t> </a:t>
+                </a:r>
+                <a:r>
+                  <a:rPr lang="en-US" altLang="zh-CN" dirty="0"/>
+                  <a:t>in</a:t>
+                </a:r>
+                <a:r>
+                  <a:rPr lang="zh-CN" altLang="en-US" dirty="0"/>
+                  <a:t> </a:t>
+                </a:r>
+                <a:r>
+                  <a:rPr lang="en-US" altLang="zh-CN" dirty="0"/>
+                  <a:t>local</a:t>
+                </a:r>
+                <a:r>
+                  <a:rPr lang="zh-CN" altLang="en-US" dirty="0"/>
+                  <a:t> </a:t>
+                </a:r>
+                <a:r>
+                  <a:rPr lang="en-US" altLang="zh-CN" dirty="0"/>
+                  <a:t>optimal,</a:t>
+                </a:r>
+                <a:r>
+                  <a:rPr lang="zh-CN" altLang="en-US" dirty="0"/>
+                  <a:t> </a:t>
+                </a:r>
+                <a:r>
+                  <a:rPr lang="en-US" altLang="zh-CN" dirty="0"/>
+                  <a:t>saddle</a:t>
+                </a:r>
+                <a:r>
+                  <a:rPr lang="zh-CN" altLang="en-US" dirty="0"/>
+                  <a:t> </a:t>
+                </a:r>
+                <a:r>
+                  <a:rPr lang="en-US" altLang="zh-CN" dirty="0"/>
+                  <a:t>point.</a:t>
+                </a:r>
+              </a:p>
+              <a:p>
+                <a:pPr marL="742950" lvl="1" indent="-285750">
+                  <a:buFontTx/>
+                  <a:buChar char="-"/>
+                </a:pPr>
+                <a:r>
+                  <a:rPr lang="en-US" altLang="zh-CN" dirty="0"/>
+                  <a:t>Lager</a:t>
+                </a:r>
+                <a:r>
+                  <a:rPr lang="zh-CN" altLang="en-US" dirty="0"/>
+                  <a:t> </a:t>
+                </a:r>
+                <a:r>
+                  <a:rPr lang="en-US" altLang="zh-CN" dirty="0"/>
+                  <a:t>fluctuation.</a:t>
+                </a:r>
+              </a:p>
+              <a:p>
+                <a:pPr marL="742950" lvl="1" indent="-285750">
+                  <a:buFontTx/>
+                  <a:buChar char="-"/>
+                </a:pPr>
+                <a:r>
+                  <a:rPr lang="en-US" altLang="zh-CN" dirty="0"/>
+                  <a:t>Sensitive to</a:t>
+                </a:r>
+                <a:r>
+                  <a:rPr lang="zh-CN" altLang="en-US" dirty="0"/>
+                  <a:t> </a:t>
+                </a:r>
+                <a:r>
+                  <a:rPr lang="en-US" altLang="zh-CN" dirty="0"/>
+                  <a:t>noise.</a:t>
+                </a:r>
+              </a:p>
+              <a:p>
+                <a:pPr marL="742950" lvl="1" indent="-285750">
+                  <a:buFontTx/>
+                  <a:buChar char="-"/>
+                </a:pPr>
+                <a:endParaRPr lang="en-US" altLang="zh-CN" dirty="0"/>
+              </a:p>
+              <a:p>
+                <a:pPr marL="285750" indent="-285750">
+                  <a:buFontTx/>
+                  <a:buChar char="-"/>
+                </a:pPr>
+                <a:r>
+                  <a:rPr lang="en-US" altLang="zh-CN" dirty="0"/>
+                  <a:t>Mini-batch</a:t>
+                </a:r>
+                <a:r>
+                  <a:rPr lang="zh-CN" altLang="en-US" dirty="0"/>
+                  <a:t> </a:t>
+                </a:r>
+                <a:r>
+                  <a:rPr lang="en-US" altLang="zh-CN" dirty="0"/>
+                  <a:t>Gradient</a:t>
+                </a:r>
+                <a:r>
+                  <a:rPr lang="zh-CN" altLang="en-US" dirty="0"/>
+                  <a:t> </a:t>
+                </a:r>
+                <a:r>
+                  <a:rPr lang="en-US" altLang="zh-CN" dirty="0"/>
+                  <a:t>Descent</a:t>
+                </a:r>
+              </a:p>
+              <a:p>
+                <a:pPr marL="742950" lvl="1" indent="-285750">
+                  <a:buFontTx/>
+                  <a:buChar char="-"/>
+                </a:pPr>
+                <a:r>
+                  <a:rPr lang="en-US" altLang="zh-CN" dirty="0"/>
+                  <a:t>﻿Uses</a:t>
+                </a:r>
+                <a:r>
+                  <a:rPr lang="zh-CN" altLang="en-US" dirty="0"/>
+                  <a:t> </a:t>
+                </a:r>
+                <a:r>
+                  <a:rPr lang="en-US" altLang="zh-CN" dirty="0"/>
+                  <a:t>conjugate</a:t>
+                </a:r>
+                <a:r>
+                  <a:rPr lang="zh-CN" altLang="en-US" dirty="0"/>
+                  <a:t> </a:t>
+                </a:r>
+                <a:r>
+                  <a:rPr lang="en-US" altLang="zh-CN" dirty="0"/>
+                  <a:t>instead</a:t>
+                </a:r>
+                <a:r>
+                  <a:rPr lang="zh-CN" altLang="en-US" dirty="0"/>
+                  <a:t> </a:t>
+                </a:r>
+                <a:r>
+                  <a:rPr lang="en-US" altLang="zh-CN" dirty="0"/>
+                  <a:t>of</a:t>
+                </a:r>
+                <a:r>
+                  <a:rPr lang="zh-CN" altLang="en-US" dirty="0"/>
+                  <a:t> </a:t>
+                </a:r>
+                <a:r>
+                  <a:rPr lang="en-US" altLang="zh-CN" dirty="0"/>
+                  <a:t>Hessian</a:t>
+                </a:r>
+                <a:r>
+                  <a:rPr lang="zh-CN" altLang="en-US" dirty="0"/>
+                  <a:t> </a:t>
+                </a:r>
+                <a:r>
+                  <a:rPr lang="en-US" altLang="zh-CN" dirty="0"/>
+                  <a:t>Matrix.</a:t>
+                </a:r>
+              </a:p>
+              <a:p>
+                <a:pPr marL="742950" lvl="1" indent="-285750">
+                  <a:buFontTx/>
+                  <a:buChar char="-"/>
+                </a:pPr>
+                <a:r>
+                  <a:rPr lang="en-US" altLang="zh-CN" dirty="0"/>
+                  <a:t>line-search</a:t>
+                </a:r>
+                <a:r>
+                  <a:rPr lang="zh-CN" altLang="en-US" dirty="0"/>
+                  <a:t> </a:t>
+                </a:r>
+                <a:r>
+                  <a:rPr lang="en-US" altLang="zh-CN" dirty="0"/>
+                  <a:t>based.</a:t>
+                </a:r>
+              </a:p>
+              <a:p>
+                <a:pPr marL="742950" lvl="1" indent="-285750">
+                  <a:buFontTx/>
+                  <a:buChar char="-"/>
+                </a:pPr>
+                <a:r>
+                  <a:rPr lang="en-US" altLang="zh-CN" dirty="0"/>
+                  <a:t>Unstable</a:t>
+                </a:r>
+                <a:r>
+                  <a:rPr lang="zh-CN" altLang="en-US" dirty="0"/>
+                  <a:t> </a:t>
+                </a:r>
+                <a:r>
+                  <a:rPr lang="en-US" altLang="zh-CN" dirty="0"/>
+                  <a:t>to</a:t>
+                </a:r>
+                <a:r>
+                  <a:rPr lang="zh-CN" altLang="en-US" dirty="0"/>
+                  <a:t> </a:t>
+                </a:r>
+                <a:r>
+                  <a:rPr lang="en-US" altLang="zh-CN" dirty="0"/>
+                  <a:t>noise.</a:t>
+                </a:r>
+                <a:endParaRPr lang="en-US" dirty="0"/>
+              </a:p>
+            </p:txBody>
+          </p:sp>
+        </mc:Choice>
+        <mc:Fallback>
+          <p:sp>
+            <p:nvSpPr>
+              <p:cNvPr id="2" name="TextBox 1">
+                <a:extLst>
+                  <a:ext uri="{FF2B5EF4-FFF2-40B4-BE49-F238E27FC236}">
+                    <a16:creationId xmlns:a16="http://schemas.microsoft.com/office/drawing/2014/main" id="{9B3E72DB-2AF9-476D-8E24-F78166BE6861}"/>
+                  </a:ext>
+                </a:extLst>
+              </p:cNvPr>
+              <p:cNvSpPr txBox="1">
+                <a:spLocks noRot="1" noChangeAspect="1" noMove="1" noResize="1" noEditPoints="1" noAdjustHandles="1" noChangeArrowheads="1" noChangeShapeType="1" noTextEdit="1"/>
+              </p:cNvSpPr>
+              <p:nvPr/>
+            </p:nvSpPr>
+            <p:spPr>
+              <a:xfrm>
+                <a:off x="521208" y="2508222"/>
+                <a:ext cx="11277215" cy="4247317"/>
+              </a:xfrm>
+              <a:prstGeom prst="rect">
+                <a:avLst/>
+              </a:prstGeom>
+              <a:blipFill>
+                <a:blip r:embed="rId3"/>
+                <a:stretch>
+                  <a:fillRect l="-450" t="-298" b="-1190"/>
+                </a:stretch>
+              </a:blipFill>
+            </p:spPr>
+            <p:txBody>
+              <a:bodyPr/>
+              <a:lstStyle/>
+              <a:p>
+                <a:r>
+                  <a:rPr lang="en-CN">
+                    <a:noFill/>
+                  </a:rPr>
+                  <a:t> </a:t>
+                </a:r>
+              </a:p>
+            </p:txBody>
+          </p:sp>
+        </mc:Fallback>
+      </mc:AlternateContent>
     </p:spTree>
     <p:extLst>
       <p:ext uri="{BB962C8B-B14F-4D97-AF65-F5344CB8AC3E}">
-        <p14:creationId xmlns:p14="http://schemas.microsoft.com/office/powerpoint/2010/main" val="221961260"/>
+        <p14:creationId xmlns:p14="http://schemas.microsoft.com/office/powerpoint/2010/main" val="464474030"/>
       </p:ext>
     </p:extLst>
   </p:cSld>
   <p:clrMapOvr>
     <a:masterClrMapping/>
   </p:clrMapOvr>
+  <mc:AlternateContent xmlns:mc="http://schemas.openxmlformats.org/markup-compatibility/2006" xmlns:p15="http://schemas.microsoft.com/office/powerpoint/2012/main">
+    <mc:Choice Requires="p15">
+      <p:transition xmlns:p14="http://schemas.microsoft.com/office/powerpoint/2010/main" spd="slow" p14:dur="2000">
+        <p15:prstTrans prst="drape"/>
+      </p:transition>
+    </mc:Choice>
+    <mc:Fallback xmlns="">
+      <p:transition xmlns:p14="http://schemas.microsoft.com/office/powerpoint/2010/main" spd="slow">
+        <p:fade/>
+      </p:transition>
+    </mc:Fallback>
+  </mc:AlternateContent>
 </p:sld>
 </file>
 
@@ -3387,10 +9120,10 @@
       </p:grpSpPr>
       <p:sp>
         <p:nvSpPr>
-          <p:cNvPr id="2" name="Title 1">
+          <p:cNvPr id="4" name="Title 3">
             <a:extLst>
               <a:ext uri="{FF2B5EF4-FFF2-40B4-BE49-F238E27FC236}">
-                <a16:creationId xmlns:a16="http://schemas.microsoft.com/office/drawing/2014/main" id="{6E7AAC05-D4B6-4347-A07B-F56AA6B85539}"/>
+                <a16:creationId xmlns:a16="http://schemas.microsoft.com/office/drawing/2014/main" id="{37F5FAC2-534F-474C-A411-EDF6BBF61800}"/>
               </a:ext>
             </a:extLst>
           </p:cNvPr>
@@ -3403,48 +9136,141 @@
         </p:nvSpPr>
         <p:spPr/>
         <p:txBody>
-          <a:bodyPr/>
+          <a:bodyPr>
+            <a:normAutofit/>
+          </a:bodyPr>
           <a:lstStyle/>
           <a:p>
-            <a:endParaRPr lang="en-US"/>
-          </a:p>
-        </p:txBody>
-      </p:sp>
-      <p:sp>
-        <p:nvSpPr>
-          <p:cNvPr id="3" name="Content Placeholder 2">
+            <a:r>
+              <a:rPr lang="en-US" altLang="zh-CN" b="1" dirty="0"/>
+              <a:t>Adam</a:t>
+            </a:r>
+            <a:endParaRPr lang="en-US" b="1" dirty="0"/>
+          </a:p>
+        </p:txBody>
+      </p:sp>
+      <p:sp>
+        <p:nvSpPr>
+          <p:cNvPr id="2" name="TextBox 1">
             <a:extLst>
               <a:ext uri="{FF2B5EF4-FFF2-40B4-BE49-F238E27FC236}">
-                <a16:creationId xmlns:a16="http://schemas.microsoft.com/office/drawing/2014/main" id="{19D6B149-8374-4C7B-BDDC-0BA4D04BDF6D}"/>
+                <a16:creationId xmlns:a16="http://schemas.microsoft.com/office/drawing/2014/main" id="{9B3E72DB-2AF9-476D-8E24-F78166BE6861}"/>
               </a:ext>
             </a:extLst>
           </p:cNvPr>
-          <p:cNvSpPr>
-            <a:spLocks noGrp="1"/>
-          </p:cNvSpPr>
-          <p:nvPr>
-            <p:ph sz="quarter" idx="10"/>
-          </p:nvPr>
-        </p:nvSpPr>
-        <p:spPr/>
-        <p:txBody>
-          <a:bodyPr/>
+          <p:cNvSpPr txBox="1"/>
+          <p:nvPr/>
+        </p:nvSpPr>
+        <p:spPr>
+          <a:xfrm>
+            <a:off x="521208" y="2508222"/>
+            <a:ext cx="11277215" cy="2031325"/>
+          </a:xfrm>
+          <a:prstGeom prst="rect">
+            <a:avLst/>
+          </a:prstGeom>
+          <a:noFill/>
+        </p:spPr>
+        <p:txBody>
+          <a:bodyPr wrap="square" rtlCol="0">
+            <a:spAutoFit/>
+          </a:bodyPr>
           <a:lstStyle/>
           <a:p>
-            <a:endParaRPr lang="en-US"/>
+            <a:pPr marL="285750" indent="-285750">
+              <a:buFontTx/>
+              <a:buChar char="-"/>
+            </a:pPr>
+            <a:r>
+              <a:rPr lang="en-US" altLang="zh-CN" dirty="0"/>
+              <a:t>Combine the advantages of following optimizers</a:t>
+            </a:r>
+          </a:p>
+          <a:p>
+            <a:pPr marL="742950" lvl="1" indent="-285750">
+              <a:buFontTx/>
+              <a:buChar char="-"/>
+            </a:pPr>
+            <a:r>
+              <a:rPr lang="en-US" altLang="zh-CN" dirty="0" err="1"/>
+              <a:t>AdaGrad</a:t>
+            </a:r>
+            <a:r>
+              <a:rPr lang="en-US" altLang="zh-CN" dirty="0"/>
+              <a:t>: works well with sparse gradient</a:t>
+            </a:r>
+          </a:p>
+          <a:p>
+            <a:pPr marL="742950" lvl="1" indent="-285750">
+              <a:buFontTx/>
+              <a:buChar char="-"/>
+            </a:pPr>
+            <a:r>
+              <a:rPr lang="en-US" altLang="zh-CN" dirty="0" err="1"/>
+              <a:t>RMSProp</a:t>
+            </a:r>
+            <a:r>
+              <a:rPr lang="en-US" altLang="zh-CN" dirty="0"/>
+              <a:t>: works well in on-line and non-stationary set</a:t>
+            </a:r>
+          </a:p>
+          <a:p>
+            <a:pPr marL="742950" lvl="1" indent="-285750">
+              <a:buFontTx/>
+              <a:buChar char="-"/>
+            </a:pPr>
+            <a:endParaRPr lang="en-US" altLang="zh-CN" dirty="0"/>
+          </a:p>
+          <a:p>
+            <a:pPr marL="285750" indent="-285750">
+              <a:buFontTx/>
+              <a:buChar char="-"/>
+            </a:pPr>
+            <a:r>
+              <a:rPr lang="en-US" dirty="0"/>
+              <a:t>﻿Some of Adam’s advantages are that the magnitudes of parameter updates are invariant to rescaling of the gradient, its step</a:t>
+            </a:r>
+            <a:r>
+              <a:rPr lang="zh-CN" altLang="en-US" dirty="0"/>
+              <a:t> </a:t>
+            </a:r>
+            <a:r>
+              <a:rPr lang="en-US" dirty="0"/>
+              <a:t>sizes are approximately bounded by the step</a:t>
+            </a:r>
+            <a:r>
+              <a:rPr lang="zh-CN" altLang="en-US" dirty="0"/>
+              <a:t> </a:t>
+            </a:r>
+            <a:r>
+              <a:rPr lang="en-US" dirty="0"/>
+              <a:t>size hyperparameter, it does not require a stationary objective, it works with sparse gradients, and it naturally performs a form of step size annealing.</a:t>
+            </a:r>
           </a:p>
         </p:txBody>
       </p:sp>
     </p:spTree>
     <p:extLst>
       <p:ext uri="{BB962C8B-B14F-4D97-AF65-F5344CB8AC3E}">
-        <p14:creationId xmlns:p14="http://schemas.microsoft.com/office/powerpoint/2010/main" val="4220358503"/>
+        <p14:creationId xmlns:p14="http://schemas.microsoft.com/office/powerpoint/2010/main" val="2970607653"/>
       </p:ext>
     </p:extLst>
   </p:cSld>
   <p:clrMapOvr>
     <a:masterClrMapping/>
   </p:clrMapOvr>
+  <mc:AlternateContent xmlns:mc="http://schemas.openxmlformats.org/markup-compatibility/2006" xmlns:p15="http://schemas.microsoft.com/office/powerpoint/2012/main">
+    <mc:Choice Requires="p15">
+      <p:transition xmlns:p14="http://schemas.microsoft.com/office/powerpoint/2010/main" spd="slow" p14:dur="2000">
+        <p15:prstTrans prst="drape"/>
+      </p:transition>
+    </mc:Choice>
+    <mc:Fallback xmlns="">
+      <p:transition xmlns:p14="http://schemas.microsoft.com/office/powerpoint/2010/main" spd="slow">
+        <p:fade/>
+      </p:transition>
+    </mc:Fallback>
+  </mc:AlternateContent>
 </p:sld>
 </file>
 
@@ -3486,7 +9312,7 @@
           <a:bodyPr/>
           <a:lstStyle/>
           <a:p>
-            <a:endParaRPr lang="en-US"/>
+            <a:endParaRPr lang="en-US" dirty="0"/>
           </a:p>
         </p:txBody>
       </p:sp>
@@ -3495,7 +9321,7 @@
           <p:cNvPr id="3" name="Content Placeholder 2">
             <a:extLst>
               <a:ext uri="{FF2B5EF4-FFF2-40B4-BE49-F238E27FC236}">
-                <a16:creationId xmlns:a16="http://schemas.microsoft.com/office/drawing/2014/main" id="{F0ECAE6F-CAE5-4610-A6C3-D53721DE9E8F}"/>
+                <a16:creationId xmlns:a16="http://schemas.microsoft.com/office/drawing/2014/main" id="{E98F2B05-D5B4-BB40-9C5E-FDAA03146DE4}"/>
               </a:ext>
             </a:extLst>
           </p:cNvPr>
@@ -3511,14 +9337,44 @@
           <a:bodyPr/>
           <a:lstStyle/>
           <a:p>
-            <a:endParaRPr lang="en-US"/>
-          </a:p>
-        </p:txBody>
-      </p:sp>
+            <a:endParaRPr lang="en-CN"/>
+          </a:p>
+        </p:txBody>
+      </p:sp>
+      <p:pic>
+        <p:nvPicPr>
+          <p:cNvPr id="8" name="Picture 7">
+            <a:extLst>
+              <a:ext uri="{FF2B5EF4-FFF2-40B4-BE49-F238E27FC236}">
+                <a16:creationId xmlns:a16="http://schemas.microsoft.com/office/drawing/2014/main" id="{8CAA0038-CDD1-454C-9216-F6D9E320FECF}"/>
+              </a:ext>
+            </a:extLst>
+          </p:cNvPr>
+          <p:cNvPicPr>
+            <a:picLocks noChangeAspect="1"/>
+          </p:cNvPicPr>
+          <p:nvPr/>
+        </p:nvPicPr>
+        <p:blipFill>
+          <a:blip r:embed="rId3"/>
+          <a:stretch>
+            <a:fillRect/>
+          </a:stretch>
+        </p:blipFill>
+        <p:spPr>
+          <a:xfrm>
+            <a:off x="798651" y="269139"/>
+            <a:ext cx="10245401" cy="6339696"/>
+          </a:xfrm>
+          <a:prstGeom prst="rect">
+            <a:avLst/>
+          </a:prstGeom>
+        </p:spPr>
+      </p:pic>
     </p:spTree>
     <p:extLst>
       <p:ext uri="{BB962C8B-B14F-4D97-AF65-F5344CB8AC3E}">
-        <p14:creationId xmlns:p14="http://schemas.microsoft.com/office/powerpoint/2010/main" val="2943392861"/>
+        <p14:creationId xmlns:p14="http://schemas.microsoft.com/office/powerpoint/2010/main" val="2310708277"/>
       </p:ext>
     </p:extLst>
   </p:cSld>
@@ -3563,22 +9419,33 @@
         </p:nvSpPr>
         <p:spPr/>
         <p:txBody>
-          <a:bodyPr/>
+          <a:bodyPr>
+            <a:normAutofit/>
+          </a:bodyPr>
           <a:lstStyle/>
           <a:p>
             <a:r>
-              <a:rPr lang="en-US" dirty="0"/>
-              <a:t>Reference</a:t>
-            </a:r>
-          </a:p>
-        </p:txBody>
-      </p:sp>
-      <p:sp>
-        <p:nvSpPr>
-          <p:cNvPr id="6" name="TextBox 5">
+              <a:rPr lang="en-US" altLang="zh-CN" b="1" dirty="0"/>
+              <a:t>High-order</a:t>
+            </a:r>
+            <a:r>
+              <a:rPr lang="zh-CN" altLang="en-US" b="1" dirty="0"/>
+              <a:t> </a:t>
+            </a:r>
+            <a:r>
+              <a:rPr lang="en-US" altLang="zh-CN" b="1" dirty="0"/>
+              <a:t>methods:</a:t>
+            </a:r>
+            <a:endParaRPr lang="en-US" b="1" dirty="0"/>
+          </a:p>
+        </p:txBody>
+      </p:sp>
+      <p:sp>
+        <p:nvSpPr>
+          <p:cNvPr id="2" name="TextBox 1">
             <a:extLst>
               <a:ext uri="{FF2B5EF4-FFF2-40B4-BE49-F238E27FC236}">
-                <a16:creationId xmlns:a16="http://schemas.microsoft.com/office/drawing/2014/main" id="{6F29E54A-CA22-4242-947A-7AE254C5538C}"/>
+                <a16:creationId xmlns:a16="http://schemas.microsoft.com/office/drawing/2014/main" id="{9B3E72DB-2AF9-476D-8E24-F78166BE6861}"/>
               </a:ext>
             </a:extLst>
           </p:cNvPr>
@@ -3587,8 +9454,8 @@
         </p:nvSpPr>
         <p:spPr>
           <a:xfrm>
-            <a:off x="763480" y="2521258"/>
-            <a:ext cx="10413506" cy="1200329"/>
+            <a:off x="457392" y="2372478"/>
+            <a:ext cx="11277215" cy="3970318"/>
           </a:xfrm>
           <a:prstGeom prst="rect">
             <a:avLst/>
@@ -3601,78 +9468,483 @@
           </a:bodyPr>
           <a:lstStyle/>
           <a:p>
+            <a:pPr marL="285750" indent="-285750">
+              <a:buFontTx/>
+              <a:buChar char="-"/>
+            </a:pPr>
+            <a:r>
+              <a:rPr lang="en-US" altLang="zh-CN" dirty="0"/>
+              <a:t>Should</a:t>
+            </a:r>
+            <a:r>
+              <a:rPr lang="zh-CN" altLang="en-US" dirty="0"/>
+              <a:t> </a:t>
+            </a:r>
+            <a:r>
+              <a:rPr lang="en-US" altLang="zh-CN" dirty="0"/>
+              <a:t>be</a:t>
+            </a:r>
+            <a:r>
+              <a:rPr lang="zh-CN" altLang="en-US" dirty="0"/>
+              <a:t> </a:t>
+            </a:r>
+            <a:r>
+              <a:rPr lang="en-US" altLang="zh-CN" dirty="0"/>
+              <a:t>considered,</a:t>
+            </a:r>
+            <a:r>
+              <a:rPr lang="zh-CN" altLang="en-US" dirty="0"/>
+              <a:t> </a:t>
+            </a:r>
+            <a:r>
+              <a:rPr lang="en-US" altLang="zh-CN" dirty="0"/>
+              <a:t>if</a:t>
+            </a:r>
+            <a:r>
+              <a:rPr lang="zh-CN" altLang="en-US" dirty="0"/>
+              <a:t> </a:t>
+            </a:r>
+            <a:r>
+              <a:rPr lang="en-US" altLang="zh-CN" dirty="0"/>
+              <a:t>an objective function is highly non-linear and ill-conditioned. </a:t>
+            </a:r>
+          </a:p>
+          <a:p>
+            <a:pPr marL="285750" indent="-285750">
+              <a:buFontTx/>
+              <a:buChar char="-"/>
+            </a:pPr>
+            <a:r>
+              <a:rPr lang="en-US" altLang="zh-CN" dirty="0"/>
+              <a:t>More</a:t>
+            </a:r>
+            <a:r>
+              <a:rPr lang="zh-CN" altLang="en-US" dirty="0"/>
+              <a:t> </a:t>
+            </a:r>
+            <a:r>
+              <a:rPr lang="en-US" altLang="zh-CN" dirty="0"/>
+              <a:t>complicate</a:t>
+            </a:r>
+            <a:r>
+              <a:rPr lang="zh-CN" altLang="en-US" dirty="0"/>
+              <a:t> </a:t>
+            </a:r>
+            <a:r>
+              <a:rPr lang="en-US" altLang="zh-CN" dirty="0"/>
+              <a:t>than</a:t>
+            </a:r>
+            <a:r>
+              <a:rPr lang="zh-CN" altLang="en-US" dirty="0"/>
+              <a:t> </a:t>
+            </a:r>
+            <a:r>
+              <a:rPr lang="en-US" altLang="zh-CN" dirty="0"/>
+              <a:t>first-order</a:t>
+            </a:r>
+            <a:r>
+              <a:rPr lang="zh-CN" altLang="en-US" dirty="0"/>
+              <a:t> </a:t>
+            </a:r>
+            <a:r>
+              <a:rPr lang="en-US" altLang="zh-CN" dirty="0"/>
+              <a:t>methods.</a:t>
+            </a:r>
+          </a:p>
+          <a:p>
+            <a:pPr marL="285750" indent="-285750">
+              <a:buFontTx/>
+              <a:buChar char="-"/>
+            </a:pPr>
+            <a:r>
+              <a:rPr lang="en-US" altLang="zh-CN" dirty="0"/>
+              <a:t>Fast</a:t>
+            </a:r>
+            <a:r>
+              <a:rPr lang="zh-CN" altLang="en-US" dirty="0"/>
+              <a:t> </a:t>
+            </a:r>
+            <a:r>
+              <a:rPr lang="en-US" altLang="zh-CN" dirty="0"/>
+              <a:t>converging</a:t>
+            </a:r>
+            <a:r>
+              <a:rPr lang="zh-CN" altLang="en-US" dirty="0"/>
+              <a:t> </a:t>
+            </a:r>
+            <a:r>
+              <a:rPr lang="en-US" altLang="zh-CN" dirty="0"/>
+              <a:t>to</a:t>
+            </a:r>
+            <a:r>
+              <a:rPr lang="zh-CN" altLang="en-US" dirty="0"/>
+              <a:t> </a:t>
+            </a:r>
+            <a:r>
+              <a:rPr lang="en-US" altLang="zh-CN" dirty="0"/>
+              <a:t>more</a:t>
+            </a:r>
+            <a:r>
+              <a:rPr lang="zh-CN" altLang="en-US" dirty="0"/>
+              <a:t> </a:t>
+            </a:r>
+            <a:r>
+              <a:rPr lang="en-US" altLang="zh-CN" dirty="0"/>
+              <a:t>accuracy</a:t>
+            </a:r>
+            <a:r>
+              <a:rPr lang="zh-CN" altLang="en-US" dirty="0"/>
+              <a:t> </a:t>
+            </a:r>
+            <a:r>
+              <a:rPr lang="en-US" altLang="zh-CN" dirty="0"/>
+              <a:t>solution</a:t>
+            </a:r>
+            <a:r>
+              <a:rPr lang="zh-CN" altLang="en-US" dirty="0"/>
+              <a:t> </a:t>
+            </a:r>
+            <a:r>
+              <a:rPr lang="en-US" altLang="zh-CN" dirty="0"/>
+              <a:t>under</a:t>
+            </a:r>
+            <a:r>
+              <a:rPr lang="zh-CN" altLang="en-US" dirty="0"/>
+              <a:t> </a:t>
+            </a:r>
+            <a:r>
+              <a:rPr lang="en-US" altLang="zh-CN" dirty="0"/>
+              <a:t>strongly</a:t>
+            </a:r>
+            <a:r>
+              <a:rPr lang="zh-CN" altLang="en-US" dirty="0"/>
+              <a:t> </a:t>
+            </a:r>
+            <a:r>
+              <a:rPr lang="en-US" altLang="zh-CN" dirty="0"/>
+              <a:t>convex</a:t>
+            </a:r>
+            <a:r>
+              <a:rPr lang="zh-CN" altLang="en-US" dirty="0"/>
+              <a:t> </a:t>
+            </a:r>
+            <a:r>
+              <a:rPr lang="en-US" altLang="zh-CN" dirty="0"/>
+              <a:t>condition.</a:t>
+            </a:r>
+          </a:p>
+          <a:p>
+            <a:pPr marL="285750" indent="-285750">
+              <a:buFontTx/>
+              <a:buChar char="-"/>
+            </a:pPr>
+            <a:endParaRPr lang="en-US" dirty="0"/>
+          </a:p>
+          <a:p>
+            <a:pPr marL="285750" indent="-285750">
+              <a:buFontTx/>
+              <a:buChar char="-"/>
+            </a:pPr>
+            <a:r>
+              <a:rPr lang="en-US" altLang="zh-CN" dirty="0"/>
+              <a:t>Newton’s</a:t>
+            </a:r>
+            <a:r>
+              <a:rPr lang="zh-CN" altLang="en-US" dirty="0"/>
+              <a:t> </a:t>
+            </a:r>
+            <a:r>
+              <a:rPr lang="en-US" altLang="zh-CN" dirty="0"/>
+              <a:t>Method</a:t>
+            </a:r>
+          </a:p>
+          <a:p>
+            <a:pPr marL="742950" lvl="1" indent="-285750">
+              <a:buFontTx/>
+              <a:buChar char="-"/>
+            </a:pPr>
+            <a:r>
+              <a:rPr lang="en-US" altLang="zh-CN" dirty="0"/>
+              <a:t>Having</a:t>
+            </a:r>
+            <a:r>
+              <a:rPr lang="zh-CN" altLang="en-US" dirty="0"/>
+              <a:t> </a:t>
+            </a:r>
+            <a:r>
+              <a:rPr lang="en-US" altLang="zh-CN" dirty="0"/>
+              <a:t>to</a:t>
+            </a:r>
+            <a:r>
+              <a:rPr lang="zh-CN" altLang="en-US" dirty="0"/>
+              <a:t> </a:t>
+            </a:r>
+            <a:r>
+              <a:rPr lang="en-US" altLang="zh-CN" dirty="0"/>
+              <a:t>store</a:t>
+            </a:r>
+            <a:r>
+              <a:rPr lang="zh-CN" altLang="en-US" dirty="0"/>
+              <a:t> </a:t>
+            </a:r>
+            <a:r>
+              <a:rPr lang="en-US" altLang="zh-CN" dirty="0"/>
+              <a:t>the</a:t>
+            </a:r>
+            <a:r>
+              <a:rPr lang="zh-CN" altLang="en-US" dirty="0"/>
+              <a:t> </a:t>
+            </a:r>
+            <a:r>
+              <a:rPr lang="en-US" altLang="zh-CN" dirty="0"/>
+              <a:t>Hessian</a:t>
+            </a:r>
+            <a:r>
+              <a:rPr lang="zh-CN" altLang="en-US" dirty="0"/>
+              <a:t> </a:t>
+            </a:r>
+            <a:r>
+              <a:rPr lang="en-US" altLang="zh-CN" dirty="0"/>
+              <a:t>Matrix</a:t>
+            </a:r>
+            <a:r>
+              <a:rPr lang="zh-CN" altLang="en-US" dirty="0"/>
+              <a:t> </a:t>
+            </a:r>
+            <a:r>
+              <a:rPr lang="en-US" altLang="zh-CN" dirty="0"/>
+              <a:t>during</a:t>
+            </a:r>
+            <a:r>
+              <a:rPr lang="zh-CN" altLang="en-US" dirty="0"/>
+              <a:t> </a:t>
+            </a:r>
+            <a:r>
+              <a:rPr lang="en-US" altLang="zh-CN" dirty="0"/>
+              <a:t>each</a:t>
+            </a:r>
+            <a:r>
+              <a:rPr lang="zh-CN" altLang="en-US" dirty="0"/>
+              <a:t> </a:t>
+            </a:r>
+            <a:r>
+              <a:rPr lang="en-US" altLang="zh-CN" dirty="0"/>
+              <a:t>iteration.</a:t>
+            </a:r>
+          </a:p>
+          <a:p>
+            <a:pPr marL="285750" indent="-285750">
+              <a:buFontTx/>
+              <a:buChar char="-"/>
+            </a:pPr>
+            <a:endParaRPr lang="en-US" altLang="zh-CN" dirty="0"/>
+          </a:p>
+          <a:p>
+            <a:pPr marL="285750" indent="-285750">
+              <a:buFontTx/>
+              <a:buChar char="-"/>
+            </a:pPr>
             <a:r>
               <a:rPr lang="en-US" dirty="0"/>
-              <a:t>Sun, S., Cao, Z., Zhu, H., &amp; Zhao, J. (2019). A Survey of Optimization Methods from a Machine Learning Perspective. </a:t>
-            </a:r>
-            <a:r>
-              <a:rPr lang="en-US" i="1" dirty="0"/>
-              <a:t>IEEE transactions on cybernetics</a:t>
-            </a:r>
-            <a:r>
-              <a:rPr lang="en-US" dirty="0"/>
-              <a:t>.</a:t>
-            </a:r>
-          </a:p>
-          <a:p>
+              <a:t>Quasi-Newton</a:t>
+            </a:r>
+            <a:r>
+              <a:rPr lang="en-US" altLang="zh-CN" dirty="0"/>
+              <a:t>’s</a:t>
+            </a:r>
+            <a:r>
+              <a:rPr lang="zh-CN" altLang="en-US" dirty="0"/>
+              <a:t> </a:t>
+            </a:r>
+            <a:r>
+              <a:rPr lang="en-US" altLang="zh-CN" dirty="0"/>
+              <a:t>Method</a:t>
+            </a:r>
+          </a:p>
+          <a:p>
+            <a:pPr marL="742950" lvl="1" indent="-285750">
+              <a:buFontTx/>
+              <a:buChar char="-"/>
+            </a:pPr>
+            <a:r>
+              <a:rPr lang="en-US" altLang="zh-CN" dirty="0"/>
+              <a:t>Improved version of Newton’s method.</a:t>
+            </a:r>
+            <a:r>
+              <a:rPr lang="zh-CN" altLang="en-US" dirty="0"/>
+              <a:t> </a:t>
+            </a:r>
+            <a:r>
+              <a:rPr lang="en-US" altLang="zh-CN" dirty="0"/>
+              <a:t>Doesn’t</a:t>
+            </a:r>
+            <a:r>
+              <a:rPr lang="zh-CN" altLang="en-US" dirty="0"/>
+              <a:t> </a:t>
+            </a:r>
+            <a:r>
+              <a:rPr lang="en-US" altLang="zh-CN" dirty="0"/>
+              <a:t>compute</a:t>
+            </a:r>
+            <a:r>
+              <a:rPr lang="zh-CN" altLang="en-US" dirty="0"/>
+              <a:t> </a:t>
+            </a:r>
+            <a:r>
+              <a:rPr lang="en-US" altLang="zh-CN" dirty="0"/>
+              <a:t>Hessian</a:t>
+            </a:r>
+            <a:r>
+              <a:rPr lang="zh-CN" altLang="en-US" dirty="0"/>
+              <a:t> </a:t>
+            </a:r>
+            <a:r>
+              <a:rPr lang="en-US" altLang="zh-CN" dirty="0"/>
+              <a:t>Matrix</a:t>
+            </a:r>
+            <a:r>
+              <a:rPr lang="zh-CN" altLang="en-US" dirty="0"/>
+              <a:t> </a:t>
+            </a:r>
+            <a:r>
+              <a:rPr lang="en-US" altLang="zh-CN" dirty="0"/>
+              <a:t>directly.</a:t>
+            </a:r>
+          </a:p>
+          <a:p>
+            <a:pPr marL="742950" lvl="1" indent="-285750">
+              <a:buFontTx/>
+              <a:buChar char="-"/>
+            </a:pPr>
+            <a:endParaRPr lang="en-US" altLang="zh-CN" dirty="0"/>
+          </a:p>
+          <a:p>
+            <a:pPr marL="285750" indent="-285750">
+              <a:buFontTx/>
+              <a:buChar char="-"/>
+            </a:pPr>
+            <a:r>
+              <a:rPr lang="en-US" altLang="zh-CN" dirty="0"/>
+              <a:t>Conjugate</a:t>
+            </a:r>
+            <a:r>
+              <a:rPr lang="zh-CN" altLang="en-US" dirty="0"/>
+              <a:t> </a:t>
+            </a:r>
+            <a:r>
+              <a:rPr lang="en-US" altLang="zh-CN" dirty="0"/>
+              <a:t>Gradient</a:t>
+            </a:r>
+            <a:r>
+              <a:rPr lang="zh-CN" altLang="en-US" dirty="0"/>
+              <a:t> </a:t>
+            </a:r>
+            <a:r>
+              <a:rPr lang="en-US" altLang="zh-CN" dirty="0"/>
+              <a:t>Descent</a:t>
+            </a:r>
+          </a:p>
+          <a:p>
+            <a:pPr marL="742950" lvl="1" indent="-285750">
+              <a:buFontTx/>
+              <a:buChar char="-"/>
+            </a:pPr>
+            <a:r>
+              <a:rPr lang="en-US" altLang="zh-CN" dirty="0"/>
+              <a:t>﻿Uses</a:t>
+            </a:r>
+            <a:r>
+              <a:rPr lang="zh-CN" altLang="en-US" dirty="0"/>
+              <a:t> </a:t>
+            </a:r>
+            <a:r>
+              <a:rPr lang="en-US" altLang="zh-CN" dirty="0"/>
+              <a:t>conjugate</a:t>
+            </a:r>
+            <a:r>
+              <a:rPr lang="zh-CN" altLang="en-US" dirty="0"/>
+              <a:t> </a:t>
+            </a:r>
+            <a:r>
+              <a:rPr lang="en-US" altLang="zh-CN" dirty="0"/>
+              <a:t>instead</a:t>
+            </a:r>
+            <a:r>
+              <a:rPr lang="zh-CN" altLang="en-US" dirty="0"/>
+              <a:t> </a:t>
+            </a:r>
+            <a:r>
+              <a:rPr lang="en-US" altLang="zh-CN" dirty="0"/>
+              <a:t>of</a:t>
+            </a:r>
+            <a:r>
+              <a:rPr lang="zh-CN" altLang="en-US" dirty="0"/>
+              <a:t> </a:t>
+            </a:r>
+            <a:r>
+              <a:rPr lang="en-US" altLang="zh-CN" dirty="0"/>
+              <a:t>Hessian</a:t>
+            </a:r>
+            <a:r>
+              <a:rPr lang="zh-CN" altLang="en-US" dirty="0"/>
+              <a:t> </a:t>
+            </a:r>
+            <a:r>
+              <a:rPr lang="en-US" altLang="zh-CN" dirty="0"/>
+              <a:t>Matrix.</a:t>
+            </a:r>
+          </a:p>
+          <a:p>
+            <a:pPr marL="742950" lvl="1" indent="-285750">
+              <a:buFontTx/>
+              <a:buChar char="-"/>
+            </a:pPr>
+            <a:r>
+              <a:rPr lang="en-US" altLang="zh-CN" dirty="0"/>
+              <a:t>line-search</a:t>
+            </a:r>
+            <a:r>
+              <a:rPr lang="zh-CN" altLang="en-US" dirty="0"/>
+              <a:t> </a:t>
+            </a:r>
+            <a:r>
+              <a:rPr lang="en-US" altLang="zh-CN" dirty="0"/>
+              <a:t>based.</a:t>
+            </a:r>
+          </a:p>
+          <a:p>
+            <a:pPr marL="742950" lvl="1" indent="-285750">
+              <a:buFontTx/>
+              <a:buChar char="-"/>
+            </a:pPr>
+            <a:r>
+              <a:rPr lang="en-US" altLang="zh-CN" dirty="0"/>
+              <a:t>Unstable</a:t>
+            </a:r>
+            <a:r>
+              <a:rPr lang="zh-CN" altLang="en-US" dirty="0"/>
+              <a:t> </a:t>
+            </a:r>
+            <a:r>
+              <a:rPr lang="en-US" altLang="zh-CN" dirty="0"/>
+              <a:t>to</a:t>
+            </a:r>
+            <a:r>
+              <a:rPr lang="zh-CN" altLang="en-US" dirty="0"/>
+              <a:t> </a:t>
+            </a:r>
+            <a:r>
+              <a:rPr lang="en-US" altLang="zh-CN" dirty="0"/>
+              <a:t>noise.</a:t>
+            </a:r>
             <a:endParaRPr lang="en-US" dirty="0"/>
-          </a:p>
-          <a:p>
-            <a:endParaRPr lang="en-US" dirty="0"/>
-          </a:p>
-        </p:txBody>
-      </p:sp>
-      <p:sp>
-        <p:nvSpPr>
-          <p:cNvPr id="13" name="TextBox 12">
-            <a:extLst>
-              <a:ext uri="{FF2B5EF4-FFF2-40B4-BE49-F238E27FC236}">
-                <a16:creationId xmlns:a16="http://schemas.microsoft.com/office/drawing/2014/main" id="{C690F26E-364C-4A4C-94B4-03BA2650BF69}"/>
-              </a:ext>
-            </a:extLst>
-          </p:cNvPr>
-          <p:cNvSpPr txBox="1"/>
-          <p:nvPr/>
-        </p:nvSpPr>
-        <p:spPr>
-          <a:xfrm>
-            <a:off x="870012" y="4607511"/>
-            <a:ext cx="10306974" cy="369332"/>
-          </a:xfrm>
-          <a:prstGeom prst="rect">
-            <a:avLst/>
-          </a:prstGeom>
-          <a:noFill/>
-        </p:spPr>
-        <p:txBody>
-          <a:bodyPr wrap="square" rtlCol="0">
-            <a:spAutoFit/>
-          </a:bodyPr>
-          <a:lstStyle/>
-          <a:p>
-            <a:r>
-              <a:rPr lang="en-US" dirty="0" err="1"/>
-              <a:t>Duda</a:t>
-            </a:r>
-            <a:r>
-              <a:rPr lang="en-US" dirty="0"/>
-              <a:t>, R. O., Hart, P. E., &amp; Stork, D. G. (2012). </a:t>
-            </a:r>
-            <a:r>
-              <a:rPr lang="en-US" i="1" dirty="0"/>
-              <a:t>Pattern classification</a:t>
-            </a:r>
-            <a:r>
-              <a:rPr lang="en-US" dirty="0"/>
-              <a:t>. John Wiley &amp; Sons.</a:t>
-            </a:r>
           </a:p>
         </p:txBody>
       </p:sp>
     </p:spTree>
     <p:extLst>
       <p:ext uri="{BB962C8B-B14F-4D97-AF65-F5344CB8AC3E}">
-        <p14:creationId xmlns:p14="http://schemas.microsoft.com/office/powerpoint/2010/main" val="893025881"/>
+        <p14:creationId xmlns:p14="http://schemas.microsoft.com/office/powerpoint/2010/main" val="3598025904"/>
       </p:ext>
     </p:extLst>
   </p:cSld>
@@ -3694,10 +9966,315 @@
 </p:sld>
 </file>
 
+<file path=ppt/slides/slide9.xml><?xml version="1.0" encoding="utf-8"?>
+<p:sld xmlns:a="http://schemas.openxmlformats.org/drawingml/2006/main" xmlns:r="http://schemas.openxmlformats.org/officeDocument/2006/relationships" xmlns:p="http://schemas.openxmlformats.org/presentationml/2006/main">
+  <p:cSld>
+    <p:spTree>
+      <p:nvGrpSpPr>
+        <p:cNvPr id="1" name=""/>
+        <p:cNvGrpSpPr/>
+        <p:nvPr/>
+      </p:nvGrpSpPr>
+      <p:grpSpPr>
+        <a:xfrm>
+          <a:off x="0" y="0"/>
+          <a:ext cx="0" cy="0"/>
+          <a:chOff x="0" y="0"/>
+          <a:chExt cx="0" cy="0"/>
+        </a:xfrm>
+      </p:grpSpPr>
+      <p:sp>
+        <p:nvSpPr>
+          <p:cNvPr id="2" name="Title 1">
+            <a:extLst>
+              <a:ext uri="{FF2B5EF4-FFF2-40B4-BE49-F238E27FC236}">
+                <a16:creationId xmlns:a16="http://schemas.microsoft.com/office/drawing/2014/main" id="{28E77A33-13E3-4778-AFD2-7DEED31A32A9}"/>
+              </a:ext>
+            </a:extLst>
+          </p:cNvPr>
+          <p:cNvSpPr>
+            <a:spLocks noGrp="1"/>
+          </p:cNvSpPr>
+          <p:nvPr>
+            <p:ph type="title"/>
+          </p:nvPr>
+        </p:nvSpPr>
+        <p:spPr>
+          <a:xfrm>
+            <a:off x="1785352" y="5550221"/>
+            <a:ext cx="2043863" cy="640080"/>
+          </a:xfrm>
+        </p:spPr>
+        <p:txBody>
+          <a:bodyPr/>
+          <a:lstStyle/>
+          <a:p>
+            <a:r>
+              <a:rPr lang="en-US" altLang="zh-CN" dirty="0"/>
+              <a:t>fig.1</a:t>
+            </a:r>
+            <a:endParaRPr lang="en-US" dirty="0"/>
+          </a:p>
+        </p:txBody>
+      </p:sp>
+      <p:pic>
+        <p:nvPicPr>
+          <p:cNvPr id="4" name="Content Placeholder 3">
+            <a:extLst>
+              <a:ext uri="{FF2B5EF4-FFF2-40B4-BE49-F238E27FC236}">
+                <a16:creationId xmlns:a16="http://schemas.microsoft.com/office/drawing/2014/main" id="{2C58965F-28AF-5244-81BE-BF3540CCD05B}"/>
+              </a:ext>
+            </a:extLst>
+          </p:cNvPr>
+          <p:cNvPicPr>
+            <a:picLocks noGrp="1" noChangeAspect="1"/>
+          </p:cNvPicPr>
+          <p:nvPr>
+            <p:ph sz="quarter" idx="10"/>
+          </p:nvPr>
+        </p:nvPicPr>
+        <p:blipFill>
+          <a:blip r:embed="rId3"/>
+          <a:stretch>
+            <a:fillRect/>
+          </a:stretch>
+        </p:blipFill>
+        <p:spPr>
+          <a:xfrm>
+            <a:off x="521207" y="1307779"/>
+            <a:ext cx="4287147" cy="3978275"/>
+          </a:xfrm>
+          <a:prstGeom prst="rect">
+            <a:avLst/>
+          </a:prstGeom>
+        </p:spPr>
+      </p:pic>
+      <p:pic>
+        <p:nvPicPr>
+          <p:cNvPr id="5" name="Picture 4">
+            <a:extLst>
+              <a:ext uri="{FF2B5EF4-FFF2-40B4-BE49-F238E27FC236}">
+                <a16:creationId xmlns:a16="http://schemas.microsoft.com/office/drawing/2014/main" id="{AE7B18EC-AEF1-C845-924E-B0896E3E104E}"/>
+              </a:ext>
+            </a:extLst>
+          </p:cNvPr>
+          <p:cNvPicPr>
+            <a:picLocks noChangeAspect="1"/>
+          </p:cNvPicPr>
+          <p:nvPr/>
+        </p:nvPicPr>
+        <p:blipFill>
+          <a:blip r:embed="rId4"/>
+          <a:stretch>
+            <a:fillRect/>
+          </a:stretch>
+        </p:blipFill>
+        <p:spPr>
+          <a:xfrm>
+            <a:off x="4659746" y="2045389"/>
+            <a:ext cx="7241880" cy="3061001"/>
+          </a:xfrm>
+          <a:prstGeom prst="rect">
+            <a:avLst/>
+          </a:prstGeom>
+        </p:spPr>
+      </p:pic>
+      <p:sp>
+        <p:nvSpPr>
+          <p:cNvPr id="6" name="Title 1">
+            <a:extLst>
+              <a:ext uri="{FF2B5EF4-FFF2-40B4-BE49-F238E27FC236}">
+                <a16:creationId xmlns:a16="http://schemas.microsoft.com/office/drawing/2014/main" id="{1E4C0EB7-E26C-5A4F-889A-F1064AED92C8}"/>
+              </a:ext>
+            </a:extLst>
+          </p:cNvPr>
+          <p:cNvSpPr txBox="1">
+            <a:spLocks/>
+          </p:cNvSpPr>
+          <p:nvPr/>
+        </p:nvSpPr>
+        <p:spPr>
+          <a:xfrm>
+            <a:off x="5892235" y="5550221"/>
+            <a:ext cx="2043863" cy="640080"/>
+          </a:xfrm>
+          <a:prstGeom prst="rect">
+            <a:avLst/>
+          </a:prstGeom>
+        </p:spPr>
+        <p:txBody>
+          <a:bodyPr vert="horz" lIns="91440" tIns="45720" rIns="91440" bIns="45720" rtlCol="0" anchor="b" anchorCtr="0">
+            <a:normAutofit/>
+          </a:bodyPr>
+          <a:lstStyle>
+            <a:lvl1pPr algn="l" defTabSz="914400" rtl="0" eaLnBrk="1" latinLnBrk="0" hangingPunct="1">
+              <a:lnSpc>
+                <a:spcPct val="90000"/>
+              </a:lnSpc>
+              <a:spcBef>
+                <a:spcPct val="0"/>
+              </a:spcBef>
+              <a:buNone/>
+              <a:defRPr sz="2800" kern="1200">
+                <a:solidFill>
+                  <a:schemeClr val="bg2">
+                    <a:lumMod val="25000"/>
+                  </a:schemeClr>
+                </a:solidFill>
+                <a:latin typeface="+mj-lt"/>
+                <a:ea typeface="+mj-ea"/>
+                <a:cs typeface="+mj-cs"/>
+              </a:defRPr>
+            </a:lvl1pPr>
+          </a:lstStyle>
+          <a:p>
+            <a:r>
+              <a:rPr lang="en-US" altLang="zh-CN" dirty="0"/>
+              <a:t>fig.2.a</a:t>
+            </a:r>
+            <a:endParaRPr lang="en-US" dirty="0"/>
+          </a:p>
+        </p:txBody>
+      </p:sp>
+      <p:sp>
+        <p:nvSpPr>
+          <p:cNvPr id="7" name="Title 1">
+            <a:extLst>
+              <a:ext uri="{FF2B5EF4-FFF2-40B4-BE49-F238E27FC236}">
+                <a16:creationId xmlns:a16="http://schemas.microsoft.com/office/drawing/2014/main" id="{6E56D5A1-2413-3C43-B30D-1B3E1CD68562}"/>
+              </a:ext>
+            </a:extLst>
+          </p:cNvPr>
+          <p:cNvSpPr txBox="1">
+            <a:spLocks/>
+          </p:cNvSpPr>
+          <p:nvPr/>
+        </p:nvSpPr>
+        <p:spPr>
+          <a:xfrm>
+            <a:off x="9751716" y="5550221"/>
+            <a:ext cx="2043863" cy="640080"/>
+          </a:xfrm>
+          <a:prstGeom prst="rect">
+            <a:avLst/>
+          </a:prstGeom>
+        </p:spPr>
+        <p:txBody>
+          <a:bodyPr vert="horz" lIns="91440" tIns="45720" rIns="91440" bIns="45720" rtlCol="0" anchor="b" anchorCtr="0">
+            <a:normAutofit/>
+          </a:bodyPr>
+          <a:lstStyle>
+            <a:lvl1pPr algn="l" defTabSz="914400" rtl="0" eaLnBrk="1" latinLnBrk="0" hangingPunct="1">
+              <a:lnSpc>
+                <a:spcPct val="90000"/>
+              </a:lnSpc>
+              <a:spcBef>
+                <a:spcPct val="0"/>
+              </a:spcBef>
+              <a:buNone/>
+              <a:defRPr sz="2800" kern="1200">
+                <a:solidFill>
+                  <a:schemeClr val="bg2">
+                    <a:lumMod val="25000"/>
+                  </a:schemeClr>
+                </a:solidFill>
+                <a:latin typeface="+mj-lt"/>
+                <a:ea typeface="+mj-ea"/>
+                <a:cs typeface="+mj-cs"/>
+              </a:defRPr>
+            </a:lvl1pPr>
+          </a:lstStyle>
+          <a:p>
+            <a:r>
+              <a:rPr lang="en-US" altLang="zh-CN" dirty="0"/>
+              <a:t>fig.2.b</a:t>
+            </a:r>
+            <a:endParaRPr lang="en-US" dirty="0"/>
+          </a:p>
+        </p:txBody>
+      </p:sp>
+      <p:sp>
+        <p:nvSpPr>
+          <p:cNvPr id="8" name="Title 1">
+            <a:extLst>
+              <a:ext uri="{FF2B5EF4-FFF2-40B4-BE49-F238E27FC236}">
+                <a16:creationId xmlns:a16="http://schemas.microsoft.com/office/drawing/2014/main" id="{DA2A31E3-A446-9446-AAFE-CA26EEBB5A77}"/>
+              </a:ext>
+            </a:extLst>
+          </p:cNvPr>
+          <p:cNvSpPr txBox="1">
+            <a:spLocks/>
+          </p:cNvSpPr>
+          <p:nvPr/>
+        </p:nvSpPr>
+        <p:spPr>
+          <a:xfrm>
+            <a:off x="521207" y="403532"/>
+            <a:ext cx="6877119" cy="640080"/>
+          </a:xfrm>
+          <a:prstGeom prst="rect">
+            <a:avLst/>
+          </a:prstGeom>
+        </p:spPr>
+        <p:txBody>
+          <a:bodyPr vert="horz" lIns="91440" tIns="45720" rIns="91440" bIns="45720" rtlCol="0" anchor="b" anchorCtr="0">
+            <a:normAutofit/>
+          </a:bodyPr>
+          <a:lstStyle>
+            <a:lvl1pPr algn="l" defTabSz="914400" rtl="0" eaLnBrk="1" latinLnBrk="0" hangingPunct="1">
+              <a:lnSpc>
+                <a:spcPct val="90000"/>
+              </a:lnSpc>
+              <a:spcBef>
+                <a:spcPct val="0"/>
+              </a:spcBef>
+              <a:buNone/>
+              <a:defRPr sz="2800" kern="1200">
+                <a:solidFill>
+                  <a:schemeClr val="bg2">
+                    <a:lumMod val="25000"/>
+                  </a:schemeClr>
+                </a:solidFill>
+                <a:latin typeface="+mj-lt"/>
+                <a:ea typeface="+mj-ea"/>
+                <a:cs typeface="+mj-cs"/>
+              </a:defRPr>
+            </a:lvl1pPr>
+          </a:lstStyle>
+          <a:p>
+            <a:r>
+              <a:rPr lang="en-US" dirty="0"/>
+              <a:t>Chart</a:t>
+            </a:r>
+            <a:r>
+              <a:rPr lang="zh-CN" altLang="en-US" dirty="0"/>
+              <a:t> </a:t>
+            </a:r>
+            <a:r>
+              <a:rPr lang="en-US" altLang="zh-CN" dirty="0"/>
+              <a:t>Explanation</a:t>
+            </a:r>
+            <a:endParaRPr lang="en-US" dirty="0"/>
+          </a:p>
+        </p:txBody>
+      </p:sp>
+    </p:spTree>
+    <p:extLst>
+      <p:ext uri="{BB962C8B-B14F-4D97-AF65-F5344CB8AC3E}">
+        <p14:creationId xmlns:p14="http://schemas.microsoft.com/office/powerpoint/2010/main" val="221961260"/>
+      </p:ext>
+    </p:extLst>
+  </p:cSld>
+  <p:clrMapOvr>
+    <a:masterClrMapping/>
+  </p:clrMapOvr>
+</p:sld>
+</file>
+
 <file path=ppt/theme/theme1.xml><?xml version="1.0" encoding="utf-8"?>
-<a:theme xmlns:a="http://schemas.openxmlformats.org/drawingml/2006/main" name="WelcomeDoc">
+<a:theme xmlns:a="http://schemas.openxmlformats.org/drawingml/2006/main" name="Office Theme">
   <a:themeElements>
-    <a:clrScheme name="Office">
+    <a:clrScheme name="Office Theme">
       <a:dk1>
         <a:sysClr val="windowText" lastClr="000000"/>
       </a:dk1>
@@ -3711,22 +10288,22 @@
         <a:srgbClr val="E7E6E6"/>
       </a:lt2>
       <a:accent1>
-        <a:srgbClr val="5B9BD5"/>
+        <a:srgbClr val="1D9A78"/>
       </a:accent1>
       <a:accent2>
-        <a:srgbClr val="ED7D31"/>
+        <a:srgbClr val="8BC145"/>
       </a:accent2>
       <a:accent3>
-        <a:srgbClr val="A5A5A5"/>
+        <a:srgbClr val="36AFCE"/>
       </a:accent3>
       <a:accent4>
-        <a:srgbClr val="FFC000"/>
+        <a:srgbClr val="1D6FA9"/>
       </a:accent4>
       <a:accent5>
-        <a:srgbClr val="4472C4"/>
+        <a:srgbClr val="B74919"/>
       </a:accent5>
       <a:accent6>
-        <a:srgbClr val="70AD47"/>
+        <a:srgbClr val="F19D19"/>
       </a:accent6>
       <a:hlink>
         <a:srgbClr val="0563C1"/>
@@ -3735,19 +10312,79 @@
         <a:srgbClr val="954F72"/>
       </a:folHlink>
     </a:clrScheme>
-    <a:fontScheme name="Segoe UI">
+    <a:fontScheme name="Office Theme">
       <a:majorFont>
-        <a:latin typeface="Segoe UI Light"/>
+        <a:latin typeface="Calibri Light" panose="020F0302020204030204"/>
         <a:ea typeface=""/>
         <a:cs typeface=""/>
+        <a:font script="Jpan" typeface="游ゴシック Light"/>
+        <a:font script="Hang" typeface="맑은 고딕"/>
+        <a:font script="Hans" typeface="等线 Light"/>
+        <a:font script="Hant" typeface="新細明體"/>
+        <a:font script="Arab" typeface="Times New Roman"/>
+        <a:font script="Hebr" typeface="Times New Roman"/>
+        <a:font script="Thai" typeface="Angsana New"/>
+        <a:font script="Ethi" typeface="Nyala"/>
+        <a:font script="Beng" typeface="Vrinda"/>
+        <a:font script="Gujr" typeface="Shruti"/>
+        <a:font script="Khmr" typeface="MoolBoran"/>
+        <a:font script="Knda" typeface="Tunga"/>
+        <a:font script="Guru" typeface="Raavi"/>
+        <a:font script="Cans" typeface="Euphemia"/>
+        <a:font script="Cher" typeface="Plantagenet Cherokee"/>
+        <a:font script="Yiii" typeface="Microsoft Yi Baiti"/>
+        <a:font script="Tibt" typeface="Microsoft Himalaya"/>
+        <a:font script="Thaa" typeface="MV Boli"/>
+        <a:font script="Deva" typeface="Mangal"/>
+        <a:font script="Telu" typeface="Gautami"/>
+        <a:font script="Taml" typeface="Latha"/>
+        <a:font script="Syrc" typeface="Estrangelo Edessa"/>
+        <a:font script="Orya" typeface="Kalinga"/>
+        <a:font script="Mlym" typeface="Kartika"/>
+        <a:font script="Laoo" typeface="DokChampa"/>
+        <a:font script="Sinh" typeface="Iskoola Pota"/>
+        <a:font script="Mong" typeface="Mongolian Baiti"/>
+        <a:font script="Viet" typeface="Times New Roman"/>
+        <a:font script="Uigh" typeface="Microsoft Uighur"/>
+        <a:font script="Geor" typeface="Sylfaen"/>
       </a:majorFont>
       <a:minorFont>
-        <a:latin typeface="Segoe UI"/>
+        <a:latin typeface="Calibri" panose="020F0502020204030204"/>
         <a:ea typeface=""/>
         <a:cs typeface=""/>
+        <a:font script="Jpan" typeface="游ゴシック"/>
+        <a:font script="Hang" typeface="맑은 고딕"/>
+        <a:font script="Hans" typeface="等线"/>
+        <a:font script="Hant" typeface="新細明體"/>
+        <a:font script="Arab" typeface="Arial"/>
+        <a:font script="Hebr" typeface="Arial"/>
+        <a:font script="Thai" typeface="Cordia New"/>
+        <a:font script="Ethi" typeface="Nyala"/>
+        <a:font script="Beng" typeface="Vrinda"/>
+        <a:font script="Gujr" typeface="Shruti"/>
+        <a:font script="Khmr" typeface="DaunPenh"/>
+        <a:font script="Knda" typeface="Tunga"/>
+        <a:font script="Guru" typeface="Raavi"/>
+        <a:font script="Cans" typeface="Euphemia"/>
+        <a:font script="Cher" typeface="Plantagenet Cherokee"/>
+        <a:font script="Yiii" typeface="Microsoft Yi Baiti"/>
+        <a:font script="Tibt" typeface="Microsoft Himalaya"/>
+        <a:font script="Thaa" typeface="MV Boli"/>
+        <a:font script="Deva" typeface="Mangal"/>
+        <a:font script="Telu" typeface="Gautami"/>
+        <a:font script="Taml" typeface="Latha"/>
+        <a:font script="Syrc" typeface="Estrangelo Edessa"/>
+        <a:font script="Orya" typeface="Kalinga"/>
+        <a:font script="Mlym" typeface="Kartika"/>
+        <a:font script="Laoo" typeface="DokChampa"/>
+        <a:font script="Sinh" typeface="Iskoola Pota"/>
+        <a:font script="Mong" typeface="Mongolian Baiti"/>
+        <a:font script="Viet" typeface="Arial"/>
+        <a:font script="Uigh" typeface="Microsoft Uighur"/>
+        <a:font script="Geor" typeface="Sylfaen"/>
       </a:minorFont>
     </a:fontScheme>
-    <a:fmtScheme name="Office">
+    <a:fmtScheme name="Office Theme">
       <a:fillStyleLst>
         <a:solidFill>
           <a:schemeClr val="phClr"/>
@@ -3889,7 +10526,7 @@
   <a:extraClrSchemeLst/>
   <a:extLst>
     <a:ext uri="{05A4C25C-085E-4340-85A3-A5531E510DB2}">
-      <thm15:themeFamily xmlns:thm15="http://schemas.microsoft.com/office/thememl/2012/main" name="TF10001108_Welcome to Powerpoint 2016_CLR_v2" id="{CAB9082A-965C-42BE-8170-C940D3319B60}" vid="{82B84162-888A-4FD2-BEC9-B29B6DB2C73F}"/>
+      <thm15:themeFamily xmlns:thm15="http://schemas.microsoft.com/office/thememl/2012/main" name="Office Theme" id="{62F939B6-93AF-4DB8-9C6B-D6C7DFDC589F}" vid="{AE6F2518-B084-4896-AF52-66CC2144AA26}"/>
     </a:ext>
   </a:extLst>
 </a:theme>
@@ -4452,21 +11089,21 @@
 </file>
 
 <file path=customXml/item1.xml><?xml version="1.0" encoding="utf-8"?>
+<?mso-contentType ?>
+<FormTemplates xmlns="http://schemas.microsoft.com/sharepoint/v3/contenttype/forms">
+  <Display>DocumentLibraryForm</Display>
+  <Edit>DocumentLibraryForm</Edit>
+  <New>DocumentLibraryForm</New>
+</FormTemplates>
+</file>
+
+<file path=customXml/item2.xml><?xml version="1.0" encoding="utf-8"?>
 <p:properties xmlns:p="http://schemas.microsoft.com/office/2006/metadata/properties" xmlns:xsi="http://www.w3.org/2001/XMLSchema-instance" xmlns:pc="http://schemas.microsoft.com/office/infopath/2007/PartnerControls">
   <documentManagement>
     <Status xmlns="71af3243-3dd4-4a8d-8c0d-dd76da1f02a5">Not started</Status>
     <MediaServiceKeyPoints xmlns="71af3243-3dd4-4a8d-8c0d-dd76da1f02a5" xsi:nil="true"/>
   </documentManagement>
 </p:properties>
-</file>
-
-<file path=customXml/item2.xml><?xml version="1.0" encoding="utf-8"?>
-<?mso-contentType ?>
-<FormTemplates xmlns="http://schemas.microsoft.com/sharepoint/v3/contenttype/forms">
-  <Display>DocumentLibraryForm</Display>
-  <Edit>DocumentLibraryForm</Edit>
-  <New>DocumentLibraryForm</New>
-</FormTemplates>
 </file>
 
 <file path=customXml/item3.xml><?xml version="1.0" encoding="utf-8"?>
@@ -4691,19 +11328,19 @@
 </file>
 
 <file path=customXml/itemProps1.xml><?xml version="1.0" encoding="utf-8"?>
+<ds:datastoreItem xmlns:ds="http://schemas.openxmlformats.org/officeDocument/2006/customXml" ds:itemID="{7EE8C63A-4744-4DE4-BB49-0FF0B5375C60}">
+  <ds:schemaRefs>
+    <ds:schemaRef ds:uri="http://schemas.microsoft.com/sharepoint/v3/contenttype/forms"/>
+  </ds:schemaRefs>
+</ds:datastoreItem>
+</file>
+
+<file path=customXml/itemProps2.xml><?xml version="1.0" encoding="utf-8"?>
 <ds:datastoreItem xmlns:ds="http://schemas.openxmlformats.org/officeDocument/2006/customXml" ds:itemID="{950072C5-DDE0-4258-BA7A-4D4B80DFA632}">
   <ds:schemaRefs>
     <ds:schemaRef ds:uri="http://schemas.microsoft.com/office/2006/metadata/properties"/>
     <ds:schemaRef ds:uri="http://schemas.microsoft.com/office/infopath/2007/PartnerControls"/>
     <ds:schemaRef ds:uri="71af3243-3dd4-4a8d-8c0d-dd76da1f02a5"/>
-  </ds:schemaRefs>
-</ds:datastoreItem>
-</file>
-
-<file path=customXml/itemProps2.xml><?xml version="1.0" encoding="utf-8"?>
-<ds:datastoreItem xmlns:ds="http://schemas.openxmlformats.org/officeDocument/2006/customXml" ds:itemID="{7EE8C63A-4744-4DE4-BB49-0FF0B5375C60}">
-  <ds:schemaRefs>
-    <ds:schemaRef ds:uri="http://schemas.microsoft.com/sharepoint/v3/contenttype/forms"/>
   </ds:schemaRefs>
 </ds:datastoreItem>
 </file>
